--- a/GP_Presentation.pptx
+++ b/GP_Presentation.pptx
@@ -2,7 +2,7 @@
 <file path=ppt/presentation.xml><?xml version="1.0" encoding="utf-8"?>
 <p:presentation xmlns:a="http://schemas.openxmlformats.org/drawingml/2006/main" xmlns:r="http://schemas.openxmlformats.org/officeDocument/2006/relationships" xmlns:p="http://schemas.openxmlformats.org/presentationml/2006/main" saveSubsetFonts="1">
   <p:sldMasterIdLst>
-    <p:sldMasterId id="2147483648" r:id="rId1"/>
+    <p:sldMasterId id="2147483696" r:id="rId1"/>
   </p:sldMasterIdLst>
   <p:sldIdLst>
     <p:sldId id="256" r:id="rId2"/>
@@ -116,7 +116,1044 @@
       </a:defRPr>
     </a:lvl9pPr>
   </p:defaultTextStyle>
+  <p:extLst>
+    <p:ext uri="{EFAFB233-063F-42B5-8137-9DF3F51BA10A}">
+      <p15:sldGuideLst xmlns:p15="http://schemas.microsoft.com/office/powerpoint/2012/main"/>
+    </p:ext>
+  </p:extLst>
 </p:presentation>
+</file>
+
+<file path=ppt/charts/chart1.xml><?xml version="1.0" encoding="utf-8"?>
+<c:chartSpace xmlns:c="http://schemas.openxmlformats.org/drawingml/2006/chart" xmlns:a="http://schemas.openxmlformats.org/drawingml/2006/main" xmlns:r="http://schemas.openxmlformats.org/officeDocument/2006/relationships">
+  <c:date1904 val="0"/>
+  <c:lang val="en-US"/>
+  <c:roundedCorners val="0"/>
+  <mc:AlternateContent xmlns:mc="http://schemas.openxmlformats.org/markup-compatibility/2006">
+    <mc:Choice xmlns:c14="http://schemas.microsoft.com/office/drawing/2007/8/2/chart" Requires="c14">
+      <c14:style val="108"/>
+    </mc:Choice>
+    <mc:Fallback>
+      <c:style val="8"/>
+    </mc:Fallback>
+  </mc:AlternateContent>
+  <c:chart>
+    <c:title>
+      <c:tx>
+        <c:rich>
+          <a:bodyPr rot="0" spcFirstLastPara="1" vertOverflow="ellipsis" vert="horz" wrap="square" anchor="ctr" anchorCtr="1"/>
+          <a:lstStyle/>
+          <a:p>
+            <a:pPr>
+              <a:defRPr sz="2128" b="1" i="0" u="none" strike="noStrike" kern="1200" cap="all" spc="120" normalizeH="0" baseline="0">
+                <a:solidFill>
+                  <a:schemeClr val="tx1">
+                    <a:lumMod val="65000"/>
+                    <a:lumOff val="35000"/>
+                  </a:schemeClr>
+                </a:solidFill>
+                <a:latin typeface="+mn-lt"/>
+                <a:ea typeface="+mn-ea"/>
+                <a:cs typeface="+mn-cs"/>
+              </a:defRPr>
+            </a:pPr>
+            <a:r>
+              <a:rPr lang="en-IN"/>
+              <a:t>Time/Space graph for various inputs</a:t>
+            </a:r>
+          </a:p>
+        </c:rich>
+      </c:tx>
+      <c:layout/>
+      <c:overlay val="0"/>
+      <c:spPr>
+        <a:noFill/>
+        <a:ln>
+          <a:noFill/>
+        </a:ln>
+        <a:effectLst/>
+      </c:spPr>
+      <c:txPr>
+        <a:bodyPr rot="0" spcFirstLastPara="1" vertOverflow="ellipsis" vert="horz" wrap="square" anchor="ctr" anchorCtr="1"/>
+        <a:lstStyle/>
+        <a:p>
+          <a:pPr>
+            <a:defRPr sz="2128" b="1" i="0" u="none" strike="noStrike" kern="1200" cap="all" spc="120" normalizeH="0" baseline="0">
+              <a:solidFill>
+                <a:schemeClr val="tx1">
+                  <a:lumMod val="65000"/>
+                  <a:lumOff val="35000"/>
+                </a:schemeClr>
+              </a:solidFill>
+              <a:latin typeface="+mn-lt"/>
+              <a:ea typeface="+mn-ea"/>
+              <a:cs typeface="+mn-cs"/>
+            </a:defRPr>
+          </a:pPr>
+          <a:endParaRPr lang="en-US"/>
+        </a:p>
+      </c:txPr>
+    </c:title>
+    <c:autoTitleDeleted val="0"/>
+    <c:plotArea>
+      <c:layout/>
+      <c:lineChart>
+        <c:grouping val="standard"/>
+        <c:varyColors val="0"/>
+        <c:ser>
+          <c:idx val="0"/>
+          <c:order val="0"/>
+          <c:tx>
+            <c:strRef>
+              <c:f>Sheet1!$B$1</c:f>
+              <c:strCache>
+                <c:ptCount val="1"/>
+                <c:pt idx="0">
+                  <c:v>Time</c:v>
+                </c:pt>
+              </c:strCache>
+            </c:strRef>
+          </c:tx>
+          <c:spPr>
+            <a:ln w="22225" cap="rnd">
+              <a:solidFill>
+                <a:schemeClr val="accent6">
+                  <a:tint val="77000"/>
+                </a:schemeClr>
+              </a:solidFill>
+              <a:round/>
+            </a:ln>
+            <a:effectLst/>
+          </c:spPr>
+          <c:marker>
+            <c:symbol val="diamond"/>
+            <c:size val="6"/>
+            <c:spPr>
+              <a:solidFill>
+                <a:schemeClr val="accent6">
+                  <a:tint val="77000"/>
+                </a:schemeClr>
+              </a:solidFill>
+              <a:ln w="9525">
+                <a:solidFill>
+                  <a:schemeClr val="accent6">
+                    <a:tint val="77000"/>
+                  </a:schemeClr>
+                </a:solidFill>
+                <a:round/>
+              </a:ln>
+              <a:effectLst/>
+            </c:spPr>
+          </c:marker>
+          <c:cat>
+            <c:numRef>
+              <c:f>Sheet1!$A$2:$A$9</c:f>
+              <c:numCache>
+                <c:formatCode>General</c:formatCode>
+                <c:ptCount val="8"/>
+                <c:pt idx="0">
+                  <c:v>4</c:v>
+                </c:pt>
+                <c:pt idx="1">
+                  <c:v>8</c:v>
+                </c:pt>
+                <c:pt idx="2">
+                  <c:v>16</c:v>
+                </c:pt>
+                <c:pt idx="3">
+                  <c:v>32</c:v>
+                </c:pt>
+                <c:pt idx="4">
+                  <c:v>64</c:v>
+                </c:pt>
+                <c:pt idx="5">
+                  <c:v>128</c:v>
+                </c:pt>
+                <c:pt idx="6">
+                  <c:v>256</c:v>
+                </c:pt>
+                <c:pt idx="7">
+                  <c:v>512</c:v>
+                </c:pt>
+              </c:numCache>
+            </c:numRef>
+          </c:cat>
+          <c:val>
+            <c:numRef>
+              <c:f>Sheet1!$B$2:$B$9</c:f>
+              <c:numCache>
+                <c:formatCode>General</c:formatCode>
+                <c:ptCount val="8"/>
+                <c:pt idx="0">
+                  <c:v>1.19731140136718</c:v>
+                </c:pt>
+                <c:pt idx="1">
+                  <c:v>2.2971396446228001</c:v>
+                </c:pt>
+                <c:pt idx="2">
+                  <c:v>4.4879090785980198</c:v>
+                </c:pt>
+                <c:pt idx="3">
+                  <c:v>8.82181525230407</c:v>
+                </c:pt>
+                <c:pt idx="4">
+                  <c:v>17.084349632263098</c:v>
+                </c:pt>
+                <c:pt idx="5">
+                  <c:v>37.081217288970898</c:v>
+                </c:pt>
+                <c:pt idx="6">
+                  <c:v>74.393776416778493</c:v>
+                </c:pt>
+                <c:pt idx="7">
+                  <c:v>142.92485022544801</c:v>
+                </c:pt>
+              </c:numCache>
+            </c:numRef>
+          </c:val>
+          <c:smooth val="0"/>
+        </c:ser>
+        <c:ser>
+          <c:idx val="1"/>
+          <c:order val="1"/>
+          <c:tx>
+            <c:strRef>
+              <c:f>Sheet1!$C$1</c:f>
+              <c:strCache>
+                <c:ptCount val="1"/>
+                <c:pt idx="0">
+                  <c:v>Space</c:v>
+                </c:pt>
+              </c:strCache>
+            </c:strRef>
+          </c:tx>
+          <c:spPr>
+            <a:ln w="22225" cap="rnd">
+              <a:solidFill>
+                <a:schemeClr val="accent6">
+                  <a:shade val="76000"/>
+                </a:schemeClr>
+              </a:solidFill>
+              <a:round/>
+            </a:ln>
+            <a:effectLst/>
+          </c:spPr>
+          <c:marker>
+            <c:symbol val="square"/>
+            <c:size val="6"/>
+            <c:spPr>
+              <a:solidFill>
+                <a:schemeClr val="accent6">
+                  <a:shade val="76000"/>
+                </a:schemeClr>
+              </a:solidFill>
+              <a:ln w="9525">
+                <a:solidFill>
+                  <a:schemeClr val="accent6">
+                    <a:shade val="76000"/>
+                  </a:schemeClr>
+                </a:solidFill>
+                <a:round/>
+              </a:ln>
+              <a:effectLst/>
+            </c:spPr>
+          </c:marker>
+          <c:cat>
+            <c:numRef>
+              <c:f>Sheet1!$A$2:$A$9</c:f>
+              <c:numCache>
+                <c:formatCode>General</c:formatCode>
+                <c:ptCount val="8"/>
+                <c:pt idx="0">
+                  <c:v>4</c:v>
+                </c:pt>
+                <c:pt idx="1">
+                  <c:v>8</c:v>
+                </c:pt>
+                <c:pt idx="2">
+                  <c:v>16</c:v>
+                </c:pt>
+                <c:pt idx="3">
+                  <c:v>32</c:v>
+                </c:pt>
+                <c:pt idx="4">
+                  <c:v>64</c:v>
+                </c:pt>
+                <c:pt idx="5">
+                  <c:v>128</c:v>
+                </c:pt>
+                <c:pt idx="6">
+                  <c:v>256</c:v>
+                </c:pt>
+                <c:pt idx="7">
+                  <c:v>512</c:v>
+                </c:pt>
+              </c:numCache>
+            </c:numRef>
+          </c:cat>
+          <c:val>
+            <c:numRef>
+              <c:f>Sheet1!$C$2:$C$9</c:f>
+              <c:numCache>
+                <c:formatCode>General</c:formatCode>
+                <c:ptCount val="8"/>
+                <c:pt idx="0">
+                  <c:v>17.152000000000001</c:v>
+                </c:pt>
+                <c:pt idx="1">
+                  <c:v>16.969000000000001</c:v>
+                </c:pt>
+                <c:pt idx="2">
+                  <c:v>16.96</c:v>
+                </c:pt>
+                <c:pt idx="3">
+                  <c:v>17</c:v>
+                </c:pt>
+                <c:pt idx="4">
+                  <c:v>17.125</c:v>
+                </c:pt>
+                <c:pt idx="5">
+                  <c:v>17.125</c:v>
+                </c:pt>
+                <c:pt idx="6">
+                  <c:v>17.222999999999999</c:v>
+                </c:pt>
+                <c:pt idx="7">
+                  <c:v>17.556000000000001</c:v>
+                </c:pt>
+              </c:numCache>
+            </c:numRef>
+          </c:val>
+          <c:smooth val="0"/>
+        </c:ser>
+        <c:dLbls>
+          <c:showLegendKey val="0"/>
+          <c:showVal val="0"/>
+          <c:showCatName val="0"/>
+          <c:showSerName val="0"/>
+          <c:showPercent val="0"/>
+          <c:showBubbleSize val="0"/>
+        </c:dLbls>
+        <c:marker val="1"/>
+        <c:smooth val="0"/>
+        <c:axId val="918696880"/>
+        <c:axId val="918699600"/>
+      </c:lineChart>
+      <c:catAx>
+        <c:axId val="918696880"/>
+        <c:scaling>
+          <c:orientation val="minMax"/>
+        </c:scaling>
+        <c:delete val="0"/>
+        <c:axPos val="b"/>
+        <c:majorGridlines>
+          <c:spPr>
+            <a:ln w="9525" cap="flat" cmpd="sng" algn="ctr">
+              <a:solidFill>
+                <a:schemeClr val="tx1">
+                  <a:lumMod val="15000"/>
+                  <a:lumOff val="85000"/>
+                </a:schemeClr>
+              </a:solidFill>
+              <a:round/>
+            </a:ln>
+            <a:effectLst/>
+          </c:spPr>
+        </c:majorGridlines>
+        <c:numFmt formatCode="General" sourceLinked="1"/>
+        <c:majorTickMark val="none"/>
+        <c:minorTickMark val="none"/>
+        <c:tickLblPos val="nextTo"/>
+        <c:spPr>
+          <a:noFill/>
+          <a:ln w="9525" cap="flat" cmpd="sng" algn="ctr">
+            <a:solidFill>
+              <a:schemeClr val="tx1">
+                <a:lumMod val="15000"/>
+                <a:lumOff val="85000"/>
+              </a:schemeClr>
+            </a:solidFill>
+            <a:round/>
+          </a:ln>
+          <a:effectLst/>
+        </c:spPr>
+        <c:txPr>
+          <a:bodyPr rot="-60000000" spcFirstLastPara="1" vertOverflow="ellipsis" vert="horz" wrap="square" anchor="ctr" anchorCtr="1"/>
+          <a:lstStyle/>
+          <a:p>
+            <a:pPr>
+              <a:defRPr sz="1064" b="0" i="0" u="none" strike="noStrike" kern="1200" cap="all" spc="120" normalizeH="0" baseline="0">
+                <a:solidFill>
+                  <a:schemeClr val="tx1">
+                    <a:lumMod val="65000"/>
+                    <a:lumOff val="35000"/>
+                  </a:schemeClr>
+                </a:solidFill>
+                <a:latin typeface="+mn-lt"/>
+                <a:ea typeface="+mn-ea"/>
+                <a:cs typeface="+mn-cs"/>
+              </a:defRPr>
+            </a:pPr>
+            <a:endParaRPr lang="en-US"/>
+          </a:p>
+        </c:txPr>
+        <c:crossAx val="918699600"/>
+        <c:crosses val="autoZero"/>
+        <c:auto val="1"/>
+        <c:lblAlgn val="ctr"/>
+        <c:lblOffset val="100"/>
+        <c:noMultiLvlLbl val="0"/>
+      </c:catAx>
+      <c:valAx>
+        <c:axId val="918699600"/>
+        <c:scaling>
+          <c:orientation val="minMax"/>
+        </c:scaling>
+        <c:delete val="0"/>
+        <c:axPos val="l"/>
+        <c:numFmt formatCode="General" sourceLinked="1"/>
+        <c:majorTickMark val="none"/>
+        <c:minorTickMark val="none"/>
+        <c:tickLblPos val="nextTo"/>
+        <c:spPr>
+          <a:noFill/>
+          <a:ln w="9525" cap="flat" cmpd="sng" algn="ctr">
+            <a:solidFill>
+              <a:schemeClr val="dk1">
+                <a:lumMod val="15000"/>
+                <a:lumOff val="85000"/>
+              </a:schemeClr>
+            </a:solidFill>
+            <a:round/>
+          </a:ln>
+          <a:effectLst/>
+        </c:spPr>
+        <c:txPr>
+          <a:bodyPr rot="-60000000" spcFirstLastPara="1" vertOverflow="ellipsis" vert="horz" wrap="square" anchor="ctr" anchorCtr="1"/>
+          <a:lstStyle/>
+          <a:p>
+            <a:pPr>
+              <a:defRPr sz="1197" b="0" i="0" u="none" strike="noStrike" kern="1200" baseline="0">
+                <a:solidFill>
+                  <a:schemeClr val="tx1">
+                    <a:lumMod val="65000"/>
+                    <a:lumOff val="35000"/>
+                  </a:schemeClr>
+                </a:solidFill>
+                <a:latin typeface="+mn-lt"/>
+                <a:ea typeface="+mn-ea"/>
+                <a:cs typeface="+mn-cs"/>
+              </a:defRPr>
+            </a:pPr>
+            <a:endParaRPr lang="en-US"/>
+          </a:p>
+        </c:txPr>
+        <c:crossAx val="918696880"/>
+        <c:crosses val="autoZero"/>
+        <c:crossBetween val="between"/>
+      </c:valAx>
+      <c:spPr>
+        <a:noFill/>
+        <a:ln>
+          <a:noFill/>
+        </a:ln>
+        <a:effectLst>
+          <a:glow rad="990600">
+            <a:schemeClr val="accent1">
+              <a:alpha val="40000"/>
+            </a:schemeClr>
+          </a:glow>
+          <a:outerShdw blurRad="914400" dist="50800" dir="5400000" sx="107000" sy="107000" algn="ctr" rotWithShape="0">
+            <a:srgbClr val="000000"/>
+          </a:outerShdw>
+          <a:softEdge rad="673100"/>
+        </a:effectLst>
+      </c:spPr>
+    </c:plotArea>
+    <c:legend>
+      <c:legendPos val="t"/>
+      <c:layout/>
+      <c:overlay val="0"/>
+      <c:spPr>
+        <a:noFill/>
+        <a:ln>
+          <a:noFill/>
+        </a:ln>
+        <a:effectLst/>
+      </c:spPr>
+      <c:txPr>
+        <a:bodyPr rot="0" spcFirstLastPara="1" vertOverflow="ellipsis" vert="horz" wrap="square" anchor="ctr" anchorCtr="1"/>
+        <a:lstStyle/>
+        <a:p>
+          <a:pPr>
+            <a:defRPr sz="1197" b="0" i="0" u="none" strike="noStrike" kern="1200" baseline="0">
+              <a:solidFill>
+                <a:schemeClr val="tx1">
+                  <a:lumMod val="65000"/>
+                  <a:lumOff val="35000"/>
+                </a:schemeClr>
+              </a:solidFill>
+              <a:latin typeface="+mn-lt"/>
+              <a:ea typeface="+mn-ea"/>
+              <a:cs typeface="+mn-cs"/>
+            </a:defRPr>
+          </a:pPr>
+          <a:endParaRPr lang="en-US"/>
+        </a:p>
+      </c:txPr>
+    </c:legend>
+    <c:plotVisOnly val="1"/>
+    <c:dispBlanksAs val="gap"/>
+    <c:showDLblsOverMax val="0"/>
+  </c:chart>
+  <c:spPr>
+    <a:noFill/>
+    <a:ln>
+      <a:noFill/>
+    </a:ln>
+    <a:effectLst/>
+  </c:spPr>
+  <c:txPr>
+    <a:bodyPr/>
+    <a:lstStyle/>
+    <a:p>
+      <a:pPr>
+        <a:defRPr/>
+      </a:pPr>
+      <a:endParaRPr lang="en-US"/>
+    </a:p>
+  </c:txPr>
+  <c:externalData r:id="rId3">
+    <c:autoUpdate val="0"/>
+  </c:externalData>
+</c:chartSpace>
+</file>
+
+<file path=ppt/charts/colors1.xml><?xml version="1.0" encoding="utf-8"?>
+<cs:colorStyle xmlns:cs="http://schemas.microsoft.com/office/drawing/2012/chartStyle" xmlns:a="http://schemas.openxmlformats.org/drawingml/2006/main" meth="withinLinearReversed" id="26">
+  <a:schemeClr val="accent6"/>
+</cs:colorStyle>
+</file>
+
+<file path=ppt/charts/style1.xml><?xml version="1.0" encoding="utf-8"?>
+<cs:chartStyle xmlns:cs="http://schemas.microsoft.com/office/drawing/2012/chartStyle" xmlns:a="http://schemas.openxmlformats.org/drawingml/2006/main" id="239">
+  <cs:axisTitle>
+    <cs:lnRef idx="0"/>
+    <cs:fillRef idx="0"/>
+    <cs:effectRef idx="0"/>
+    <cs:fontRef idx="minor">
+      <a:schemeClr val="tx1">
+        <a:lumMod val="65000"/>
+        <a:lumOff val="35000"/>
+      </a:schemeClr>
+    </cs:fontRef>
+    <cs:defRPr sz="1197" kern="1200" cap="all"/>
+  </cs:axisTitle>
+  <cs:categoryAxis>
+    <cs:lnRef idx="0"/>
+    <cs:fillRef idx="0"/>
+    <cs:effectRef idx="0"/>
+    <cs:fontRef idx="minor">
+      <a:schemeClr val="tx1">
+        <a:lumMod val="65000"/>
+        <a:lumOff val="35000"/>
+      </a:schemeClr>
+    </cs:fontRef>
+    <cs:spPr>
+      <a:ln w="9525" cap="flat" cmpd="sng" algn="ctr">
+        <a:solidFill>
+          <a:schemeClr val="tx1">
+            <a:lumMod val="15000"/>
+            <a:lumOff val="85000"/>
+          </a:schemeClr>
+        </a:solidFill>
+        <a:round/>
+      </a:ln>
+    </cs:spPr>
+    <cs:defRPr sz="1064" kern="1200" cap="all" spc="120" normalizeH="0" baseline="0"/>
+  </cs:categoryAxis>
+  <cs:chartArea mods="allowNoFillOverride allowNoLineOverride">
+    <cs:lnRef idx="0"/>
+    <cs:fillRef idx="0"/>
+    <cs:effectRef idx="0"/>
+    <cs:fontRef idx="minor">
+      <a:schemeClr val="dk1"/>
+    </cs:fontRef>
+    <cs:spPr>
+      <a:solidFill>
+        <a:schemeClr val="lt1"/>
+      </a:solidFill>
+      <a:ln w="9525" cap="flat" cmpd="sng" algn="ctr">
+        <a:solidFill>
+          <a:schemeClr val="tx1">
+            <a:lumMod val="15000"/>
+            <a:lumOff val="85000"/>
+          </a:schemeClr>
+        </a:solidFill>
+        <a:round/>
+      </a:ln>
+    </cs:spPr>
+    <cs:defRPr sz="1197" kern="1200"/>
+  </cs:chartArea>
+  <cs:dataLabel>
+    <cs:lnRef idx="0"/>
+    <cs:fillRef idx="0"/>
+    <cs:effectRef idx="0"/>
+    <cs:fontRef idx="minor">
+      <a:schemeClr val="tx1">
+        <a:lumMod val="50000"/>
+        <a:lumOff val="50000"/>
+      </a:schemeClr>
+    </cs:fontRef>
+    <cs:defRPr sz="1197" b="0" i="0" u="none" strike="noStrike" kern="1200" baseline="0"/>
+  </cs:dataLabel>
+  <cs:dataLabelCallout>
+    <cs:lnRef idx="0"/>
+    <cs:fillRef idx="0"/>
+    <cs:effectRef idx="0"/>
+    <cs:fontRef idx="minor">
+      <a:schemeClr val="dk1">
+        <a:lumMod val="65000"/>
+        <a:lumOff val="35000"/>
+      </a:schemeClr>
+    </cs:fontRef>
+    <cs:spPr>
+      <a:solidFill>
+        <a:schemeClr val="lt1"/>
+      </a:solidFill>
+      <a:ln>
+        <a:solidFill>
+          <a:schemeClr val="dk1">
+            <a:lumMod val="25000"/>
+            <a:lumOff val="75000"/>
+          </a:schemeClr>
+        </a:solidFill>
+      </a:ln>
+    </cs:spPr>
+    <cs:defRPr sz="1197" kern="1200"/>
+    <cs:bodyPr rot="0" spcFirstLastPara="1" vertOverflow="clip" horzOverflow="clip" vert="horz" wrap="square" lIns="36576" tIns="18288" rIns="36576" bIns="18288" anchor="ctr" anchorCtr="1">
+      <a:spAutoFit/>
+    </cs:bodyPr>
+  </cs:dataLabelCallout>
+  <cs:dataPoint>
+    <cs:lnRef idx="0"/>
+    <cs:fillRef idx="0">
+      <cs:styleClr val="auto"/>
+    </cs:fillRef>
+    <cs:effectRef idx="0"/>
+    <cs:fontRef idx="minor">
+      <a:schemeClr val="dk1"/>
+    </cs:fontRef>
+    <cs:spPr>
+      <a:solidFill>
+        <a:schemeClr val="phClr"/>
+      </a:solidFill>
+    </cs:spPr>
+  </cs:dataPoint>
+  <cs:dataPoint3D>
+    <cs:lnRef idx="0"/>
+    <cs:fillRef idx="0">
+      <cs:styleClr val="auto"/>
+    </cs:fillRef>
+    <cs:effectRef idx="0"/>
+    <cs:fontRef idx="minor">
+      <a:schemeClr val="dk1"/>
+    </cs:fontRef>
+    <cs:spPr>
+      <a:solidFill>
+        <a:schemeClr val="phClr"/>
+      </a:solidFill>
+    </cs:spPr>
+  </cs:dataPoint3D>
+  <cs:dataPointLine>
+    <cs:lnRef idx="0">
+      <cs:styleClr val="auto"/>
+    </cs:lnRef>
+    <cs:fillRef idx="0"/>
+    <cs:effectRef idx="0"/>
+    <cs:fontRef idx="minor">
+      <a:schemeClr val="dk1"/>
+    </cs:fontRef>
+    <cs:spPr>
+      <a:ln w="22225" cap="rnd">
+        <a:solidFill>
+          <a:schemeClr val="phClr"/>
+        </a:solidFill>
+        <a:round/>
+      </a:ln>
+    </cs:spPr>
+  </cs:dataPointLine>
+  <cs:dataPointMarker>
+    <cs:lnRef idx="0">
+      <cs:styleClr val="auto"/>
+    </cs:lnRef>
+    <cs:fillRef idx="0">
+      <cs:styleClr val="auto"/>
+    </cs:fillRef>
+    <cs:effectRef idx="0"/>
+    <cs:fontRef idx="minor">
+      <a:schemeClr val="dk1"/>
+    </cs:fontRef>
+    <cs:spPr>
+      <a:solidFill>
+        <a:schemeClr val="phClr"/>
+      </a:solidFill>
+      <a:ln w="9525">
+        <a:solidFill>
+          <a:schemeClr val="phClr"/>
+        </a:solidFill>
+        <a:round/>
+      </a:ln>
+    </cs:spPr>
+  </cs:dataPointMarker>
+  <cs:dataPointMarkerLayout size="6"/>
+  <cs:dataPointWireframe>
+    <cs:lnRef idx="0">
+      <cs:styleClr val="auto"/>
+    </cs:lnRef>
+    <cs:fillRef idx="0"/>
+    <cs:effectRef idx="0"/>
+    <cs:fontRef idx="minor">
+      <a:schemeClr val="dk1"/>
+    </cs:fontRef>
+    <cs:spPr>
+      <a:ln w="9525" cap="rnd">
+        <a:solidFill>
+          <a:schemeClr val="phClr"/>
+        </a:solidFill>
+        <a:round/>
+      </a:ln>
+    </cs:spPr>
+  </cs:dataPointWireframe>
+  <cs:dataTable>
+    <cs:lnRef idx="0"/>
+    <cs:fillRef idx="0"/>
+    <cs:effectRef idx="0"/>
+    <cs:fontRef idx="minor">
+      <a:schemeClr val="tx1">
+        <a:lumMod val="65000"/>
+        <a:lumOff val="35000"/>
+      </a:schemeClr>
+    </cs:fontRef>
+    <cs:spPr>
+      <a:ln w="9525">
+        <a:solidFill>
+          <a:schemeClr val="tx1">
+            <a:lumMod val="15000"/>
+            <a:lumOff val="85000"/>
+          </a:schemeClr>
+        </a:solidFill>
+      </a:ln>
+    </cs:spPr>
+    <cs:defRPr sz="1197" kern="1200"/>
+  </cs:dataTable>
+  <cs:downBar>
+    <cs:lnRef idx="0"/>
+    <cs:fillRef idx="0"/>
+    <cs:effectRef idx="0"/>
+    <cs:fontRef idx="minor">
+      <a:schemeClr val="dk1"/>
+    </cs:fontRef>
+    <cs:spPr>
+      <a:solidFill>
+        <a:schemeClr val="dk1">
+          <a:lumMod val="75000"/>
+          <a:lumOff val="25000"/>
+        </a:schemeClr>
+      </a:solidFill>
+      <a:ln w="9525">
+        <a:solidFill>
+          <a:schemeClr val="tx1">
+            <a:lumMod val="15000"/>
+            <a:lumOff val="85000"/>
+          </a:schemeClr>
+        </a:solidFill>
+      </a:ln>
+    </cs:spPr>
+  </cs:downBar>
+  <cs:dropLine>
+    <cs:lnRef idx="0"/>
+    <cs:fillRef idx="0"/>
+    <cs:effectRef idx="0"/>
+    <cs:fontRef idx="minor">
+      <a:schemeClr val="dk1"/>
+    </cs:fontRef>
+    <cs:spPr>
+      <a:ln w="9525">
+        <a:solidFill>
+          <a:schemeClr val="tx1">
+            <a:lumMod val="35000"/>
+            <a:lumOff val="65000"/>
+          </a:schemeClr>
+        </a:solidFill>
+      </a:ln>
+    </cs:spPr>
+  </cs:dropLine>
+  <cs:errorBar>
+    <cs:lnRef idx="0"/>
+    <cs:fillRef idx="0"/>
+    <cs:effectRef idx="0"/>
+    <cs:fontRef idx="minor">
+      <a:schemeClr val="dk1"/>
+    </cs:fontRef>
+    <cs:spPr>
+      <a:ln w="9525">
+        <a:solidFill>
+          <a:schemeClr val="tx1">
+            <a:lumMod val="65000"/>
+            <a:lumOff val="35000"/>
+          </a:schemeClr>
+        </a:solidFill>
+        <a:round/>
+      </a:ln>
+    </cs:spPr>
+  </cs:errorBar>
+  <cs:floor>
+    <cs:lnRef idx="0"/>
+    <cs:fillRef idx="0"/>
+    <cs:effectRef idx="0"/>
+    <cs:fontRef idx="minor">
+      <a:schemeClr val="dk1"/>
+    </cs:fontRef>
+  </cs:floor>
+  <cs:gridlineMajor>
+    <cs:lnRef idx="0"/>
+    <cs:fillRef idx="0"/>
+    <cs:effectRef idx="0"/>
+    <cs:fontRef idx="minor">
+      <a:schemeClr val="dk1"/>
+    </cs:fontRef>
+    <cs:spPr>
+      <a:ln w="9525" cap="flat" cmpd="sng" algn="ctr">
+        <a:solidFill>
+          <a:schemeClr val="tx1">
+            <a:lumMod val="15000"/>
+            <a:lumOff val="85000"/>
+          </a:schemeClr>
+        </a:solidFill>
+        <a:round/>
+      </a:ln>
+    </cs:spPr>
+  </cs:gridlineMajor>
+  <cs:gridlineMinor>
+    <cs:lnRef idx="0"/>
+    <cs:fillRef idx="0"/>
+    <cs:effectRef idx="0"/>
+    <cs:fontRef idx="minor">
+      <a:schemeClr val="dk1"/>
+    </cs:fontRef>
+    <cs:spPr>
+      <a:ln>
+        <a:solidFill>
+          <a:schemeClr val="tx1">
+            <a:lumMod val="5000"/>
+            <a:lumOff val="95000"/>
+          </a:schemeClr>
+        </a:solidFill>
+      </a:ln>
+    </cs:spPr>
+  </cs:gridlineMinor>
+  <cs:hiLoLine>
+    <cs:lnRef idx="0"/>
+    <cs:fillRef idx="0"/>
+    <cs:effectRef idx="0"/>
+    <cs:fontRef idx="minor">
+      <a:schemeClr val="dk1"/>
+    </cs:fontRef>
+    <cs:spPr>
+      <a:ln w="9525">
+        <a:solidFill>
+          <a:schemeClr val="tx1">
+            <a:lumMod val="50000"/>
+            <a:lumOff val="50000"/>
+          </a:schemeClr>
+        </a:solidFill>
+      </a:ln>
+    </cs:spPr>
+  </cs:hiLoLine>
+  <cs:leaderLine>
+    <cs:lnRef idx="0"/>
+    <cs:fillRef idx="0"/>
+    <cs:effectRef idx="0"/>
+    <cs:fontRef idx="minor">
+      <a:schemeClr val="dk1"/>
+    </cs:fontRef>
+    <cs:spPr>
+      <a:ln w="9525">
+        <a:solidFill>
+          <a:schemeClr val="tx1">
+            <a:lumMod val="35000"/>
+            <a:lumOff val="65000"/>
+          </a:schemeClr>
+        </a:solidFill>
+      </a:ln>
+    </cs:spPr>
+  </cs:leaderLine>
+  <cs:legend>
+    <cs:lnRef idx="0"/>
+    <cs:fillRef idx="0"/>
+    <cs:effectRef idx="0"/>
+    <cs:fontRef idx="minor">
+      <a:schemeClr val="tx1">
+        <a:lumMod val="65000"/>
+        <a:lumOff val="35000"/>
+      </a:schemeClr>
+    </cs:fontRef>
+    <cs:defRPr sz="1197" kern="1200"/>
+  </cs:legend>
+  <cs:plotArea mods="allowNoFillOverride allowNoLineOverride">
+    <cs:lnRef idx="0"/>
+    <cs:fillRef idx="0"/>
+    <cs:effectRef idx="0"/>
+    <cs:fontRef idx="minor">
+      <a:schemeClr val="dk1"/>
+    </cs:fontRef>
+  </cs:plotArea>
+  <cs:plotArea3D mods="allowNoFillOverride allowNoLineOverride">
+    <cs:lnRef idx="0"/>
+    <cs:fillRef idx="0"/>
+    <cs:effectRef idx="0"/>
+    <cs:fontRef idx="minor">
+      <a:schemeClr val="dk1"/>
+    </cs:fontRef>
+  </cs:plotArea3D>
+  <cs:seriesAxis>
+    <cs:lnRef idx="0"/>
+    <cs:fillRef idx="0"/>
+    <cs:effectRef idx="0"/>
+    <cs:fontRef idx="minor">
+      <a:schemeClr val="tx1">
+        <a:lumMod val="65000"/>
+        <a:lumOff val="35000"/>
+      </a:schemeClr>
+    </cs:fontRef>
+    <cs:spPr>
+      <a:ln w="9525" cap="flat" cmpd="sng" algn="ctr">
+        <a:solidFill>
+          <a:schemeClr val="tx1">
+            <a:lumMod val="15000"/>
+            <a:lumOff val="85000"/>
+          </a:schemeClr>
+        </a:solidFill>
+        <a:round/>
+      </a:ln>
+    </cs:spPr>
+    <cs:defRPr sz="1197" kern="1200"/>
+  </cs:seriesAxis>
+  <cs:seriesLine>
+    <cs:lnRef idx="0"/>
+    <cs:fillRef idx="0"/>
+    <cs:effectRef idx="0"/>
+    <cs:fontRef idx="minor">
+      <a:schemeClr val="dk1"/>
+    </cs:fontRef>
+    <cs:spPr>
+      <a:ln w="9525">
+        <a:solidFill>
+          <a:schemeClr val="tx1">
+            <a:lumMod val="35000"/>
+            <a:lumOff val="65000"/>
+          </a:schemeClr>
+        </a:solidFill>
+        <a:round/>
+      </a:ln>
+    </cs:spPr>
+  </cs:seriesLine>
+  <cs:title>
+    <cs:lnRef idx="0"/>
+    <cs:fillRef idx="0"/>
+    <cs:effectRef idx="0"/>
+    <cs:fontRef idx="minor">
+      <a:schemeClr val="tx1">
+        <a:lumMod val="65000"/>
+        <a:lumOff val="35000"/>
+      </a:schemeClr>
+    </cs:fontRef>
+    <cs:defRPr sz="2128" b="1" kern="1200" cap="all" spc="120" normalizeH="0" baseline="0"/>
+  </cs:title>
+  <cs:trendline>
+    <cs:lnRef idx="0">
+      <cs:styleClr val="auto"/>
+    </cs:lnRef>
+    <cs:fillRef idx="0"/>
+    <cs:effectRef idx="0"/>
+    <cs:fontRef idx="minor">
+      <a:schemeClr val="dk1"/>
+    </cs:fontRef>
+    <cs:spPr>
+      <a:ln w="19050" cap="rnd">
+        <a:solidFill>
+          <a:schemeClr val="phClr"/>
+        </a:solidFill>
+        <a:prstDash val="sysDash"/>
+      </a:ln>
+    </cs:spPr>
+  </cs:trendline>
+  <cs:trendlineLabel>
+    <cs:lnRef idx="0"/>
+    <cs:fillRef idx="0"/>
+    <cs:effectRef idx="0"/>
+    <cs:fontRef idx="minor">
+      <a:schemeClr val="tx1">
+        <a:lumMod val="65000"/>
+        <a:lumOff val="35000"/>
+      </a:schemeClr>
+    </cs:fontRef>
+    <cs:defRPr sz="1064" kern="1200"/>
+  </cs:trendlineLabel>
+  <cs:upBar>
+    <cs:lnRef idx="0"/>
+    <cs:fillRef idx="0"/>
+    <cs:effectRef idx="0"/>
+    <cs:fontRef idx="minor">
+      <a:schemeClr val="dk1"/>
+    </cs:fontRef>
+    <cs:spPr>
+      <a:solidFill>
+        <a:schemeClr val="lt1"/>
+      </a:solidFill>
+      <a:ln w="9525">
+        <a:solidFill>
+          <a:schemeClr val="tx1">
+            <a:lumMod val="65000"/>
+            <a:lumOff val="35000"/>
+          </a:schemeClr>
+        </a:solidFill>
+      </a:ln>
+    </cs:spPr>
+  </cs:upBar>
+  <cs:valueAxis>
+    <cs:lnRef idx="0"/>
+    <cs:fillRef idx="0"/>
+    <cs:effectRef idx="0"/>
+    <cs:fontRef idx="minor">
+      <a:schemeClr val="tx1">
+        <a:lumMod val="65000"/>
+        <a:lumOff val="35000"/>
+      </a:schemeClr>
+    </cs:fontRef>
+    <cs:spPr>
+      <a:ln w="9525" cap="flat" cmpd="sng" algn="ctr">
+        <a:solidFill>
+          <a:schemeClr val="dk1">
+            <a:lumMod val="15000"/>
+            <a:lumOff val="85000"/>
+          </a:schemeClr>
+        </a:solidFill>
+        <a:round/>
+      </a:ln>
+    </cs:spPr>
+    <cs:defRPr sz="1197" kern="1200"/>
+  </cs:valueAxis>
+  <cs:wall>
+    <cs:lnRef idx="0"/>
+    <cs:fillRef idx="0"/>
+    <cs:effectRef idx="0"/>
+    <cs:fontRef idx="minor">
+      <a:schemeClr val="dk1"/>
+    </cs:fontRef>
+  </cs:wall>
+</cs:chartStyle>
 </file>
 
 <file path=ppt/slideLayouts/slideLayout1.xml><?xml version="1.0" encoding="utf-8"?>
@@ -138,6 +1175,110 @@
       </p:grpSpPr>
       <p:sp>
         <p:nvSpPr>
+          <p:cNvPr id="11" name="Freeform 6"/>
+          <p:cNvSpPr/>
+          <p:nvPr/>
+        </p:nvSpPr>
+        <p:spPr bwMode="auto">
+          <a:xfrm>
+            <a:off x="0" y="-3175"/>
+            <a:ext cx="12192000" cy="5203825"/>
+          </a:xfrm>
+          <a:custGeom>
+            <a:avLst/>
+            <a:gdLst/>
+            <a:ahLst/>
+            <a:cxnLst/>
+            <a:rect l="0" t="0" r="r" b="b"/>
+            <a:pathLst>
+              <a:path w="5760" h="3278">
+                <a:moveTo>
+                  <a:pt x="5760" y="0"/>
+                </a:moveTo>
+                <a:lnTo>
+                  <a:pt x="0" y="0"/>
+                </a:lnTo>
+                <a:lnTo>
+                  <a:pt x="0" y="3090"/>
+                </a:lnTo>
+                <a:lnTo>
+                  <a:pt x="943" y="3090"/>
+                </a:lnTo>
+                <a:lnTo>
+                  <a:pt x="1123" y="3270"/>
+                </a:lnTo>
+                <a:lnTo>
+                  <a:pt x="1123" y="3270"/>
+                </a:lnTo>
+                <a:lnTo>
+                  <a:pt x="1127" y="3272"/>
+                </a:lnTo>
+                <a:lnTo>
+                  <a:pt x="1133" y="3275"/>
+                </a:lnTo>
+                <a:lnTo>
+                  <a:pt x="1139" y="3278"/>
+                </a:lnTo>
+                <a:lnTo>
+                  <a:pt x="1144" y="3278"/>
+                </a:lnTo>
+                <a:lnTo>
+                  <a:pt x="1150" y="3278"/>
+                </a:lnTo>
+                <a:lnTo>
+                  <a:pt x="1155" y="3275"/>
+                </a:lnTo>
+                <a:lnTo>
+                  <a:pt x="1161" y="3272"/>
+                </a:lnTo>
+                <a:lnTo>
+                  <a:pt x="1165" y="3270"/>
+                </a:lnTo>
+                <a:lnTo>
+                  <a:pt x="1345" y="3090"/>
+                </a:lnTo>
+                <a:lnTo>
+                  <a:pt x="5760" y="3090"/>
+                </a:lnTo>
+                <a:lnTo>
+                  <a:pt x="5760" y="0"/>
+                </a:lnTo>
+                <a:close/>
+              </a:path>
+            </a:pathLst>
+          </a:custGeom>
+          <a:ln/>
+          <a:effectLst/>
+          <a:extLst>
+            <a:ext uri="{91240B29-F687-4f45-9708-019B960494DF}">
+              <a14:hiddenLine xmlns:a14="http://schemas.microsoft.com/office/drawing/2010/main" xmlns="" w="9525">
+                <a:solidFill>
+                  <a:srgbClr val="000000"/>
+                </a:solidFill>
+                <a:round/>
+                <a:headEnd/>
+                <a:tailEnd/>
+              </a14:hiddenLine>
+            </a:ext>
+          </a:extLst>
+        </p:spPr>
+        <p:style>
+          <a:lnRef idx="1">
+            <a:schemeClr val="accent1"/>
+          </a:lnRef>
+          <a:fillRef idx="3">
+            <a:schemeClr val="accent1"/>
+          </a:fillRef>
+          <a:effectRef idx="2">
+            <a:schemeClr val="accent1"/>
+          </a:effectRef>
+          <a:fontRef idx="minor">
+            <a:schemeClr val="lt1"/>
+          </a:fontRef>
+        </p:style>
+      </p:sp>
+      <p:sp>
+        <p:nvSpPr>
           <p:cNvPr id="2" name="Title 1"/>
           <p:cNvSpPr>
             <a:spLocks noGrp="1"/>
@@ -148,15 +1289,15 @@
         </p:nvSpPr>
         <p:spPr>
           <a:xfrm>
-            <a:off x="1524000" y="1122363"/>
-            <a:ext cx="9144000" cy="2387600"/>
+            <a:off x="810001" y="1449147"/>
+            <a:ext cx="10572000" cy="2971051"/>
           </a:xfrm>
         </p:spPr>
         <p:txBody>
-          <a:bodyPr anchor="b"/>
+          <a:bodyPr/>
           <a:lstStyle>
-            <a:lvl1pPr algn="ctr">
-              <a:defRPr sz="6000"/>
+            <a:lvl1pPr>
+              <a:defRPr sz="5400"/>
             </a:lvl1pPr>
           </a:lstStyle>
           <a:p>
@@ -164,7 +1305,7 @@
               <a:rPr lang="en-US" smtClean="0"/>
               <a:t>Click to edit Master title style</a:t>
             </a:r>
-            <a:endParaRPr lang="en-IN"/>
+            <a:endParaRPr lang="en-US" dirty="0"/>
           </a:p>
         </p:txBody>
       </p:sp>
@@ -180,48 +1321,100 @@
         </p:nvSpPr>
         <p:spPr>
           <a:xfrm>
-            <a:off x="1524000" y="3602038"/>
-            <a:ext cx="9144000" cy="1655762"/>
+            <a:off x="810001" y="5280847"/>
+            <a:ext cx="10572000" cy="434974"/>
           </a:xfrm>
         </p:spPr>
         <p:txBody>
-          <a:bodyPr/>
+          <a:bodyPr anchor="t"/>
           <a:lstStyle>
-            <a:lvl1pPr marL="0" indent="0" algn="ctr">
+            <a:lvl1pPr marL="0" indent="0" algn="l">
               <a:buNone/>
-              <a:defRPr sz="2400"/>
+              <a:defRPr>
+                <a:solidFill>
+                  <a:schemeClr val="tx1"/>
+                </a:solidFill>
+              </a:defRPr>
             </a:lvl1pPr>
             <a:lvl2pPr marL="457200" indent="0" algn="ctr">
               <a:buNone/>
-              <a:defRPr sz="2000"/>
+              <a:defRPr>
+                <a:solidFill>
+                  <a:schemeClr val="tx1">
+                    <a:tint val="75000"/>
+                  </a:schemeClr>
+                </a:solidFill>
+              </a:defRPr>
             </a:lvl2pPr>
             <a:lvl3pPr marL="914400" indent="0" algn="ctr">
               <a:buNone/>
-              <a:defRPr sz="1800"/>
+              <a:defRPr>
+                <a:solidFill>
+                  <a:schemeClr val="tx1">
+                    <a:tint val="75000"/>
+                  </a:schemeClr>
+                </a:solidFill>
+              </a:defRPr>
             </a:lvl3pPr>
             <a:lvl4pPr marL="1371600" indent="0" algn="ctr">
               <a:buNone/>
-              <a:defRPr sz="1600"/>
+              <a:defRPr>
+                <a:solidFill>
+                  <a:schemeClr val="tx1">
+                    <a:tint val="75000"/>
+                  </a:schemeClr>
+                </a:solidFill>
+              </a:defRPr>
             </a:lvl4pPr>
             <a:lvl5pPr marL="1828800" indent="0" algn="ctr">
               <a:buNone/>
-              <a:defRPr sz="1600"/>
+              <a:defRPr>
+                <a:solidFill>
+                  <a:schemeClr val="tx1">
+                    <a:tint val="75000"/>
+                  </a:schemeClr>
+                </a:solidFill>
+              </a:defRPr>
             </a:lvl5pPr>
             <a:lvl6pPr marL="2286000" indent="0" algn="ctr">
               <a:buNone/>
-              <a:defRPr sz="1600"/>
+              <a:defRPr>
+                <a:solidFill>
+                  <a:schemeClr val="tx1">
+                    <a:tint val="75000"/>
+                  </a:schemeClr>
+                </a:solidFill>
+              </a:defRPr>
             </a:lvl6pPr>
             <a:lvl7pPr marL="2743200" indent="0" algn="ctr">
               <a:buNone/>
-              <a:defRPr sz="1600"/>
+              <a:defRPr>
+                <a:solidFill>
+                  <a:schemeClr val="tx1">
+                    <a:tint val="75000"/>
+                  </a:schemeClr>
+                </a:solidFill>
+              </a:defRPr>
             </a:lvl7pPr>
             <a:lvl8pPr marL="3200400" indent="0" algn="ctr">
               <a:buNone/>
-              <a:defRPr sz="1600"/>
+              <a:defRPr>
+                <a:solidFill>
+                  <a:schemeClr val="tx1">
+                    <a:tint val="75000"/>
+                  </a:schemeClr>
+                </a:solidFill>
+              </a:defRPr>
             </a:lvl8pPr>
             <a:lvl9pPr marL="3657600" indent="0" algn="ctr">
               <a:buNone/>
-              <a:defRPr sz="1600"/>
+              <a:defRPr>
+                <a:solidFill>
+                  <a:schemeClr val="tx1">
+                    <a:tint val="75000"/>
+                  </a:schemeClr>
+                </a:solidFill>
+              </a:defRPr>
             </a:lvl9pPr>
           </a:lstStyle>
           <a:p>
@@ -229,7 +1422,7 @@
               <a:rPr lang="en-US" smtClean="0"/>
               <a:t>Click to edit Master subtitle style</a:t>
             </a:r>
-            <a:endParaRPr lang="en-IN"/>
+            <a:endParaRPr lang="en-US" dirty="0"/>
           </a:p>
         </p:txBody>
       </p:sp>
@@ -301,7 +1494,7 @@
     </p:spTree>
     <p:extLst>
       <p:ext uri="{BB962C8B-B14F-4D97-AF65-F5344CB8AC3E}">
-        <p14:creationId xmlns:p14="http://schemas.microsoft.com/office/powerpoint/2010/main" val="2687574132"/>
+        <p14:creationId xmlns:p14="http://schemas.microsoft.com/office/powerpoint/2010/main" val="4200425580"/>
       </p:ext>
     </p:extLst>
   </p:cSld>
@@ -312,6 +1505,1181 @@
 </file>
 
 <file path=ppt/slideLayouts/slideLayout10.xml><?xml version="1.0" encoding="utf-8"?>
+<p:sldLayout xmlns:a="http://schemas.openxmlformats.org/drawingml/2006/main" xmlns:r="http://schemas.openxmlformats.org/officeDocument/2006/relationships" xmlns:p="http://schemas.openxmlformats.org/presentationml/2006/main" preserve="1">
+  <p:cSld name="Panoramic Picture with Caption">
+    <p:spTree>
+      <p:nvGrpSpPr>
+        <p:cNvPr id="1" name=""/>
+        <p:cNvGrpSpPr/>
+        <p:nvPr/>
+      </p:nvGrpSpPr>
+      <p:grpSpPr>
+        <a:xfrm>
+          <a:off x="0" y="0"/>
+          <a:ext cx="0" cy="0"/>
+          <a:chOff x="0" y="0"/>
+          <a:chExt cx="0" cy="0"/>
+        </a:xfrm>
+      </p:grpSpPr>
+      <p:sp>
+        <p:nvSpPr>
+          <p:cNvPr id="2" name="Title 1"/>
+          <p:cNvSpPr>
+            <a:spLocks noGrp="1"/>
+          </p:cNvSpPr>
+          <p:nvPr>
+            <p:ph type="title"/>
+          </p:nvPr>
+        </p:nvSpPr>
+        <p:spPr>
+          <a:xfrm>
+            <a:off x="810000" y="4800600"/>
+            <a:ext cx="10561418" cy="566738"/>
+          </a:xfrm>
+        </p:spPr>
+        <p:txBody>
+          <a:bodyPr anchor="b">
+            <a:normAutofit/>
+          </a:bodyPr>
+          <a:lstStyle>
+            <a:lvl1pPr algn="l">
+              <a:defRPr sz="2400" b="0"/>
+            </a:lvl1pPr>
+          </a:lstStyle>
+          <a:p>
+            <a:r>
+              <a:rPr lang="en-US" smtClean="0"/>
+              <a:t>Click to edit Master title style</a:t>
+            </a:r>
+            <a:endParaRPr lang="en-US" dirty="0"/>
+          </a:p>
+        </p:txBody>
+      </p:sp>
+      <p:sp>
+        <p:nvSpPr>
+          <p:cNvPr id="15" name="Picture Placeholder 14"/>
+          <p:cNvSpPr>
+            <a:spLocks noGrp="1" noChangeAspect="1"/>
+          </p:cNvSpPr>
+          <p:nvPr>
+            <p:ph type="pic" sz="quarter" idx="13"/>
+          </p:nvPr>
+        </p:nvSpPr>
+        <p:spPr bwMode="auto">
+          <a:xfrm>
+            <a:off x="0" y="0"/>
+            <a:ext cx="12192000" cy="4800600"/>
+          </a:xfrm>
+          <a:custGeom>
+            <a:avLst/>
+            <a:gdLst/>
+            <a:ahLst/>
+            <a:cxnLst/>
+            <a:rect l="0" t="0" r="r" b="b"/>
+            <a:pathLst>
+              <a:path w="5760" h="3289">
+                <a:moveTo>
+                  <a:pt x="5760" y="0"/>
+                </a:moveTo>
+                <a:lnTo>
+                  <a:pt x="0" y="0"/>
+                </a:lnTo>
+                <a:lnTo>
+                  <a:pt x="0" y="3100"/>
+                </a:lnTo>
+                <a:lnTo>
+                  <a:pt x="943" y="3100"/>
+                </a:lnTo>
+                <a:lnTo>
+                  <a:pt x="1123" y="3281"/>
+                </a:lnTo>
+                <a:lnTo>
+                  <a:pt x="1123" y="3281"/>
+                </a:lnTo>
+                <a:lnTo>
+                  <a:pt x="1127" y="3283"/>
+                </a:lnTo>
+                <a:lnTo>
+                  <a:pt x="1133" y="3286"/>
+                </a:lnTo>
+                <a:lnTo>
+                  <a:pt x="1139" y="3289"/>
+                </a:lnTo>
+                <a:lnTo>
+                  <a:pt x="1144" y="3289"/>
+                </a:lnTo>
+                <a:lnTo>
+                  <a:pt x="1150" y="3289"/>
+                </a:lnTo>
+                <a:lnTo>
+                  <a:pt x="1155" y="3286"/>
+                </a:lnTo>
+                <a:lnTo>
+                  <a:pt x="1161" y="3283"/>
+                </a:lnTo>
+                <a:lnTo>
+                  <a:pt x="1165" y="3281"/>
+                </a:lnTo>
+                <a:lnTo>
+                  <a:pt x="1345" y="3100"/>
+                </a:lnTo>
+                <a:lnTo>
+                  <a:pt x="5760" y="3100"/>
+                </a:lnTo>
+                <a:lnTo>
+                  <a:pt x="5760" y="0"/>
+                </a:lnTo>
+                <a:close/>
+              </a:path>
+            </a:pathLst>
+          </a:custGeom>
+          <a:noFill/>
+          <a:ln>
+            <a:solidFill>
+              <a:schemeClr val="tx2"/>
+            </a:solidFill>
+          </a:ln>
+        </p:spPr>
+        <p:style>
+          <a:lnRef idx="1">
+            <a:schemeClr val="accent1"/>
+          </a:lnRef>
+          <a:fillRef idx="3">
+            <a:schemeClr val="accent1"/>
+          </a:fillRef>
+          <a:effectRef idx="2">
+            <a:schemeClr val="accent1"/>
+          </a:effectRef>
+          <a:fontRef idx="minor">
+            <a:schemeClr val="lt1"/>
+          </a:fontRef>
+        </p:style>
+        <p:txBody>
+          <a:bodyPr wrap="square" numCol="1" anchor="t" anchorCtr="0" compatLnSpc="1">
+            <a:prstTxWarp prst="textNoShape">
+              <a:avLst/>
+            </a:prstTxWarp>
+            <a:normAutofit/>
+          </a:bodyPr>
+          <a:lstStyle>
+            <a:lvl1pPr marL="0" indent="0" algn="ctr">
+              <a:buFontTx/>
+              <a:buNone/>
+              <a:defRPr sz="1600"/>
+            </a:lvl1pPr>
+          </a:lstStyle>
+          <a:p>
+            <a:r>
+              <a:rPr lang="en-US" smtClean="0"/>
+              <a:t>Click icon to add picture</a:t>
+            </a:r>
+            <a:endParaRPr lang="en-US" dirty="0"/>
+          </a:p>
+        </p:txBody>
+      </p:sp>
+      <p:sp>
+        <p:nvSpPr>
+          <p:cNvPr id="4" name="Text Placeholder 3"/>
+          <p:cNvSpPr>
+            <a:spLocks noGrp="1"/>
+          </p:cNvSpPr>
+          <p:nvPr>
+            <p:ph type="body" sz="half" idx="2"/>
+          </p:nvPr>
+        </p:nvSpPr>
+        <p:spPr>
+          <a:xfrm>
+            <a:off x="810000" y="5367338"/>
+            <a:ext cx="10561418" cy="493712"/>
+          </a:xfrm>
+        </p:spPr>
+        <p:txBody>
+          <a:bodyPr>
+            <a:normAutofit/>
+          </a:bodyPr>
+          <a:lstStyle>
+            <a:lvl1pPr marL="0" indent="0">
+              <a:buNone/>
+              <a:defRPr sz="1200"/>
+            </a:lvl1pPr>
+            <a:lvl2pPr marL="457200" indent="0">
+              <a:buNone/>
+              <a:defRPr sz="1200"/>
+            </a:lvl2pPr>
+            <a:lvl3pPr marL="914400" indent="0">
+              <a:buNone/>
+              <a:defRPr sz="1000"/>
+            </a:lvl3pPr>
+            <a:lvl4pPr marL="1371600" indent="0">
+              <a:buNone/>
+              <a:defRPr sz="900"/>
+            </a:lvl4pPr>
+            <a:lvl5pPr marL="1828800" indent="0">
+              <a:buNone/>
+              <a:defRPr sz="900"/>
+            </a:lvl5pPr>
+            <a:lvl6pPr marL="2286000" indent="0">
+              <a:buNone/>
+              <a:defRPr sz="900"/>
+            </a:lvl6pPr>
+            <a:lvl7pPr marL="2743200" indent="0">
+              <a:buNone/>
+              <a:defRPr sz="900"/>
+            </a:lvl7pPr>
+            <a:lvl8pPr marL="3200400" indent="0">
+              <a:buNone/>
+              <a:defRPr sz="900"/>
+            </a:lvl8pPr>
+            <a:lvl9pPr marL="3657600" indent="0">
+              <a:buNone/>
+              <a:defRPr sz="900"/>
+            </a:lvl9pPr>
+          </a:lstStyle>
+          <a:p>
+            <a:pPr lvl="0"/>
+            <a:r>
+              <a:rPr lang="en-US" smtClean="0"/>
+              <a:t>Click to edit Master text styles</a:t>
+            </a:r>
+          </a:p>
+        </p:txBody>
+      </p:sp>
+      <p:sp>
+        <p:nvSpPr>
+          <p:cNvPr id="5" name="Date Placeholder 4"/>
+          <p:cNvSpPr>
+            <a:spLocks noGrp="1"/>
+          </p:cNvSpPr>
+          <p:nvPr>
+            <p:ph type="dt" sz="half" idx="10"/>
+          </p:nvPr>
+        </p:nvSpPr>
+        <p:spPr/>
+        <p:txBody>
+          <a:bodyPr/>
+          <a:lstStyle/>
+          <a:p>
+            <a:fld id="{D2A0682D-F1D1-4043-8D0F-3E1EC6A12DA0}" type="datetimeFigureOut">
+              <a:rPr lang="en-IN" smtClean="0"/>
+              <a:t>23-09-2018</a:t>
+            </a:fld>
+            <a:endParaRPr lang="en-IN"/>
+          </a:p>
+        </p:txBody>
+      </p:sp>
+      <p:sp>
+        <p:nvSpPr>
+          <p:cNvPr id="6" name="Footer Placeholder 5"/>
+          <p:cNvSpPr>
+            <a:spLocks noGrp="1"/>
+          </p:cNvSpPr>
+          <p:nvPr>
+            <p:ph type="ftr" sz="quarter" idx="11"/>
+          </p:nvPr>
+        </p:nvSpPr>
+        <p:spPr/>
+        <p:txBody>
+          <a:bodyPr/>
+          <a:lstStyle/>
+          <a:p>
+            <a:endParaRPr lang="en-IN"/>
+          </a:p>
+        </p:txBody>
+      </p:sp>
+      <p:sp>
+        <p:nvSpPr>
+          <p:cNvPr id="7" name="Slide Number Placeholder 6"/>
+          <p:cNvSpPr>
+            <a:spLocks noGrp="1"/>
+          </p:cNvSpPr>
+          <p:nvPr>
+            <p:ph type="sldNum" sz="quarter" idx="12"/>
+          </p:nvPr>
+        </p:nvSpPr>
+        <p:spPr/>
+        <p:txBody>
+          <a:bodyPr/>
+          <a:lstStyle/>
+          <a:p>
+            <a:fld id="{AB53B747-9428-4392-91C7-7A723079C3D3}" type="slidenum">
+              <a:rPr lang="en-IN" smtClean="0"/>
+              <a:t>‹#›</a:t>
+            </a:fld>
+            <a:endParaRPr lang="en-IN"/>
+          </a:p>
+        </p:txBody>
+      </p:sp>
+    </p:spTree>
+    <p:extLst>
+      <p:ext uri="{BB962C8B-B14F-4D97-AF65-F5344CB8AC3E}">
+        <p14:creationId xmlns:p14="http://schemas.microsoft.com/office/powerpoint/2010/main" val="3123982841"/>
+      </p:ext>
+    </p:extLst>
+  </p:cSld>
+  <p:clrMapOvr>
+    <a:masterClrMapping/>
+  </p:clrMapOvr>
+</p:sldLayout>
+</file>
+
+<file path=ppt/slideLayouts/slideLayout11.xml><?xml version="1.0" encoding="utf-8"?>
+<p:sldLayout xmlns:a="http://schemas.openxmlformats.org/drawingml/2006/main" xmlns:r="http://schemas.openxmlformats.org/officeDocument/2006/relationships" xmlns:p="http://schemas.openxmlformats.org/presentationml/2006/main" preserve="1">
+  <p:cSld name="Quote with Caption">
+    <p:spTree>
+      <p:nvGrpSpPr>
+        <p:cNvPr id="1" name=""/>
+        <p:cNvGrpSpPr/>
+        <p:nvPr/>
+      </p:nvGrpSpPr>
+      <p:grpSpPr>
+        <a:xfrm>
+          <a:off x="0" y="0"/>
+          <a:ext cx="0" cy="0"/>
+          <a:chOff x="0" y="0"/>
+          <a:chExt cx="0" cy="0"/>
+        </a:xfrm>
+      </p:grpSpPr>
+      <p:sp>
+        <p:nvSpPr>
+          <p:cNvPr id="8" name="Freeform 6"/>
+          <p:cNvSpPr>
+            <a:spLocks noChangeAspect="1"/>
+          </p:cNvSpPr>
+          <p:nvPr/>
+        </p:nvSpPr>
+        <p:spPr bwMode="auto">
+          <a:xfrm>
+            <a:off x="631697" y="1081456"/>
+            <a:ext cx="6332416" cy="3239188"/>
+          </a:xfrm>
+          <a:custGeom>
+            <a:avLst/>
+            <a:gdLst/>
+            <a:ahLst/>
+            <a:cxnLst/>
+            <a:rect l="0" t="0" r="r" b="b"/>
+            <a:pathLst>
+              <a:path w="3384" h="2308">
+                <a:moveTo>
+                  <a:pt x="3340" y="0"/>
+                </a:moveTo>
+                <a:lnTo>
+                  <a:pt x="44" y="0"/>
+                </a:lnTo>
+                <a:lnTo>
+                  <a:pt x="44" y="0"/>
+                </a:lnTo>
+                <a:lnTo>
+                  <a:pt x="34" y="0"/>
+                </a:lnTo>
+                <a:lnTo>
+                  <a:pt x="26" y="4"/>
+                </a:lnTo>
+                <a:lnTo>
+                  <a:pt x="20" y="8"/>
+                </a:lnTo>
+                <a:lnTo>
+                  <a:pt x="12" y="12"/>
+                </a:lnTo>
+                <a:lnTo>
+                  <a:pt x="8" y="20"/>
+                </a:lnTo>
+                <a:lnTo>
+                  <a:pt x="4" y="26"/>
+                </a:lnTo>
+                <a:lnTo>
+                  <a:pt x="0" y="34"/>
+                </a:lnTo>
+                <a:lnTo>
+                  <a:pt x="0" y="44"/>
+                </a:lnTo>
+                <a:lnTo>
+                  <a:pt x="0" y="2076"/>
+                </a:lnTo>
+                <a:lnTo>
+                  <a:pt x="0" y="2076"/>
+                </a:lnTo>
+                <a:lnTo>
+                  <a:pt x="0" y="2086"/>
+                </a:lnTo>
+                <a:lnTo>
+                  <a:pt x="4" y="2094"/>
+                </a:lnTo>
+                <a:lnTo>
+                  <a:pt x="8" y="2100"/>
+                </a:lnTo>
+                <a:lnTo>
+                  <a:pt x="12" y="2108"/>
+                </a:lnTo>
+                <a:lnTo>
+                  <a:pt x="20" y="2112"/>
+                </a:lnTo>
+                <a:lnTo>
+                  <a:pt x="26" y="2116"/>
+                </a:lnTo>
+                <a:lnTo>
+                  <a:pt x="34" y="2120"/>
+                </a:lnTo>
+                <a:lnTo>
+                  <a:pt x="44" y="2120"/>
+                </a:lnTo>
+                <a:lnTo>
+                  <a:pt x="474" y="2120"/>
+                </a:lnTo>
+                <a:lnTo>
+                  <a:pt x="650" y="2296"/>
+                </a:lnTo>
+                <a:lnTo>
+                  <a:pt x="650" y="2296"/>
+                </a:lnTo>
+                <a:lnTo>
+                  <a:pt x="656" y="2300"/>
+                </a:lnTo>
+                <a:lnTo>
+                  <a:pt x="664" y="2304"/>
+                </a:lnTo>
+                <a:lnTo>
+                  <a:pt x="672" y="2308"/>
+                </a:lnTo>
+                <a:lnTo>
+                  <a:pt x="680" y="2308"/>
+                </a:lnTo>
+                <a:lnTo>
+                  <a:pt x="688" y="2308"/>
+                </a:lnTo>
+                <a:lnTo>
+                  <a:pt x="696" y="2304"/>
+                </a:lnTo>
+                <a:lnTo>
+                  <a:pt x="704" y="2300"/>
+                </a:lnTo>
+                <a:lnTo>
+                  <a:pt x="710" y="2296"/>
+                </a:lnTo>
+                <a:lnTo>
+                  <a:pt x="886" y="2120"/>
+                </a:lnTo>
+                <a:lnTo>
+                  <a:pt x="3340" y="2120"/>
+                </a:lnTo>
+                <a:lnTo>
+                  <a:pt x="3340" y="2120"/>
+                </a:lnTo>
+                <a:lnTo>
+                  <a:pt x="3350" y="2120"/>
+                </a:lnTo>
+                <a:lnTo>
+                  <a:pt x="3358" y="2116"/>
+                </a:lnTo>
+                <a:lnTo>
+                  <a:pt x="3364" y="2112"/>
+                </a:lnTo>
+                <a:lnTo>
+                  <a:pt x="3372" y="2108"/>
+                </a:lnTo>
+                <a:lnTo>
+                  <a:pt x="3376" y="2100"/>
+                </a:lnTo>
+                <a:lnTo>
+                  <a:pt x="3380" y="2094"/>
+                </a:lnTo>
+                <a:lnTo>
+                  <a:pt x="3384" y="2086"/>
+                </a:lnTo>
+                <a:lnTo>
+                  <a:pt x="3384" y="2076"/>
+                </a:lnTo>
+                <a:lnTo>
+                  <a:pt x="3384" y="44"/>
+                </a:lnTo>
+                <a:lnTo>
+                  <a:pt x="3384" y="44"/>
+                </a:lnTo>
+                <a:lnTo>
+                  <a:pt x="3384" y="34"/>
+                </a:lnTo>
+                <a:lnTo>
+                  <a:pt x="3380" y="26"/>
+                </a:lnTo>
+                <a:lnTo>
+                  <a:pt x="3376" y="20"/>
+                </a:lnTo>
+                <a:lnTo>
+                  <a:pt x="3372" y="12"/>
+                </a:lnTo>
+                <a:lnTo>
+                  <a:pt x="3364" y="8"/>
+                </a:lnTo>
+                <a:lnTo>
+                  <a:pt x="3358" y="4"/>
+                </a:lnTo>
+                <a:lnTo>
+                  <a:pt x="3350" y="0"/>
+                </a:lnTo>
+                <a:lnTo>
+                  <a:pt x="3340" y="0"/>
+                </a:lnTo>
+                <a:lnTo>
+                  <a:pt x="3340" y="0"/>
+                </a:lnTo>
+                <a:close/>
+              </a:path>
+            </a:pathLst>
+          </a:custGeom>
+          <a:ln>
+            <a:solidFill>
+              <a:schemeClr val="accent1"/>
+            </a:solidFill>
+          </a:ln>
+        </p:spPr>
+        <p:style>
+          <a:lnRef idx="1">
+            <a:schemeClr val="accent1"/>
+          </a:lnRef>
+          <a:fillRef idx="3">
+            <a:schemeClr val="accent1"/>
+          </a:fillRef>
+          <a:effectRef idx="2">
+            <a:schemeClr val="accent1"/>
+          </a:effectRef>
+          <a:fontRef idx="minor">
+            <a:schemeClr val="lt1"/>
+          </a:fontRef>
+        </p:style>
+      </p:sp>
+      <p:sp>
+        <p:nvSpPr>
+          <p:cNvPr id="2" name="Title 1"/>
+          <p:cNvSpPr>
+            <a:spLocks noGrp="1"/>
+          </p:cNvSpPr>
+          <p:nvPr>
+            <p:ph type="title"/>
+          </p:nvPr>
+        </p:nvSpPr>
+        <p:spPr>
+          <a:xfrm>
+            <a:off x="850985" y="1238502"/>
+            <a:ext cx="5893840" cy="2645912"/>
+          </a:xfrm>
+        </p:spPr>
+        <p:txBody>
+          <a:bodyPr anchor="b"/>
+          <a:lstStyle>
+            <a:lvl1pPr algn="l">
+              <a:defRPr sz="4200" b="1" cap="none"/>
+            </a:lvl1pPr>
+          </a:lstStyle>
+          <a:p>
+            <a:r>
+              <a:rPr lang="en-US" smtClean="0"/>
+              <a:t>Click to edit Master title style</a:t>
+            </a:r>
+            <a:endParaRPr lang="en-US" dirty="0"/>
+          </a:p>
+        </p:txBody>
+      </p:sp>
+      <p:sp>
+        <p:nvSpPr>
+          <p:cNvPr id="3" name="Text Placeholder 2"/>
+          <p:cNvSpPr>
+            <a:spLocks noGrp="1"/>
+          </p:cNvSpPr>
+          <p:nvPr>
+            <p:ph type="body" idx="1"/>
+          </p:nvPr>
+        </p:nvSpPr>
+        <p:spPr>
+          <a:xfrm>
+            <a:off x="853190" y="4443680"/>
+            <a:ext cx="5891636" cy="713241"/>
+          </a:xfrm>
+        </p:spPr>
+        <p:txBody>
+          <a:bodyPr anchor="t">
+            <a:noAutofit/>
+          </a:bodyPr>
+          <a:lstStyle>
+            <a:lvl1pPr marL="0" indent="0" algn="l">
+              <a:buNone/>
+              <a:defRPr sz="1800">
+                <a:solidFill>
+                  <a:schemeClr val="tx1"/>
+                </a:solidFill>
+              </a:defRPr>
+            </a:lvl1pPr>
+            <a:lvl2pPr marL="457200" indent="0">
+              <a:buNone/>
+              <a:defRPr sz="1800">
+                <a:solidFill>
+                  <a:schemeClr val="tx1">
+                    <a:tint val="75000"/>
+                  </a:schemeClr>
+                </a:solidFill>
+              </a:defRPr>
+            </a:lvl2pPr>
+            <a:lvl3pPr marL="914400" indent="0">
+              <a:buNone/>
+              <a:defRPr sz="1600">
+                <a:solidFill>
+                  <a:schemeClr val="tx1">
+                    <a:tint val="75000"/>
+                  </a:schemeClr>
+                </a:solidFill>
+              </a:defRPr>
+            </a:lvl3pPr>
+            <a:lvl4pPr marL="1371600" indent="0">
+              <a:buNone/>
+              <a:defRPr sz="1400">
+                <a:solidFill>
+                  <a:schemeClr val="tx1">
+                    <a:tint val="75000"/>
+                  </a:schemeClr>
+                </a:solidFill>
+              </a:defRPr>
+            </a:lvl4pPr>
+            <a:lvl5pPr marL="1828800" indent="0">
+              <a:buNone/>
+              <a:defRPr sz="1400">
+                <a:solidFill>
+                  <a:schemeClr val="tx1">
+                    <a:tint val="75000"/>
+                  </a:schemeClr>
+                </a:solidFill>
+              </a:defRPr>
+            </a:lvl5pPr>
+            <a:lvl6pPr marL="2286000" indent="0">
+              <a:buNone/>
+              <a:defRPr sz="1400">
+                <a:solidFill>
+                  <a:schemeClr val="tx1">
+                    <a:tint val="75000"/>
+                  </a:schemeClr>
+                </a:solidFill>
+              </a:defRPr>
+            </a:lvl6pPr>
+            <a:lvl7pPr marL="2743200" indent="0">
+              <a:buNone/>
+              <a:defRPr sz="1400">
+                <a:solidFill>
+                  <a:schemeClr val="tx1">
+                    <a:tint val="75000"/>
+                  </a:schemeClr>
+                </a:solidFill>
+              </a:defRPr>
+            </a:lvl7pPr>
+            <a:lvl8pPr marL="3200400" indent="0">
+              <a:buNone/>
+              <a:defRPr sz="1400">
+                <a:solidFill>
+                  <a:schemeClr val="tx1">
+                    <a:tint val="75000"/>
+                  </a:schemeClr>
+                </a:solidFill>
+              </a:defRPr>
+            </a:lvl8pPr>
+            <a:lvl9pPr marL="3657600" indent="0">
+              <a:buNone/>
+              <a:defRPr sz="1400">
+                <a:solidFill>
+                  <a:schemeClr val="tx1">
+                    <a:tint val="75000"/>
+                  </a:schemeClr>
+                </a:solidFill>
+              </a:defRPr>
+            </a:lvl9pPr>
+          </a:lstStyle>
+          <a:p>
+            <a:pPr lvl="0"/>
+            <a:r>
+              <a:rPr lang="en-US" smtClean="0"/>
+              <a:t>Click to edit Master text styles</a:t>
+            </a:r>
+          </a:p>
+        </p:txBody>
+      </p:sp>
+      <p:sp>
+        <p:nvSpPr>
+          <p:cNvPr id="9" name="Text Placeholder 5"/>
+          <p:cNvSpPr>
+            <a:spLocks noGrp="1"/>
+          </p:cNvSpPr>
+          <p:nvPr>
+            <p:ph type="body" sz="quarter" idx="16"/>
+          </p:nvPr>
+        </p:nvSpPr>
+        <p:spPr>
+          <a:xfrm>
+            <a:off x="7574642" y="1081456"/>
+            <a:ext cx="3810001" cy="4075465"/>
+          </a:xfrm>
+        </p:spPr>
+        <p:txBody>
+          <a:bodyPr anchor="t"/>
+          <a:lstStyle>
+            <a:lvl1pPr marL="0" indent="0">
+              <a:buFontTx/>
+              <a:buNone/>
+              <a:defRPr/>
+            </a:lvl1pPr>
+          </a:lstStyle>
+          <a:p>
+            <a:pPr lvl="0"/>
+            <a:r>
+              <a:rPr lang="en-US" smtClean="0"/>
+              <a:t>Click to edit Master text styles</a:t>
+            </a:r>
+          </a:p>
+        </p:txBody>
+      </p:sp>
+      <p:sp>
+        <p:nvSpPr>
+          <p:cNvPr id="4" name="Date Placeholder 3"/>
+          <p:cNvSpPr>
+            <a:spLocks noGrp="1"/>
+          </p:cNvSpPr>
+          <p:nvPr>
+            <p:ph type="dt" sz="half" idx="10"/>
+          </p:nvPr>
+        </p:nvSpPr>
+        <p:spPr/>
+        <p:txBody>
+          <a:bodyPr/>
+          <a:lstStyle/>
+          <a:p>
+            <a:fld id="{D2A0682D-F1D1-4043-8D0F-3E1EC6A12DA0}" type="datetimeFigureOut">
+              <a:rPr lang="en-IN" smtClean="0"/>
+              <a:t>23-09-2018</a:t>
+            </a:fld>
+            <a:endParaRPr lang="en-IN"/>
+          </a:p>
+        </p:txBody>
+      </p:sp>
+      <p:sp>
+        <p:nvSpPr>
+          <p:cNvPr id="5" name="Footer Placeholder 4"/>
+          <p:cNvSpPr>
+            <a:spLocks noGrp="1"/>
+          </p:cNvSpPr>
+          <p:nvPr>
+            <p:ph type="ftr" sz="quarter" idx="11"/>
+          </p:nvPr>
+        </p:nvSpPr>
+        <p:spPr/>
+        <p:txBody>
+          <a:bodyPr/>
+          <a:lstStyle/>
+          <a:p>
+            <a:endParaRPr lang="en-IN"/>
+          </a:p>
+        </p:txBody>
+      </p:sp>
+      <p:sp>
+        <p:nvSpPr>
+          <p:cNvPr id="6" name="Slide Number Placeholder 5"/>
+          <p:cNvSpPr>
+            <a:spLocks noGrp="1"/>
+          </p:cNvSpPr>
+          <p:nvPr>
+            <p:ph type="sldNum" sz="quarter" idx="12"/>
+          </p:nvPr>
+        </p:nvSpPr>
+        <p:spPr/>
+        <p:txBody>
+          <a:bodyPr/>
+          <a:lstStyle/>
+          <a:p>
+            <a:fld id="{AB53B747-9428-4392-91C7-7A723079C3D3}" type="slidenum">
+              <a:rPr lang="en-IN" smtClean="0"/>
+              <a:t>‹#›</a:t>
+            </a:fld>
+            <a:endParaRPr lang="en-IN"/>
+          </a:p>
+        </p:txBody>
+      </p:sp>
+    </p:spTree>
+    <p:extLst>
+      <p:ext uri="{BB962C8B-B14F-4D97-AF65-F5344CB8AC3E}">
+        <p14:creationId xmlns:p14="http://schemas.microsoft.com/office/powerpoint/2010/main" val="199969048"/>
+      </p:ext>
+    </p:extLst>
+  </p:cSld>
+  <p:clrMapOvr>
+    <a:masterClrMapping/>
+  </p:clrMapOvr>
+</p:sldLayout>
+</file>
+
+<file path=ppt/slideLayouts/slideLayout12.xml><?xml version="1.0" encoding="utf-8"?>
+<p:sldLayout xmlns:a="http://schemas.openxmlformats.org/drawingml/2006/main" xmlns:r="http://schemas.openxmlformats.org/officeDocument/2006/relationships" xmlns:p="http://schemas.openxmlformats.org/presentationml/2006/main" preserve="1">
+  <p:cSld name="Name Card">
+    <p:spTree>
+      <p:nvGrpSpPr>
+        <p:cNvPr id="1" name=""/>
+        <p:cNvGrpSpPr/>
+        <p:nvPr/>
+      </p:nvGrpSpPr>
+      <p:grpSpPr>
+        <a:xfrm>
+          <a:off x="0" y="0"/>
+          <a:ext cx="0" cy="0"/>
+          <a:chOff x="0" y="0"/>
+          <a:chExt cx="0" cy="0"/>
+        </a:xfrm>
+      </p:grpSpPr>
+      <p:sp>
+        <p:nvSpPr>
+          <p:cNvPr id="9" name="Freeform 6"/>
+          <p:cNvSpPr>
+            <a:spLocks noChangeAspect="1"/>
+          </p:cNvSpPr>
+          <p:nvPr/>
+        </p:nvSpPr>
+        <p:spPr bwMode="auto">
+          <a:xfrm>
+            <a:off x="1140884" y="2286585"/>
+            <a:ext cx="4895115" cy="2503972"/>
+          </a:xfrm>
+          <a:custGeom>
+            <a:avLst/>
+            <a:gdLst/>
+            <a:ahLst/>
+            <a:cxnLst/>
+            <a:rect l="0" t="0" r="r" b="b"/>
+            <a:pathLst>
+              <a:path w="3384" h="2308">
+                <a:moveTo>
+                  <a:pt x="3340" y="0"/>
+                </a:moveTo>
+                <a:lnTo>
+                  <a:pt x="44" y="0"/>
+                </a:lnTo>
+                <a:lnTo>
+                  <a:pt x="44" y="0"/>
+                </a:lnTo>
+                <a:lnTo>
+                  <a:pt x="34" y="0"/>
+                </a:lnTo>
+                <a:lnTo>
+                  <a:pt x="26" y="4"/>
+                </a:lnTo>
+                <a:lnTo>
+                  <a:pt x="20" y="8"/>
+                </a:lnTo>
+                <a:lnTo>
+                  <a:pt x="12" y="12"/>
+                </a:lnTo>
+                <a:lnTo>
+                  <a:pt x="8" y="20"/>
+                </a:lnTo>
+                <a:lnTo>
+                  <a:pt x="4" y="26"/>
+                </a:lnTo>
+                <a:lnTo>
+                  <a:pt x="0" y="34"/>
+                </a:lnTo>
+                <a:lnTo>
+                  <a:pt x="0" y="44"/>
+                </a:lnTo>
+                <a:lnTo>
+                  <a:pt x="0" y="2076"/>
+                </a:lnTo>
+                <a:lnTo>
+                  <a:pt x="0" y="2076"/>
+                </a:lnTo>
+                <a:lnTo>
+                  <a:pt x="0" y="2086"/>
+                </a:lnTo>
+                <a:lnTo>
+                  <a:pt x="4" y="2094"/>
+                </a:lnTo>
+                <a:lnTo>
+                  <a:pt x="8" y="2100"/>
+                </a:lnTo>
+                <a:lnTo>
+                  <a:pt x="12" y="2108"/>
+                </a:lnTo>
+                <a:lnTo>
+                  <a:pt x="20" y="2112"/>
+                </a:lnTo>
+                <a:lnTo>
+                  <a:pt x="26" y="2116"/>
+                </a:lnTo>
+                <a:lnTo>
+                  <a:pt x="34" y="2120"/>
+                </a:lnTo>
+                <a:lnTo>
+                  <a:pt x="44" y="2120"/>
+                </a:lnTo>
+                <a:lnTo>
+                  <a:pt x="474" y="2120"/>
+                </a:lnTo>
+                <a:lnTo>
+                  <a:pt x="650" y="2296"/>
+                </a:lnTo>
+                <a:lnTo>
+                  <a:pt x="650" y="2296"/>
+                </a:lnTo>
+                <a:lnTo>
+                  <a:pt x="656" y="2300"/>
+                </a:lnTo>
+                <a:lnTo>
+                  <a:pt x="664" y="2304"/>
+                </a:lnTo>
+                <a:lnTo>
+                  <a:pt x="672" y="2308"/>
+                </a:lnTo>
+                <a:lnTo>
+                  <a:pt x="680" y="2308"/>
+                </a:lnTo>
+                <a:lnTo>
+                  <a:pt x="688" y="2308"/>
+                </a:lnTo>
+                <a:lnTo>
+                  <a:pt x="696" y="2304"/>
+                </a:lnTo>
+                <a:lnTo>
+                  <a:pt x="704" y="2300"/>
+                </a:lnTo>
+                <a:lnTo>
+                  <a:pt x="710" y="2296"/>
+                </a:lnTo>
+                <a:lnTo>
+                  <a:pt x="886" y="2120"/>
+                </a:lnTo>
+                <a:lnTo>
+                  <a:pt x="3340" y="2120"/>
+                </a:lnTo>
+                <a:lnTo>
+                  <a:pt x="3340" y="2120"/>
+                </a:lnTo>
+                <a:lnTo>
+                  <a:pt x="3350" y="2120"/>
+                </a:lnTo>
+                <a:lnTo>
+                  <a:pt x="3358" y="2116"/>
+                </a:lnTo>
+                <a:lnTo>
+                  <a:pt x="3364" y="2112"/>
+                </a:lnTo>
+                <a:lnTo>
+                  <a:pt x="3372" y="2108"/>
+                </a:lnTo>
+                <a:lnTo>
+                  <a:pt x="3376" y="2100"/>
+                </a:lnTo>
+                <a:lnTo>
+                  <a:pt x="3380" y="2094"/>
+                </a:lnTo>
+                <a:lnTo>
+                  <a:pt x="3384" y="2086"/>
+                </a:lnTo>
+                <a:lnTo>
+                  <a:pt x="3384" y="2076"/>
+                </a:lnTo>
+                <a:lnTo>
+                  <a:pt x="3384" y="44"/>
+                </a:lnTo>
+                <a:lnTo>
+                  <a:pt x="3384" y="44"/>
+                </a:lnTo>
+                <a:lnTo>
+                  <a:pt x="3384" y="34"/>
+                </a:lnTo>
+                <a:lnTo>
+                  <a:pt x="3380" y="26"/>
+                </a:lnTo>
+                <a:lnTo>
+                  <a:pt x="3376" y="20"/>
+                </a:lnTo>
+                <a:lnTo>
+                  <a:pt x="3372" y="12"/>
+                </a:lnTo>
+                <a:lnTo>
+                  <a:pt x="3364" y="8"/>
+                </a:lnTo>
+                <a:lnTo>
+                  <a:pt x="3358" y="4"/>
+                </a:lnTo>
+                <a:lnTo>
+                  <a:pt x="3350" y="0"/>
+                </a:lnTo>
+                <a:lnTo>
+                  <a:pt x="3340" y="0"/>
+                </a:lnTo>
+                <a:lnTo>
+                  <a:pt x="3340" y="0"/>
+                </a:lnTo>
+                <a:close/>
+              </a:path>
+            </a:pathLst>
+          </a:custGeom>
+          <a:ln>
+            <a:solidFill>
+              <a:schemeClr val="accent1"/>
+            </a:solidFill>
+          </a:ln>
+        </p:spPr>
+        <p:style>
+          <a:lnRef idx="1">
+            <a:schemeClr val="accent1"/>
+          </a:lnRef>
+          <a:fillRef idx="3">
+            <a:schemeClr val="accent1"/>
+          </a:fillRef>
+          <a:effectRef idx="2">
+            <a:schemeClr val="accent1"/>
+          </a:effectRef>
+          <a:fontRef idx="minor">
+            <a:schemeClr val="lt1"/>
+          </a:fontRef>
+        </p:style>
+      </p:sp>
+      <p:sp>
+        <p:nvSpPr>
+          <p:cNvPr id="38" name="Title 1"/>
+          <p:cNvSpPr>
+            <a:spLocks noGrp="1"/>
+          </p:cNvSpPr>
+          <p:nvPr>
+            <p:ph type="title"/>
+          </p:nvPr>
+        </p:nvSpPr>
+        <p:spPr>
+          <a:xfrm>
+            <a:off x="1357089" y="2435957"/>
+            <a:ext cx="4382521" cy="2007789"/>
+          </a:xfrm>
+        </p:spPr>
+        <p:txBody>
+          <a:bodyPr/>
+          <a:lstStyle>
+            <a:lvl1pPr>
+              <a:defRPr sz="3200"/>
+            </a:lvl1pPr>
+          </a:lstStyle>
+          <a:p>
+            <a:r>
+              <a:rPr lang="en-US" smtClean="0"/>
+              <a:t>Click to edit Master title style</a:t>
+            </a:r>
+            <a:endParaRPr lang="en-US" dirty="0"/>
+          </a:p>
+        </p:txBody>
+      </p:sp>
+      <p:sp>
+        <p:nvSpPr>
+          <p:cNvPr id="6" name="Text Placeholder 5"/>
+          <p:cNvSpPr>
+            <a:spLocks noGrp="1"/>
+          </p:cNvSpPr>
+          <p:nvPr>
+            <p:ph type="body" sz="quarter" idx="16"/>
+          </p:nvPr>
+        </p:nvSpPr>
+        <p:spPr>
+          <a:xfrm>
+            <a:off x="6156000" y="2286000"/>
+            <a:ext cx="4880300" cy="2295525"/>
+          </a:xfrm>
+        </p:spPr>
+        <p:txBody>
+          <a:bodyPr anchor="t"/>
+          <a:lstStyle>
+            <a:lvl1pPr marL="0" indent="0">
+              <a:buFontTx/>
+              <a:buNone/>
+              <a:defRPr/>
+            </a:lvl1pPr>
+          </a:lstStyle>
+          <a:p>
+            <a:pPr lvl="0"/>
+            <a:r>
+              <a:rPr lang="en-US" smtClean="0"/>
+              <a:t>Click to edit Master text styles</a:t>
+            </a:r>
+          </a:p>
+        </p:txBody>
+      </p:sp>
+      <p:sp>
+        <p:nvSpPr>
+          <p:cNvPr id="2" name="Date Placeholder 1"/>
+          <p:cNvSpPr>
+            <a:spLocks noGrp="1"/>
+          </p:cNvSpPr>
+          <p:nvPr>
+            <p:ph type="dt" sz="half" idx="10"/>
+          </p:nvPr>
+        </p:nvSpPr>
+        <p:spPr/>
+        <p:txBody>
+          <a:bodyPr/>
+          <a:lstStyle/>
+          <a:p>
+            <a:fld id="{D2A0682D-F1D1-4043-8D0F-3E1EC6A12DA0}" type="datetimeFigureOut">
+              <a:rPr lang="en-IN" smtClean="0"/>
+              <a:t>23-09-2018</a:t>
+            </a:fld>
+            <a:endParaRPr lang="en-IN"/>
+          </a:p>
+        </p:txBody>
+      </p:sp>
+      <p:sp>
+        <p:nvSpPr>
+          <p:cNvPr id="3" name="Footer Placeholder 2"/>
+          <p:cNvSpPr>
+            <a:spLocks noGrp="1"/>
+          </p:cNvSpPr>
+          <p:nvPr>
+            <p:ph type="ftr" sz="quarter" idx="11"/>
+          </p:nvPr>
+        </p:nvSpPr>
+        <p:spPr/>
+        <p:txBody>
+          <a:bodyPr/>
+          <a:lstStyle/>
+          <a:p>
+            <a:endParaRPr lang="en-IN"/>
+          </a:p>
+        </p:txBody>
+      </p:sp>
+      <p:sp>
+        <p:nvSpPr>
+          <p:cNvPr id="4" name="Slide Number Placeholder 3"/>
+          <p:cNvSpPr>
+            <a:spLocks noGrp="1"/>
+          </p:cNvSpPr>
+          <p:nvPr>
+            <p:ph type="sldNum" sz="quarter" idx="12"/>
+          </p:nvPr>
+        </p:nvSpPr>
+        <p:spPr/>
+        <p:txBody>
+          <a:bodyPr/>
+          <a:lstStyle/>
+          <a:p>
+            <a:fld id="{AB53B747-9428-4392-91C7-7A723079C3D3}" type="slidenum">
+              <a:rPr lang="en-IN" smtClean="0"/>
+              <a:t>‹#›</a:t>
+            </a:fld>
+            <a:endParaRPr lang="en-IN"/>
+          </a:p>
+        </p:txBody>
+      </p:sp>
+    </p:spTree>
+    <p:extLst>
+      <p:ext uri="{BB962C8B-B14F-4D97-AF65-F5344CB8AC3E}">
+        <p14:creationId xmlns:p14="http://schemas.microsoft.com/office/powerpoint/2010/main" val="839056015"/>
+      </p:ext>
+    </p:extLst>
+  </p:cSld>
+  <p:clrMapOvr>
+    <a:masterClrMapping/>
+  </p:clrMapOvr>
+</p:sldLayout>
+</file>
+
+<file path=ppt/slideLayouts/slideLayout13.xml><?xml version="1.0" encoding="utf-8"?>
 <p:sldLayout xmlns:a="http://schemas.openxmlformats.org/drawingml/2006/main" xmlns:r="http://schemas.openxmlformats.org/officeDocument/2006/relationships" xmlns:p="http://schemas.openxmlformats.org/presentationml/2006/main" type="vertTx" preserve="1">
   <p:cSld name="Title and Vertical Text">
     <p:spTree>
@@ -330,6 +2698,109 @@
       </p:grpSpPr>
       <p:sp>
         <p:nvSpPr>
+          <p:cNvPr id="7" name="Freeform 6"/>
+          <p:cNvSpPr/>
+          <p:nvPr/>
+        </p:nvSpPr>
+        <p:spPr bwMode="auto">
+          <a:xfrm>
+            <a:off x="0" y="0"/>
+            <a:ext cx="12192000" cy="2185988"/>
+          </a:xfrm>
+          <a:custGeom>
+            <a:avLst/>
+            <a:gdLst/>
+            <a:ahLst/>
+            <a:cxnLst/>
+            <a:rect l="0" t="0" r="r" b="b"/>
+            <a:pathLst>
+              <a:path w="5760" h="1377">
+                <a:moveTo>
+                  <a:pt x="5760" y="0"/>
+                </a:moveTo>
+                <a:lnTo>
+                  <a:pt x="0" y="0"/>
+                </a:lnTo>
+                <a:lnTo>
+                  <a:pt x="0" y="1189"/>
+                </a:lnTo>
+                <a:lnTo>
+                  <a:pt x="943" y="1189"/>
+                </a:lnTo>
+                <a:lnTo>
+                  <a:pt x="1123" y="1369"/>
+                </a:lnTo>
+                <a:lnTo>
+                  <a:pt x="1123" y="1369"/>
+                </a:lnTo>
+                <a:lnTo>
+                  <a:pt x="1127" y="1371"/>
+                </a:lnTo>
+                <a:lnTo>
+                  <a:pt x="1133" y="1374"/>
+                </a:lnTo>
+                <a:lnTo>
+                  <a:pt x="1139" y="1377"/>
+                </a:lnTo>
+                <a:lnTo>
+                  <a:pt x="1144" y="1377"/>
+                </a:lnTo>
+                <a:lnTo>
+                  <a:pt x="1150" y="1377"/>
+                </a:lnTo>
+                <a:lnTo>
+                  <a:pt x="1155" y="1374"/>
+                </a:lnTo>
+                <a:lnTo>
+                  <a:pt x="1161" y="1371"/>
+                </a:lnTo>
+                <a:lnTo>
+                  <a:pt x="1165" y="1369"/>
+                </a:lnTo>
+                <a:lnTo>
+                  <a:pt x="1345" y="1189"/>
+                </a:lnTo>
+                <a:lnTo>
+                  <a:pt x="5760" y="1189"/>
+                </a:lnTo>
+                <a:lnTo>
+                  <a:pt x="5760" y="0"/>
+                </a:lnTo>
+                <a:close/>
+              </a:path>
+            </a:pathLst>
+          </a:custGeom>
+          <a:ln/>
+          <a:extLst>
+            <a:ext uri="{91240B29-F687-4f45-9708-019B960494DF}">
+              <a14:hiddenLine xmlns:a14="http://schemas.microsoft.com/office/drawing/2010/main" xmlns="" w="9525">
+                <a:solidFill>
+                  <a:srgbClr val="000000"/>
+                </a:solidFill>
+                <a:round/>
+                <a:headEnd/>
+                <a:tailEnd/>
+              </a14:hiddenLine>
+            </a:ext>
+          </a:extLst>
+        </p:spPr>
+        <p:style>
+          <a:lnRef idx="1">
+            <a:schemeClr val="accent1"/>
+          </a:lnRef>
+          <a:fillRef idx="3">
+            <a:schemeClr val="accent1"/>
+          </a:fillRef>
+          <a:effectRef idx="2">
+            <a:schemeClr val="accent1"/>
+          </a:effectRef>
+          <a:fontRef idx="minor">
+            <a:schemeClr val="lt1"/>
+          </a:fontRef>
+        </p:style>
+      </p:sp>
+      <p:sp>
+        <p:nvSpPr>
           <p:cNvPr id="2" name="Title 1"/>
           <p:cNvSpPr>
             <a:spLocks noGrp="1"/>
@@ -347,7 +2818,7 @@
               <a:rPr lang="en-US" smtClean="0"/>
               <a:t>Click to edit Master title style</a:t>
             </a:r>
-            <a:endParaRPr lang="en-IN"/>
+            <a:endParaRPr lang="en-US" dirty="0"/>
           </a:p>
         </p:txBody>
       </p:sp>
@@ -363,7 +2834,7 @@
         </p:nvSpPr>
         <p:spPr/>
         <p:txBody>
-          <a:bodyPr vert="eaVert"/>
+          <a:bodyPr vert="eaVert" anchor="t"/>
           <a:lstStyle/>
           <a:p>
             <a:pPr lvl="0"/>
@@ -399,7 +2870,7 @@
               <a:rPr lang="en-US" smtClean="0"/>
               <a:t>Fifth level</a:t>
             </a:r>
-            <a:endParaRPr lang="en-IN"/>
+            <a:endParaRPr lang="en-US" dirty="0"/>
           </a:p>
         </p:txBody>
       </p:sp>
@@ -471,7 +2942,7 @@
     </p:spTree>
     <p:extLst>
       <p:ext uri="{BB962C8B-B14F-4D97-AF65-F5344CB8AC3E}">
-        <p14:creationId xmlns:p14="http://schemas.microsoft.com/office/powerpoint/2010/main" val="752520119"/>
+        <p14:creationId xmlns:p14="http://schemas.microsoft.com/office/powerpoint/2010/main" val="270260138"/>
       </p:ext>
     </p:extLst>
   </p:cSld>
@@ -481,7 +2952,7 @@
 </p:sldLayout>
 </file>
 
-<file path=ppt/slideLayouts/slideLayout11.xml><?xml version="1.0" encoding="utf-8"?>
+<file path=ppt/slideLayouts/slideLayout14.xml><?xml version="1.0" encoding="utf-8"?>
 <p:sldLayout xmlns:a="http://schemas.openxmlformats.org/drawingml/2006/main" xmlns:r="http://schemas.openxmlformats.org/officeDocument/2006/relationships" xmlns:p="http://schemas.openxmlformats.org/presentationml/2006/main" type="vertTitleAndTx" preserve="1">
   <p:cSld name="Vertical Title and Text">
     <p:spTree>
@@ -500,6 +2971,111 @@
       </p:grpSpPr>
       <p:sp>
         <p:nvSpPr>
+          <p:cNvPr id="12" name="Freeform 6"/>
+          <p:cNvSpPr>
+            <a:spLocks noChangeAspect="1"/>
+          </p:cNvSpPr>
+          <p:nvPr/>
+        </p:nvSpPr>
+        <p:spPr bwMode="auto">
+          <a:xfrm>
+            <a:off x="7669651" y="446089"/>
+            <a:ext cx="4522349" cy="5414962"/>
+          </a:xfrm>
+          <a:custGeom>
+            <a:avLst/>
+            <a:gdLst/>
+            <a:ahLst/>
+            <a:cxnLst/>
+            <a:rect l="0" t="0" r="r" b="b"/>
+            <a:pathLst>
+              <a:path w="2879" h="4320">
+                <a:moveTo>
+                  <a:pt x="183" y="0"/>
+                </a:moveTo>
+                <a:lnTo>
+                  <a:pt x="183" y="1197"/>
+                </a:lnTo>
+                <a:lnTo>
+                  <a:pt x="8" y="1372"/>
+                </a:lnTo>
+                <a:lnTo>
+                  <a:pt x="8" y="1372"/>
+                </a:lnTo>
+                <a:lnTo>
+                  <a:pt x="6" y="1376"/>
+                </a:lnTo>
+                <a:lnTo>
+                  <a:pt x="3" y="1382"/>
+                </a:lnTo>
+                <a:lnTo>
+                  <a:pt x="0" y="1387"/>
+                </a:lnTo>
+                <a:lnTo>
+                  <a:pt x="0" y="1393"/>
+                </a:lnTo>
+                <a:lnTo>
+                  <a:pt x="0" y="1399"/>
+                </a:lnTo>
+                <a:lnTo>
+                  <a:pt x="3" y="1404"/>
+                </a:lnTo>
+                <a:lnTo>
+                  <a:pt x="6" y="1410"/>
+                </a:lnTo>
+                <a:lnTo>
+                  <a:pt x="8" y="1414"/>
+                </a:lnTo>
+                <a:lnTo>
+                  <a:pt x="183" y="1589"/>
+                </a:lnTo>
+                <a:lnTo>
+                  <a:pt x="183" y="4320"/>
+                </a:lnTo>
+                <a:lnTo>
+                  <a:pt x="2879" y="4320"/>
+                </a:lnTo>
+                <a:lnTo>
+                  <a:pt x="2879" y="0"/>
+                </a:lnTo>
+                <a:lnTo>
+                  <a:pt x="183" y="0"/>
+                </a:lnTo>
+                <a:close/>
+              </a:path>
+            </a:pathLst>
+          </a:custGeom>
+          <a:ln/>
+          <a:extLst>
+            <a:ext uri="{91240B29-F687-4f45-9708-019B960494DF}">
+              <a14:hiddenLine xmlns:a14="http://schemas.microsoft.com/office/drawing/2010/main" xmlns="" w="9525">
+                <a:solidFill>
+                  <a:srgbClr val="000000"/>
+                </a:solidFill>
+                <a:round/>
+                <a:headEnd/>
+                <a:tailEnd/>
+              </a14:hiddenLine>
+            </a:ext>
+          </a:extLst>
+        </p:spPr>
+        <p:style>
+          <a:lnRef idx="1">
+            <a:schemeClr val="accent1"/>
+          </a:lnRef>
+          <a:fillRef idx="3">
+            <a:schemeClr val="accent1"/>
+          </a:fillRef>
+          <a:effectRef idx="2">
+            <a:schemeClr val="accent1"/>
+          </a:effectRef>
+          <a:fontRef idx="minor">
+            <a:schemeClr val="lt1"/>
+          </a:fontRef>
+        </p:style>
+      </p:sp>
+      <p:sp>
+        <p:nvSpPr>
           <p:cNvPr id="2" name="Vertical Title 1"/>
           <p:cNvSpPr>
             <a:spLocks noGrp="1"/>
@@ -510,8 +3086,8 @@
         </p:nvSpPr>
         <p:spPr>
           <a:xfrm>
-            <a:off x="8724900" y="365125"/>
-            <a:ext cx="2628900" cy="5811838"/>
+            <a:off x="8183540" y="586171"/>
+            <a:ext cx="2494791" cy="5134798"/>
           </a:xfrm>
         </p:spPr>
         <p:txBody>
@@ -522,7 +3098,7 @@
               <a:rPr lang="en-US" smtClean="0"/>
               <a:t>Click to edit Master title style</a:t>
             </a:r>
-            <a:endParaRPr lang="en-IN"/>
+            <a:endParaRPr lang="en-US" dirty="0"/>
           </a:p>
         </p:txBody>
       </p:sp>
@@ -538,12 +3114,12 @@
         </p:nvSpPr>
         <p:spPr>
           <a:xfrm>
-            <a:off x="838200" y="365125"/>
-            <a:ext cx="7734300" cy="5811838"/>
+            <a:off x="810001" y="446089"/>
+            <a:ext cx="6611540" cy="5414962"/>
           </a:xfrm>
         </p:spPr>
         <p:txBody>
-          <a:bodyPr vert="eaVert"/>
+          <a:bodyPr vert="eaVert" anchor="t"/>
           <a:lstStyle/>
           <a:p>
             <a:pPr lvl="0"/>
@@ -579,7 +3155,7 @@
               <a:rPr lang="en-US" smtClean="0"/>
               <a:t>Fifth level</a:t>
             </a:r>
-            <a:endParaRPr lang="en-IN"/>
+            <a:endParaRPr lang="en-US" dirty="0"/>
           </a:p>
         </p:txBody>
       </p:sp>
@@ -651,7 +3227,7 @@
     </p:spTree>
     <p:extLst>
       <p:ext uri="{BB962C8B-B14F-4D97-AF65-F5344CB8AC3E}">
-        <p14:creationId xmlns:p14="http://schemas.microsoft.com/office/powerpoint/2010/main" val="11311617"/>
+        <p14:creationId xmlns:p14="http://schemas.microsoft.com/office/powerpoint/2010/main" val="3695059183"/>
       </p:ext>
     </p:extLst>
   </p:cSld>
@@ -680,6 +3256,109 @@
       </p:grpSpPr>
       <p:sp>
         <p:nvSpPr>
+          <p:cNvPr id="11" name="Freeform 6"/>
+          <p:cNvSpPr/>
+          <p:nvPr/>
+        </p:nvSpPr>
+        <p:spPr bwMode="auto">
+          <a:xfrm>
+            <a:off x="0" y="0"/>
+            <a:ext cx="12192000" cy="2185988"/>
+          </a:xfrm>
+          <a:custGeom>
+            <a:avLst/>
+            <a:gdLst/>
+            <a:ahLst/>
+            <a:cxnLst/>
+            <a:rect l="0" t="0" r="r" b="b"/>
+            <a:pathLst>
+              <a:path w="5760" h="1377">
+                <a:moveTo>
+                  <a:pt x="5760" y="0"/>
+                </a:moveTo>
+                <a:lnTo>
+                  <a:pt x="0" y="0"/>
+                </a:lnTo>
+                <a:lnTo>
+                  <a:pt x="0" y="1189"/>
+                </a:lnTo>
+                <a:lnTo>
+                  <a:pt x="943" y="1189"/>
+                </a:lnTo>
+                <a:lnTo>
+                  <a:pt x="1123" y="1369"/>
+                </a:lnTo>
+                <a:lnTo>
+                  <a:pt x="1123" y="1369"/>
+                </a:lnTo>
+                <a:lnTo>
+                  <a:pt x="1127" y="1371"/>
+                </a:lnTo>
+                <a:lnTo>
+                  <a:pt x="1133" y="1374"/>
+                </a:lnTo>
+                <a:lnTo>
+                  <a:pt x="1139" y="1377"/>
+                </a:lnTo>
+                <a:lnTo>
+                  <a:pt x="1144" y="1377"/>
+                </a:lnTo>
+                <a:lnTo>
+                  <a:pt x="1150" y="1377"/>
+                </a:lnTo>
+                <a:lnTo>
+                  <a:pt x="1155" y="1374"/>
+                </a:lnTo>
+                <a:lnTo>
+                  <a:pt x="1161" y="1371"/>
+                </a:lnTo>
+                <a:lnTo>
+                  <a:pt x="1165" y="1369"/>
+                </a:lnTo>
+                <a:lnTo>
+                  <a:pt x="1345" y="1189"/>
+                </a:lnTo>
+                <a:lnTo>
+                  <a:pt x="5760" y="1189"/>
+                </a:lnTo>
+                <a:lnTo>
+                  <a:pt x="5760" y="0"/>
+                </a:lnTo>
+                <a:close/>
+              </a:path>
+            </a:pathLst>
+          </a:custGeom>
+          <a:ln/>
+          <a:extLst>
+            <a:ext uri="{91240B29-F687-4f45-9708-019B960494DF}">
+              <a14:hiddenLine xmlns:a14="http://schemas.microsoft.com/office/drawing/2010/main" xmlns="" w="9525">
+                <a:solidFill>
+                  <a:srgbClr val="000000"/>
+                </a:solidFill>
+                <a:round/>
+                <a:headEnd/>
+                <a:tailEnd/>
+              </a14:hiddenLine>
+            </a:ext>
+          </a:extLst>
+        </p:spPr>
+        <p:style>
+          <a:lnRef idx="1">
+            <a:schemeClr val="accent1"/>
+          </a:lnRef>
+          <a:fillRef idx="3">
+            <a:schemeClr val="accent1"/>
+          </a:fillRef>
+          <a:effectRef idx="2">
+            <a:schemeClr val="accent1"/>
+          </a:effectRef>
+          <a:fontRef idx="minor">
+            <a:schemeClr val="lt1"/>
+          </a:fontRef>
+        </p:style>
+      </p:sp>
+      <p:sp>
+        <p:nvSpPr>
           <p:cNvPr id="2" name="Title 1"/>
           <p:cNvSpPr>
             <a:spLocks noGrp="1"/>
@@ -688,7 +3367,12 @@
             <p:ph type="title"/>
           </p:nvPr>
         </p:nvSpPr>
-        <p:spPr/>
+        <p:spPr>
+          <a:xfrm>
+            <a:off x="810000" y="447188"/>
+            <a:ext cx="10571998" cy="970450"/>
+          </a:xfrm>
+        </p:spPr>
         <p:txBody>
           <a:bodyPr/>
           <a:lstStyle/>
@@ -697,7 +3381,7 @@
               <a:rPr lang="en-US" smtClean="0"/>
               <a:t>Click to edit Master title style</a:t>
             </a:r>
-            <a:endParaRPr lang="en-IN"/>
+            <a:endParaRPr lang="en-US" dirty="0"/>
           </a:p>
         </p:txBody>
       </p:sp>
@@ -711,7 +3395,12 @@
             <p:ph idx="1"/>
           </p:nvPr>
         </p:nvSpPr>
-        <p:spPr/>
+        <p:spPr>
+          <a:xfrm>
+            <a:off x="818712" y="2222287"/>
+            <a:ext cx="10554574" cy="3636511"/>
+          </a:xfrm>
+        </p:spPr>
         <p:txBody>
           <a:bodyPr/>
           <a:lstStyle/>
@@ -749,7 +3438,7 @@
               <a:rPr lang="en-US" smtClean="0"/>
               <a:t>Fifth level</a:t>
             </a:r>
-            <a:endParaRPr lang="en-IN"/>
+            <a:endParaRPr lang="en-US" dirty="0"/>
           </a:p>
         </p:txBody>
       </p:sp>
@@ -821,7 +3510,7 @@
     </p:spTree>
     <p:extLst>
       <p:ext uri="{BB962C8B-B14F-4D97-AF65-F5344CB8AC3E}">
-        <p14:creationId xmlns:p14="http://schemas.microsoft.com/office/powerpoint/2010/main" val="3734653436"/>
+        <p14:creationId xmlns:p14="http://schemas.microsoft.com/office/powerpoint/2010/main" val="2784767355"/>
       </p:ext>
     </p:extLst>
   </p:cSld>
@@ -850,6 +3539,103 @@
       </p:grpSpPr>
       <p:sp>
         <p:nvSpPr>
+          <p:cNvPr id="10" name="Freeform 7"/>
+          <p:cNvSpPr/>
+          <p:nvPr/>
+        </p:nvSpPr>
+        <p:spPr bwMode="auto">
+          <a:xfrm>
+            <a:off x="0" y="1"/>
+            <a:ext cx="12192000" cy="5203825"/>
+          </a:xfrm>
+          <a:custGeom>
+            <a:avLst/>
+            <a:gdLst/>
+            <a:ahLst/>
+            <a:cxnLst/>
+            <a:rect l="0" t="0" r="r" b="b"/>
+            <a:pathLst>
+              <a:path w="5760" h="3278">
+                <a:moveTo>
+                  <a:pt x="0" y="0"/>
+                </a:moveTo>
+                <a:lnTo>
+                  <a:pt x="5760" y="0"/>
+                </a:lnTo>
+                <a:lnTo>
+                  <a:pt x="5760" y="3090"/>
+                </a:lnTo>
+                <a:lnTo>
+                  <a:pt x="4817" y="3090"/>
+                </a:lnTo>
+                <a:lnTo>
+                  <a:pt x="4637" y="3270"/>
+                </a:lnTo>
+                <a:lnTo>
+                  <a:pt x="4637" y="3270"/>
+                </a:lnTo>
+                <a:lnTo>
+                  <a:pt x="4633" y="3272"/>
+                </a:lnTo>
+                <a:lnTo>
+                  <a:pt x="4627" y="3275"/>
+                </a:lnTo>
+                <a:lnTo>
+                  <a:pt x="4621" y="3278"/>
+                </a:lnTo>
+                <a:lnTo>
+                  <a:pt x="4616" y="3278"/>
+                </a:lnTo>
+                <a:lnTo>
+                  <a:pt x="4610" y="3278"/>
+                </a:lnTo>
+                <a:lnTo>
+                  <a:pt x="4605" y="3275"/>
+                </a:lnTo>
+                <a:lnTo>
+                  <a:pt x="4599" y="3272"/>
+                </a:lnTo>
+                <a:lnTo>
+                  <a:pt x="4595" y="3270"/>
+                </a:lnTo>
+                <a:lnTo>
+                  <a:pt x="4415" y="3090"/>
+                </a:lnTo>
+                <a:lnTo>
+                  <a:pt x="0" y="3090"/>
+                </a:lnTo>
+                <a:lnTo>
+                  <a:pt x="0" y="0"/>
+                </a:lnTo>
+                <a:lnTo>
+                  <a:pt x="0" y="0"/>
+                </a:lnTo>
+                <a:close/>
+              </a:path>
+            </a:pathLst>
+          </a:custGeom>
+          <a:ln>
+            <a:headEnd/>
+            <a:tailEnd/>
+          </a:ln>
+        </p:spPr>
+        <p:style>
+          <a:lnRef idx="1">
+            <a:schemeClr val="accent1"/>
+          </a:lnRef>
+          <a:fillRef idx="3">
+            <a:schemeClr val="accent1"/>
+          </a:fillRef>
+          <a:effectRef idx="2">
+            <a:schemeClr val="accent1"/>
+          </a:effectRef>
+          <a:fontRef idx="minor">
+            <a:schemeClr val="lt1"/>
+          </a:fontRef>
+        </p:style>
+      </p:sp>
+      <p:sp>
+        <p:nvSpPr>
           <p:cNvPr id="2" name="Title 1"/>
           <p:cNvSpPr>
             <a:spLocks noGrp="1"/>
@@ -860,15 +3646,15 @@
         </p:nvSpPr>
         <p:spPr>
           <a:xfrm>
-            <a:off x="831850" y="1709738"/>
-            <a:ext cx="10515600" cy="2852737"/>
+            <a:off x="810000" y="2951396"/>
+            <a:ext cx="10561418" cy="1468800"/>
           </a:xfrm>
         </p:spPr>
         <p:txBody>
           <a:bodyPr anchor="b"/>
           <a:lstStyle>
-            <a:lvl1pPr>
-              <a:defRPr sz="6000"/>
+            <a:lvl1pPr algn="r">
+              <a:defRPr sz="4800" b="1" cap="none"/>
             </a:lvl1pPr>
           </a:lstStyle>
           <a:p>
@@ -876,7 +3662,7 @@
               <a:rPr lang="en-US" smtClean="0"/>
               <a:t>Click to edit Master title style</a:t>
             </a:r>
-            <a:endParaRPr lang="en-IN"/>
+            <a:endParaRPr lang="en-US" dirty="0"/>
           </a:p>
         </p:txBody>
       </p:sp>
@@ -892,26 +3678,26 @@
         </p:nvSpPr>
         <p:spPr>
           <a:xfrm>
-            <a:off x="831850" y="4589463"/>
-            <a:ext cx="10515600" cy="1500187"/>
+            <a:off x="810000" y="5281201"/>
+            <a:ext cx="10561418" cy="433955"/>
           </a:xfrm>
         </p:spPr>
         <p:txBody>
-          <a:bodyPr/>
+          <a:bodyPr anchor="t">
+            <a:noAutofit/>
+          </a:bodyPr>
           <a:lstStyle>
-            <a:lvl1pPr marL="0" indent="0">
+            <a:lvl1pPr marL="0" indent="0" algn="r">
               <a:buNone/>
-              <a:defRPr sz="2400">
+              <a:defRPr sz="1800">
                 <a:solidFill>
-                  <a:schemeClr val="tx1">
-                    <a:tint val="75000"/>
-                  </a:schemeClr>
+                  <a:schemeClr val="tx1"/>
                 </a:solidFill>
               </a:defRPr>
             </a:lvl1pPr>
             <a:lvl2pPr marL="457200" indent="0">
               <a:buNone/>
-              <a:defRPr sz="2000">
+              <a:defRPr sz="1800">
                 <a:solidFill>
                   <a:schemeClr val="tx1">
                     <a:tint val="75000"/>
@@ -921,7 +3707,7 @@
             </a:lvl2pPr>
             <a:lvl3pPr marL="914400" indent="0">
               <a:buNone/>
-              <a:defRPr sz="1800">
+              <a:defRPr sz="1600">
                 <a:solidFill>
                   <a:schemeClr val="tx1">
                     <a:tint val="75000"/>
@@ -931,7 +3717,7 @@
             </a:lvl3pPr>
             <a:lvl4pPr marL="1371600" indent="0">
               <a:buNone/>
-              <a:defRPr sz="1600">
+              <a:defRPr sz="1400">
                 <a:solidFill>
                   <a:schemeClr val="tx1">
                     <a:tint val="75000"/>
@@ -941,7 +3727,7 @@
             </a:lvl4pPr>
             <a:lvl5pPr marL="1828800" indent="0">
               <a:buNone/>
-              <a:defRPr sz="1600">
+              <a:defRPr sz="1400">
                 <a:solidFill>
                   <a:schemeClr val="tx1">
                     <a:tint val="75000"/>
@@ -951,7 +3737,7 @@
             </a:lvl5pPr>
             <a:lvl6pPr marL="2286000" indent="0">
               <a:buNone/>
-              <a:defRPr sz="1600">
+              <a:defRPr sz="1400">
                 <a:solidFill>
                   <a:schemeClr val="tx1">
                     <a:tint val="75000"/>
@@ -961,7 +3747,7 @@
             </a:lvl6pPr>
             <a:lvl7pPr marL="2743200" indent="0">
               <a:buNone/>
-              <a:defRPr sz="1600">
+              <a:defRPr sz="1400">
                 <a:solidFill>
                   <a:schemeClr val="tx1">
                     <a:tint val="75000"/>
@@ -971,7 +3757,7 @@
             </a:lvl7pPr>
             <a:lvl8pPr marL="3200400" indent="0">
               <a:buNone/>
-              <a:defRPr sz="1600">
+              <a:defRPr sz="1400">
                 <a:solidFill>
                   <a:schemeClr val="tx1">
                     <a:tint val="75000"/>
@@ -981,7 +3767,7 @@
             </a:lvl8pPr>
             <a:lvl9pPr marL="3657600" indent="0">
               <a:buNone/>
-              <a:defRPr sz="1600">
+              <a:defRPr sz="1400">
                 <a:solidFill>
                   <a:schemeClr val="tx1">
                     <a:tint val="75000"/>
@@ -1067,7 +3853,7 @@
     </p:spTree>
     <p:extLst>
       <p:ext uri="{BB962C8B-B14F-4D97-AF65-F5344CB8AC3E}">
-        <p14:creationId xmlns:p14="http://schemas.microsoft.com/office/powerpoint/2010/main" val="3072266889"/>
+        <p14:creationId xmlns:p14="http://schemas.microsoft.com/office/powerpoint/2010/main" val="2423630119"/>
       </p:ext>
     </p:extLst>
   </p:cSld>
@@ -1096,6 +3882,109 @@
       </p:grpSpPr>
       <p:sp>
         <p:nvSpPr>
+          <p:cNvPr id="8" name="Freeform 6"/>
+          <p:cNvSpPr/>
+          <p:nvPr/>
+        </p:nvSpPr>
+        <p:spPr bwMode="auto">
+          <a:xfrm>
+            <a:off x="0" y="0"/>
+            <a:ext cx="12192000" cy="2185988"/>
+          </a:xfrm>
+          <a:custGeom>
+            <a:avLst/>
+            <a:gdLst/>
+            <a:ahLst/>
+            <a:cxnLst/>
+            <a:rect l="0" t="0" r="r" b="b"/>
+            <a:pathLst>
+              <a:path w="5760" h="1377">
+                <a:moveTo>
+                  <a:pt x="5760" y="0"/>
+                </a:moveTo>
+                <a:lnTo>
+                  <a:pt x="0" y="0"/>
+                </a:lnTo>
+                <a:lnTo>
+                  <a:pt x="0" y="1189"/>
+                </a:lnTo>
+                <a:lnTo>
+                  <a:pt x="943" y="1189"/>
+                </a:lnTo>
+                <a:lnTo>
+                  <a:pt x="1123" y="1369"/>
+                </a:lnTo>
+                <a:lnTo>
+                  <a:pt x="1123" y="1369"/>
+                </a:lnTo>
+                <a:lnTo>
+                  <a:pt x="1127" y="1371"/>
+                </a:lnTo>
+                <a:lnTo>
+                  <a:pt x="1133" y="1374"/>
+                </a:lnTo>
+                <a:lnTo>
+                  <a:pt x="1139" y="1377"/>
+                </a:lnTo>
+                <a:lnTo>
+                  <a:pt x="1144" y="1377"/>
+                </a:lnTo>
+                <a:lnTo>
+                  <a:pt x="1150" y="1377"/>
+                </a:lnTo>
+                <a:lnTo>
+                  <a:pt x="1155" y="1374"/>
+                </a:lnTo>
+                <a:lnTo>
+                  <a:pt x="1161" y="1371"/>
+                </a:lnTo>
+                <a:lnTo>
+                  <a:pt x="1165" y="1369"/>
+                </a:lnTo>
+                <a:lnTo>
+                  <a:pt x="1345" y="1189"/>
+                </a:lnTo>
+                <a:lnTo>
+                  <a:pt x="5760" y="1189"/>
+                </a:lnTo>
+                <a:lnTo>
+                  <a:pt x="5760" y="0"/>
+                </a:lnTo>
+                <a:close/>
+              </a:path>
+            </a:pathLst>
+          </a:custGeom>
+          <a:ln/>
+          <a:extLst>
+            <a:ext uri="{91240B29-F687-4f45-9708-019B960494DF}">
+              <a14:hiddenLine xmlns:a14="http://schemas.microsoft.com/office/drawing/2010/main" xmlns="" w="9525">
+                <a:solidFill>
+                  <a:srgbClr val="000000"/>
+                </a:solidFill>
+                <a:round/>
+                <a:headEnd/>
+                <a:tailEnd/>
+              </a14:hiddenLine>
+            </a:ext>
+          </a:extLst>
+        </p:spPr>
+        <p:style>
+          <a:lnRef idx="1">
+            <a:schemeClr val="accent1"/>
+          </a:lnRef>
+          <a:fillRef idx="3">
+            <a:schemeClr val="accent1"/>
+          </a:fillRef>
+          <a:effectRef idx="2">
+            <a:schemeClr val="accent1"/>
+          </a:effectRef>
+          <a:fontRef idx="minor">
+            <a:schemeClr val="lt1"/>
+          </a:fontRef>
+        </p:style>
+      </p:sp>
+      <p:sp>
+        <p:nvSpPr>
           <p:cNvPr id="2" name="Title 1"/>
           <p:cNvSpPr>
             <a:spLocks noGrp="1"/>
@@ -1113,7 +4002,7 @@
               <a:rPr lang="en-US" smtClean="0"/>
               <a:t>Click to edit Master title style</a:t>
             </a:r>
-            <a:endParaRPr lang="en-IN"/>
+            <a:endParaRPr lang="en-US" dirty="0"/>
           </a:p>
         </p:txBody>
       </p:sp>
@@ -1129,12 +4018,14 @@
         </p:nvSpPr>
         <p:spPr>
           <a:xfrm>
-            <a:off x="838200" y="1825625"/>
-            <a:ext cx="5181600" cy="4351338"/>
+            <a:off x="818712" y="2222287"/>
+            <a:ext cx="5185873" cy="3638763"/>
           </a:xfrm>
         </p:spPr>
         <p:txBody>
-          <a:bodyPr/>
+          <a:bodyPr>
+            <a:normAutofit/>
+          </a:bodyPr>
           <a:lstStyle/>
           <a:p>
             <a:pPr lvl="0"/>
@@ -1170,7 +4061,7 @@
               <a:rPr lang="en-US" smtClean="0"/>
               <a:t>Fifth level</a:t>
             </a:r>
-            <a:endParaRPr lang="en-IN"/>
+            <a:endParaRPr lang="en-US" dirty="0"/>
           </a:p>
         </p:txBody>
       </p:sp>
@@ -1186,12 +4077,14 @@
         </p:nvSpPr>
         <p:spPr>
           <a:xfrm>
-            <a:off x="6172200" y="1825625"/>
-            <a:ext cx="5181600" cy="4351338"/>
+            <a:off x="6187415" y="2222287"/>
+            <a:ext cx="5194583" cy="3638764"/>
           </a:xfrm>
         </p:spPr>
         <p:txBody>
-          <a:bodyPr/>
+          <a:bodyPr>
+            <a:normAutofit/>
+          </a:bodyPr>
           <a:lstStyle/>
           <a:p>
             <a:pPr lvl="0"/>
@@ -1227,7 +4120,7 @@
               <a:rPr lang="en-US" smtClean="0"/>
               <a:t>Fifth level</a:t>
             </a:r>
-            <a:endParaRPr lang="en-IN"/>
+            <a:endParaRPr lang="en-US" dirty="0"/>
           </a:p>
         </p:txBody>
       </p:sp>
@@ -1299,7 +4192,7 @@
     </p:spTree>
     <p:extLst>
       <p:ext uri="{BB962C8B-B14F-4D97-AF65-F5344CB8AC3E}">
-        <p14:creationId xmlns:p14="http://schemas.microsoft.com/office/powerpoint/2010/main" val="827672299"/>
+        <p14:creationId xmlns:p14="http://schemas.microsoft.com/office/powerpoint/2010/main" val="2292362794"/>
       </p:ext>
     </p:extLst>
   </p:cSld>
@@ -1328,54 +4221,158 @@
       </p:grpSpPr>
       <p:sp>
         <p:nvSpPr>
+          <p:cNvPr id="10" name="Freeform 6"/>
+          <p:cNvSpPr/>
+          <p:nvPr/>
+        </p:nvSpPr>
+        <p:spPr bwMode="auto">
+          <a:xfrm>
+            <a:off x="0" y="0"/>
+            <a:ext cx="12192000" cy="2185988"/>
+          </a:xfrm>
+          <a:custGeom>
+            <a:avLst/>
+            <a:gdLst/>
+            <a:ahLst/>
+            <a:cxnLst/>
+            <a:rect l="0" t="0" r="r" b="b"/>
+            <a:pathLst>
+              <a:path w="5760" h="1377">
+                <a:moveTo>
+                  <a:pt x="5760" y="0"/>
+                </a:moveTo>
+                <a:lnTo>
+                  <a:pt x="0" y="0"/>
+                </a:lnTo>
+                <a:lnTo>
+                  <a:pt x="0" y="1189"/>
+                </a:lnTo>
+                <a:lnTo>
+                  <a:pt x="943" y="1189"/>
+                </a:lnTo>
+                <a:lnTo>
+                  <a:pt x="1123" y="1369"/>
+                </a:lnTo>
+                <a:lnTo>
+                  <a:pt x="1123" y="1369"/>
+                </a:lnTo>
+                <a:lnTo>
+                  <a:pt x="1127" y="1371"/>
+                </a:lnTo>
+                <a:lnTo>
+                  <a:pt x="1133" y="1374"/>
+                </a:lnTo>
+                <a:lnTo>
+                  <a:pt x="1139" y="1377"/>
+                </a:lnTo>
+                <a:lnTo>
+                  <a:pt x="1144" y="1377"/>
+                </a:lnTo>
+                <a:lnTo>
+                  <a:pt x="1150" y="1377"/>
+                </a:lnTo>
+                <a:lnTo>
+                  <a:pt x="1155" y="1374"/>
+                </a:lnTo>
+                <a:lnTo>
+                  <a:pt x="1161" y="1371"/>
+                </a:lnTo>
+                <a:lnTo>
+                  <a:pt x="1165" y="1369"/>
+                </a:lnTo>
+                <a:lnTo>
+                  <a:pt x="1345" y="1189"/>
+                </a:lnTo>
+                <a:lnTo>
+                  <a:pt x="5760" y="1189"/>
+                </a:lnTo>
+                <a:lnTo>
+                  <a:pt x="5760" y="0"/>
+                </a:lnTo>
+                <a:close/>
+              </a:path>
+            </a:pathLst>
+          </a:custGeom>
+          <a:ln/>
+          <a:extLst>
+            <a:ext uri="{91240B29-F687-4f45-9708-019B960494DF}">
+              <a14:hiddenLine xmlns:a14="http://schemas.microsoft.com/office/drawing/2010/main" xmlns="" w="9525">
+                <a:solidFill>
+                  <a:srgbClr val="000000"/>
+                </a:solidFill>
+                <a:round/>
+                <a:headEnd/>
+                <a:tailEnd/>
+              </a14:hiddenLine>
+            </a:ext>
+          </a:extLst>
+        </p:spPr>
+        <p:style>
+          <a:lnRef idx="1">
+            <a:schemeClr val="accent1"/>
+          </a:lnRef>
+          <a:fillRef idx="3">
+            <a:schemeClr val="accent1"/>
+          </a:fillRef>
+          <a:effectRef idx="2">
+            <a:schemeClr val="accent1"/>
+          </a:effectRef>
+          <a:fontRef idx="minor">
+            <a:schemeClr val="lt1"/>
+          </a:fontRef>
+        </p:style>
+      </p:sp>
+      <p:sp>
+        <p:nvSpPr>
           <p:cNvPr id="2" name="Title 1"/>
           <p:cNvSpPr>
             <a:spLocks noGrp="1"/>
           </p:cNvSpPr>
           <p:nvPr>
             <p:ph type="title"/>
+          </p:nvPr>
+        </p:nvSpPr>
+        <p:spPr/>
+        <p:txBody>
+          <a:bodyPr/>
+          <a:lstStyle>
+            <a:lvl1pPr>
+              <a:defRPr/>
+            </a:lvl1pPr>
+          </a:lstStyle>
+          <a:p>
+            <a:r>
+              <a:rPr lang="en-US" smtClean="0"/>
+              <a:t>Click to edit Master title style</a:t>
+            </a:r>
+            <a:endParaRPr lang="en-US" dirty="0"/>
+          </a:p>
+        </p:txBody>
+      </p:sp>
+      <p:sp>
+        <p:nvSpPr>
+          <p:cNvPr id="3" name="Text Placeholder 2"/>
+          <p:cNvSpPr>
+            <a:spLocks noGrp="1"/>
+          </p:cNvSpPr>
+          <p:nvPr>
+            <p:ph type="body" idx="1"/>
           </p:nvPr>
         </p:nvSpPr>
         <p:spPr>
           <a:xfrm>
-            <a:off x="839788" y="365125"/>
-            <a:ext cx="10515600" cy="1325563"/>
+            <a:off x="814728" y="2174875"/>
+            <a:ext cx="5189857" cy="576262"/>
           </a:xfrm>
         </p:spPr>
         <p:txBody>
-          <a:bodyPr/>
-          <a:lstStyle/>
-          <a:p>
-            <a:r>
-              <a:rPr lang="en-US" smtClean="0"/>
-              <a:t>Click to edit Master title style</a:t>
-            </a:r>
-            <a:endParaRPr lang="en-IN"/>
-          </a:p>
-        </p:txBody>
-      </p:sp>
-      <p:sp>
-        <p:nvSpPr>
-          <p:cNvPr id="3" name="Text Placeholder 2"/>
-          <p:cNvSpPr>
-            <a:spLocks noGrp="1"/>
-          </p:cNvSpPr>
-          <p:nvPr>
-            <p:ph type="body" idx="1"/>
-          </p:nvPr>
-        </p:nvSpPr>
-        <p:spPr>
-          <a:xfrm>
-            <a:off x="839788" y="1681163"/>
-            <a:ext cx="5157787" cy="823912"/>
-          </a:xfrm>
-        </p:spPr>
-        <p:txBody>
-          <a:bodyPr anchor="b"/>
+          <a:bodyPr anchor="b">
+            <a:noAutofit/>
+          </a:bodyPr>
           <a:lstStyle>
-            <a:lvl1pPr marL="0" indent="0">
+            <a:lvl1pPr marL="0" indent="0" algn="ctr">
               <a:buNone/>
-              <a:defRPr sz="2400" b="1"/>
+              <a:defRPr sz="2000" b="0"/>
             </a:lvl1pPr>
             <a:lvl2pPr marL="457200" indent="0">
               <a:buNone/>
@@ -1431,12 +4428,14 @@
         </p:nvSpPr>
         <p:spPr>
           <a:xfrm>
-            <a:off x="839788" y="2505075"/>
-            <a:ext cx="5157787" cy="3684588"/>
+            <a:off x="814729" y="2751138"/>
+            <a:ext cx="5189856" cy="3109913"/>
           </a:xfrm>
         </p:spPr>
         <p:txBody>
-          <a:bodyPr/>
+          <a:bodyPr anchor="t">
+            <a:normAutofit/>
+          </a:bodyPr>
           <a:lstStyle/>
           <a:p>
             <a:pPr lvl="0"/>
@@ -1472,7 +4471,7 @@
               <a:rPr lang="en-US" smtClean="0"/>
               <a:t>Fifth level</a:t>
             </a:r>
-            <a:endParaRPr lang="en-IN"/>
+            <a:endParaRPr lang="en-US" dirty="0"/>
           </a:p>
         </p:txBody>
       </p:sp>
@@ -1488,16 +4487,18 @@
         </p:nvSpPr>
         <p:spPr>
           <a:xfrm>
-            <a:off x="6172200" y="1681163"/>
-            <a:ext cx="5183188" cy="823912"/>
+            <a:off x="6187415" y="2174875"/>
+            <a:ext cx="5194583" cy="576262"/>
           </a:xfrm>
         </p:spPr>
         <p:txBody>
-          <a:bodyPr anchor="b"/>
+          <a:bodyPr anchor="b">
+            <a:noAutofit/>
+          </a:bodyPr>
           <a:lstStyle>
-            <a:lvl1pPr marL="0" indent="0">
+            <a:lvl1pPr marL="0" indent="0" algn="ctr">
               <a:buNone/>
-              <a:defRPr sz="2400" b="1"/>
+              <a:defRPr sz="2000" b="0"/>
             </a:lvl1pPr>
             <a:lvl2pPr marL="457200" indent="0">
               <a:buNone/>
@@ -1553,12 +4554,14 @@
         </p:nvSpPr>
         <p:spPr>
           <a:xfrm>
-            <a:off x="6172200" y="2505075"/>
-            <a:ext cx="5183188" cy="3684588"/>
+            <a:off x="6187415" y="2751138"/>
+            <a:ext cx="5194583" cy="3109913"/>
           </a:xfrm>
         </p:spPr>
         <p:txBody>
-          <a:bodyPr/>
+          <a:bodyPr anchor="t">
+            <a:normAutofit/>
+          </a:bodyPr>
           <a:lstStyle/>
           <a:p>
             <a:pPr lvl="0"/>
@@ -1594,7 +4597,7 @@
               <a:rPr lang="en-US" smtClean="0"/>
               <a:t>Fifth level</a:t>
             </a:r>
-            <a:endParaRPr lang="en-IN"/>
+            <a:endParaRPr lang="en-US" dirty="0"/>
           </a:p>
         </p:txBody>
       </p:sp>
@@ -1666,7 +4669,7 @@
     </p:spTree>
     <p:extLst>
       <p:ext uri="{BB962C8B-B14F-4D97-AF65-F5344CB8AC3E}">
-        <p14:creationId xmlns:p14="http://schemas.microsoft.com/office/powerpoint/2010/main" val="656907649"/>
+        <p14:creationId xmlns:p14="http://schemas.microsoft.com/office/powerpoint/2010/main" val="1114571017"/>
       </p:ext>
     </p:extLst>
   </p:cSld>
@@ -1695,6 +4698,109 @@
       </p:grpSpPr>
       <p:sp>
         <p:nvSpPr>
+          <p:cNvPr id="6" name="Freeform 6"/>
+          <p:cNvSpPr/>
+          <p:nvPr/>
+        </p:nvSpPr>
+        <p:spPr bwMode="auto">
+          <a:xfrm>
+            <a:off x="0" y="0"/>
+            <a:ext cx="12192000" cy="2185988"/>
+          </a:xfrm>
+          <a:custGeom>
+            <a:avLst/>
+            <a:gdLst/>
+            <a:ahLst/>
+            <a:cxnLst/>
+            <a:rect l="0" t="0" r="r" b="b"/>
+            <a:pathLst>
+              <a:path w="5760" h="1377">
+                <a:moveTo>
+                  <a:pt x="5760" y="0"/>
+                </a:moveTo>
+                <a:lnTo>
+                  <a:pt x="0" y="0"/>
+                </a:lnTo>
+                <a:lnTo>
+                  <a:pt x="0" y="1189"/>
+                </a:lnTo>
+                <a:lnTo>
+                  <a:pt x="943" y="1189"/>
+                </a:lnTo>
+                <a:lnTo>
+                  <a:pt x="1123" y="1369"/>
+                </a:lnTo>
+                <a:lnTo>
+                  <a:pt x="1123" y="1369"/>
+                </a:lnTo>
+                <a:lnTo>
+                  <a:pt x="1127" y="1371"/>
+                </a:lnTo>
+                <a:lnTo>
+                  <a:pt x="1133" y="1374"/>
+                </a:lnTo>
+                <a:lnTo>
+                  <a:pt x="1139" y="1377"/>
+                </a:lnTo>
+                <a:lnTo>
+                  <a:pt x="1144" y="1377"/>
+                </a:lnTo>
+                <a:lnTo>
+                  <a:pt x="1150" y="1377"/>
+                </a:lnTo>
+                <a:lnTo>
+                  <a:pt x="1155" y="1374"/>
+                </a:lnTo>
+                <a:lnTo>
+                  <a:pt x="1161" y="1371"/>
+                </a:lnTo>
+                <a:lnTo>
+                  <a:pt x="1165" y="1369"/>
+                </a:lnTo>
+                <a:lnTo>
+                  <a:pt x="1345" y="1189"/>
+                </a:lnTo>
+                <a:lnTo>
+                  <a:pt x="5760" y="1189"/>
+                </a:lnTo>
+                <a:lnTo>
+                  <a:pt x="5760" y="0"/>
+                </a:lnTo>
+                <a:close/>
+              </a:path>
+            </a:pathLst>
+          </a:custGeom>
+          <a:ln/>
+          <a:extLst>
+            <a:ext uri="{91240B29-F687-4f45-9708-019B960494DF}">
+              <a14:hiddenLine xmlns:a14="http://schemas.microsoft.com/office/drawing/2010/main" xmlns="" w="9525">
+                <a:solidFill>
+                  <a:srgbClr val="000000"/>
+                </a:solidFill>
+                <a:round/>
+                <a:headEnd/>
+                <a:tailEnd/>
+              </a14:hiddenLine>
+            </a:ext>
+          </a:extLst>
+        </p:spPr>
+        <p:style>
+          <a:lnRef idx="1">
+            <a:schemeClr val="accent1"/>
+          </a:lnRef>
+          <a:fillRef idx="3">
+            <a:schemeClr val="accent1"/>
+          </a:fillRef>
+          <a:effectRef idx="2">
+            <a:schemeClr val="accent1"/>
+          </a:effectRef>
+          <a:fontRef idx="minor">
+            <a:schemeClr val="lt1"/>
+          </a:fontRef>
+        </p:style>
+      </p:sp>
+      <p:sp>
+        <p:nvSpPr>
           <p:cNvPr id="2" name="Title 1"/>
           <p:cNvSpPr>
             <a:spLocks noGrp="1"/>
@@ -1712,7 +4818,7 @@
               <a:rPr lang="en-US" smtClean="0"/>
               <a:t>Click to edit Master title style</a:t>
             </a:r>
-            <a:endParaRPr lang="en-IN"/>
+            <a:endParaRPr lang="en-US" dirty="0"/>
           </a:p>
         </p:txBody>
       </p:sp>
@@ -1784,7 +4890,7 @@
     </p:spTree>
     <p:extLst>
       <p:ext uri="{BB962C8B-B14F-4D97-AF65-F5344CB8AC3E}">
-        <p14:creationId xmlns:p14="http://schemas.microsoft.com/office/powerpoint/2010/main" val="2436019308"/>
+        <p14:creationId xmlns:p14="http://schemas.microsoft.com/office/powerpoint/2010/main" val="2076774303"/>
       </p:ext>
     </p:extLst>
   </p:cSld>
@@ -1879,7 +4985,7 @@
     </p:spTree>
     <p:extLst>
       <p:ext uri="{BB962C8B-B14F-4D97-AF65-F5344CB8AC3E}">
-        <p14:creationId xmlns:p14="http://schemas.microsoft.com/office/powerpoint/2010/main" val="1165562242"/>
+        <p14:creationId xmlns:p14="http://schemas.microsoft.com/office/powerpoint/2010/main" val="2873762748"/>
       </p:ext>
     </p:extLst>
   </p:cSld>
@@ -1908,6 +5014,222 @@
       </p:grpSpPr>
       <p:sp>
         <p:nvSpPr>
+          <p:cNvPr id="12" name="Freeform 6"/>
+          <p:cNvSpPr>
+            <a:spLocks noChangeAspect="1"/>
+          </p:cNvSpPr>
+          <p:nvPr/>
+        </p:nvSpPr>
+        <p:spPr bwMode="auto">
+          <a:xfrm>
+            <a:off x="1073151" y="446087"/>
+            <a:ext cx="3547533" cy="1814651"/>
+          </a:xfrm>
+          <a:custGeom>
+            <a:avLst/>
+            <a:gdLst/>
+            <a:ahLst/>
+            <a:cxnLst/>
+            <a:rect l="0" t="0" r="r" b="b"/>
+            <a:pathLst>
+              <a:path w="3384" h="2308">
+                <a:moveTo>
+                  <a:pt x="3340" y="0"/>
+                </a:moveTo>
+                <a:lnTo>
+                  <a:pt x="44" y="0"/>
+                </a:lnTo>
+                <a:lnTo>
+                  <a:pt x="44" y="0"/>
+                </a:lnTo>
+                <a:lnTo>
+                  <a:pt x="34" y="0"/>
+                </a:lnTo>
+                <a:lnTo>
+                  <a:pt x="26" y="4"/>
+                </a:lnTo>
+                <a:lnTo>
+                  <a:pt x="20" y="8"/>
+                </a:lnTo>
+                <a:lnTo>
+                  <a:pt x="12" y="12"/>
+                </a:lnTo>
+                <a:lnTo>
+                  <a:pt x="8" y="20"/>
+                </a:lnTo>
+                <a:lnTo>
+                  <a:pt x="4" y="26"/>
+                </a:lnTo>
+                <a:lnTo>
+                  <a:pt x="0" y="34"/>
+                </a:lnTo>
+                <a:lnTo>
+                  <a:pt x="0" y="44"/>
+                </a:lnTo>
+                <a:lnTo>
+                  <a:pt x="0" y="2076"/>
+                </a:lnTo>
+                <a:lnTo>
+                  <a:pt x="0" y="2076"/>
+                </a:lnTo>
+                <a:lnTo>
+                  <a:pt x="0" y="2086"/>
+                </a:lnTo>
+                <a:lnTo>
+                  <a:pt x="4" y="2094"/>
+                </a:lnTo>
+                <a:lnTo>
+                  <a:pt x="8" y="2100"/>
+                </a:lnTo>
+                <a:lnTo>
+                  <a:pt x="12" y="2108"/>
+                </a:lnTo>
+                <a:lnTo>
+                  <a:pt x="20" y="2112"/>
+                </a:lnTo>
+                <a:lnTo>
+                  <a:pt x="26" y="2116"/>
+                </a:lnTo>
+                <a:lnTo>
+                  <a:pt x="34" y="2120"/>
+                </a:lnTo>
+                <a:lnTo>
+                  <a:pt x="44" y="2120"/>
+                </a:lnTo>
+                <a:lnTo>
+                  <a:pt x="474" y="2120"/>
+                </a:lnTo>
+                <a:lnTo>
+                  <a:pt x="650" y="2296"/>
+                </a:lnTo>
+                <a:lnTo>
+                  <a:pt x="650" y="2296"/>
+                </a:lnTo>
+                <a:lnTo>
+                  <a:pt x="656" y="2300"/>
+                </a:lnTo>
+                <a:lnTo>
+                  <a:pt x="664" y="2304"/>
+                </a:lnTo>
+                <a:lnTo>
+                  <a:pt x="672" y="2308"/>
+                </a:lnTo>
+                <a:lnTo>
+                  <a:pt x="680" y="2308"/>
+                </a:lnTo>
+                <a:lnTo>
+                  <a:pt x="688" y="2308"/>
+                </a:lnTo>
+                <a:lnTo>
+                  <a:pt x="696" y="2304"/>
+                </a:lnTo>
+                <a:lnTo>
+                  <a:pt x="704" y="2300"/>
+                </a:lnTo>
+                <a:lnTo>
+                  <a:pt x="710" y="2296"/>
+                </a:lnTo>
+                <a:lnTo>
+                  <a:pt x="886" y="2120"/>
+                </a:lnTo>
+                <a:lnTo>
+                  <a:pt x="3340" y="2120"/>
+                </a:lnTo>
+                <a:lnTo>
+                  <a:pt x="3340" y="2120"/>
+                </a:lnTo>
+                <a:lnTo>
+                  <a:pt x="3350" y="2120"/>
+                </a:lnTo>
+                <a:lnTo>
+                  <a:pt x="3358" y="2116"/>
+                </a:lnTo>
+                <a:lnTo>
+                  <a:pt x="3364" y="2112"/>
+                </a:lnTo>
+                <a:lnTo>
+                  <a:pt x="3372" y="2108"/>
+                </a:lnTo>
+                <a:lnTo>
+                  <a:pt x="3376" y="2100"/>
+                </a:lnTo>
+                <a:lnTo>
+                  <a:pt x="3380" y="2094"/>
+                </a:lnTo>
+                <a:lnTo>
+                  <a:pt x="3384" y="2086"/>
+                </a:lnTo>
+                <a:lnTo>
+                  <a:pt x="3384" y="2076"/>
+                </a:lnTo>
+                <a:lnTo>
+                  <a:pt x="3384" y="44"/>
+                </a:lnTo>
+                <a:lnTo>
+                  <a:pt x="3384" y="44"/>
+                </a:lnTo>
+                <a:lnTo>
+                  <a:pt x="3384" y="34"/>
+                </a:lnTo>
+                <a:lnTo>
+                  <a:pt x="3380" y="26"/>
+                </a:lnTo>
+                <a:lnTo>
+                  <a:pt x="3376" y="20"/>
+                </a:lnTo>
+                <a:lnTo>
+                  <a:pt x="3372" y="12"/>
+                </a:lnTo>
+                <a:lnTo>
+                  <a:pt x="3364" y="8"/>
+                </a:lnTo>
+                <a:lnTo>
+                  <a:pt x="3358" y="4"/>
+                </a:lnTo>
+                <a:lnTo>
+                  <a:pt x="3350" y="0"/>
+                </a:lnTo>
+                <a:lnTo>
+                  <a:pt x="3340" y="0"/>
+                </a:lnTo>
+                <a:lnTo>
+                  <a:pt x="3340" y="0"/>
+                </a:lnTo>
+                <a:close/>
+              </a:path>
+            </a:pathLst>
+          </a:custGeom>
+          <a:ln/>
+          <a:extLst>
+            <a:ext uri="{91240B29-F687-4f45-9708-019B960494DF}">
+              <a14:hiddenLine xmlns:a14="http://schemas.microsoft.com/office/drawing/2010/main" xmlns="" w="9525">
+                <a:solidFill>
+                  <a:srgbClr val="000000"/>
+                </a:solidFill>
+                <a:round/>
+                <a:headEnd/>
+                <a:tailEnd/>
+              </a14:hiddenLine>
+            </a:ext>
+          </a:extLst>
+        </p:spPr>
+        <p:style>
+          <a:lnRef idx="1">
+            <a:schemeClr val="accent1"/>
+          </a:lnRef>
+          <a:fillRef idx="3">
+            <a:schemeClr val="accent1"/>
+          </a:fillRef>
+          <a:effectRef idx="2">
+            <a:schemeClr val="accent1"/>
+          </a:effectRef>
+          <a:fontRef idx="minor">
+            <a:schemeClr val="lt1"/>
+          </a:fontRef>
+        </p:style>
+      </p:sp>
+      <p:sp>
+        <p:nvSpPr>
           <p:cNvPr id="2" name="Title 1"/>
           <p:cNvSpPr>
             <a:spLocks noGrp="1"/>
@@ -1918,15 +5240,15 @@
         </p:nvSpPr>
         <p:spPr>
           <a:xfrm>
-            <a:off x="839788" y="457200"/>
-            <a:ext cx="3932237" cy="1600200"/>
+            <a:off x="1073151" y="446088"/>
+            <a:ext cx="3547533" cy="1618396"/>
           </a:xfrm>
         </p:spPr>
         <p:txBody>
           <a:bodyPr anchor="b"/>
           <a:lstStyle>
-            <a:lvl1pPr>
-              <a:defRPr sz="3200"/>
+            <a:lvl1pPr algn="l">
+              <a:defRPr sz="2000" b="1"/>
             </a:lvl1pPr>
           </a:lstStyle>
           <a:p>
@@ -1934,7 +5256,7 @@
               <a:rPr lang="en-US" smtClean="0"/>
               <a:t>Click to edit Master title style</a:t>
             </a:r>
-            <a:endParaRPr lang="en-IN"/>
+            <a:endParaRPr lang="en-US" dirty="0"/>
           </a:p>
         </p:txBody>
       </p:sp>
@@ -1950,41 +5272,15 @@
         </p:nvSpPr>
         <p:spPr>
           <a:xfrm>
-            <a:off x="5183188" y="987425"/>
-            <a:ext cx="6172200" cy="4873625"/>
+            <a:off x="4855633" y="446088"/>
+            <a:ext cx="6252633" cy="5414963"/>
           </a:xfrm>
         </p:spPr>
         <p:txBody>
-          <a:bodyPr/>
-          <a:lstStyle>
-            <a:lvl1pPr>
-              <a:defRPr sz="3200"/>
-            </a:lvl1pPr>
-            <a:lvl2pPr>
-              <a:defRPr sz="2800"/>
-            </a:lvl2pPr>
-            <a:lvl3pPr>
-              <a:defRPr sz="2400"/>
-            </a:lvl3pPr>
-            <a:lvl4pPr>
-              <a:defRPr sz="2000"/>
-            </a:lvl4pPr>
-            <a:lvl5pPr>
-              <a:defRPr sz="2000"/>
-            </a:lvl5pPr>
-            <a:lvl6pPr>
-              <a:defRPr sz="2000"/>
-            </a:lvl6pPr>
-            <a:lvl7pPr>
-              <a:defRPr sz="2000"/>
-            </a:lvl7pPr>
-            <a:lvl8pPr>
-              <a:defRPr sz="2000"/>
-            </a:lvl8pPr>
-            <a:lvl9pPr>
-              <a:defRPr sz="2000"/>
-            </a:lvl9pPr>
-          </a:lstStyle>
+          <a:bodyPr>
+            <a:normAutofit/>
+          </a:bodyPr>
+          <a:lstStyle/>
           <a:p>
             <a:pPr lvl="0"/>
             <a:r>
@@ -2019,7 +5315,7 @@
               <a:rPr lang="en-US" smtClean="0"/>
               <a:t>Fifth level</a:t>
             </a:r>
-            <a:endParaRPr lang="en-IN"/>
+            <a:endParaRPr lang="en-US" dirty="0"/>
           </a:p>
         </p:txBody>
       </p:sp>
@@ -2035,8 +5331,8 @@
         </p:nvSpPr>
         <p:spPr>
           <a:xfrm>
-            <a:off x="839788" y="2057400"/>
-            <a:ext cx="3932237" cy="3811588"/>
+            <a:off x="1073151" y="2260738"/>
+            <a:ext cx="3547533" cy="3600311"/>
           </a:xfrm>
         </p:spPr>
         <p:txBody>
@@ -2044,39 +5340,39 @@
           <a:lstStyle>
             <a:lvl1pPr marL="0" indent="0">
               <a:buNone/>
-              <a:defRPr sz="1600"/>
+              <a:defRPr sz="1400"/>
             </a:lvl1pPr>
             <a:lvl2pPr marL="457200" indent="0">
               <a:buNone/>
-              <a:defRPr sz="1400"/>
+              <a:defRPr sz="1200"/>
             </a:lvl2pPr>
             <a:lvl3pPr marL="914400" indent="0">
               <a:buNone/>
-              <a:defRPr sz="1200"/>
+              <a:defRPr sz="1000"/>
             </a:lvl3pPr>
             <a:lvl4pPr marL="1371600" indent="0">
               <a:buNone/>
-              <a:defRPr sz="1000"/>
+              <a:defRPr sz="900"/>
             </a:lvl4pPr>
             <a:lvl5pPr marL="1828800" indent="0">
               <a:buNone/>
-              <a:defRPr sz="1000"/>
+              <a:defRPr sz="900"/>
             </a:lvl5pPr>
             <a:lvl6pPr marL="2286000" indent="0">
               <a:buNone/>
-              <a:defRPr sz="1000"/>
+              <a:defRPr sz="900"/>
             </a:lvl6pPr>
             <a:lvl7pPr marL="2743200" indent="0">
               <a:buNone/>
-              <a:defRPr sz="1000"/>
+              <a:defRPr sz="900"/>
             </a:lvl7pPr>
             <a:lvl8pPr marL="3200400" indent="0">
               <a:buNone/>
-              <a:defRPr sz="1000"/>
+              <a:defRPr sz="900"/>
             </a:lvl8pPr>
             <a:lvl9pPr marL="3657600" indent="0">
               <a:buNone/>
-              <a:defRPr sz="1000"/>
+              <a:defRPr sz="900"/>
             </a:lvl9pPr>
           </a:lstStyle>
           <a:p>
@@ -2156,7 +5452,7 @@
     </p:spTree>
     <p:extLst>
       <p:ext uri="{BB962C8B-B14F-4D97-AF65-F5344CB8AC3E}">
-        <p14:creationId xmlns:p14="http://schemas.microsoft.com/office/powerpoint/2010/main" val="1421548794"/>
+        <p14:creationId xmlns:p14="http://schemas.microsoft.com/office/powerpoint/2010/main" val="2041305004"/>
       </p:ext>
     </p:extLst>
   </p:cSld>
@@ -2195,15 +5491,17 @@
         </p:nvSpPr>
         <p:spPr>
           <a:xfrm>
-            <a:off x="839788" y="457200"/>
-            <a:ext cx="3932237" cy="1600200"/>
+            <a:off x="814728" y="727522"/>
+            <a:ext cx="4852988" cy="1617163"/>
           </a:xfrm>
         </p:spPr>
         <p:txBody>
-          <a:bodyPr anchor="b"/>
+          <a:bodyPr anchor="b">
+            <a:normAutofit/>
+          </a:bodyPr>
           <a:lstStyle>
-            <a:lvl1pPr>
-              <a:defRPr sz="3200"/>
+            <a:lvl1pPr algn="l">
+              <a:defRPr sz="2400" b="0"/>
             </a:lvl1pPr>
           </a:lstStyle>
           <a:p>
@@ -2211,147 +5509,205 @@
               <a:rPr lang="en-US" smtClean="0"/>
               <a:t>Click to edit Master title style</a:t>
             </a:r>
-            <a:endParaRPr lang="en-IN"/>
-          </a:p>
-        </p:txBody>
-      </p:sp>
-      <p:sp>
-        <p:nvSpPr>
-          <p:cNvPr id="3" name="Picture Placeholder 2"/>
-          <p:cNvSpPr>
-            <a:spLocks noGrp="1"/>
-          </p:cNvSpPr>
-          <p:nvPr>
-            <p:ph type="pic" idx="1"/>
+            <a:endParaRPr lang="en-US" dirty="0"/>
+          </a:p>
+        </p:txBody>
+      </p:sp>
+      <p:sp>
+        <p:nvSpPr>
+          <p:cNvPr id="9" name="Picture Placeholder 11"/>
+          <p:cNvSpPr>
+            <a:spLocks noGrp="1" noChangeAspect="1"/>
+          </p:cNvSpPr>
+          <p:nvPr>
+            <p:ph type="pic" sz="quarter" idx="13"/>
+          </p:nvPr>
+        </p:nvSpPr>
+        <p:spPr bwMode="auto">
+          <a:xfrm>
+            <a:off x="6098117" y="0"/>
+            <a:ext cx="6093883" cy="6858000"/>
+          </a:xfrm>
+          <a:custGeom>
+            <a:avLst/>
+            <a:gdLst/>
+            <a:ahLst/>
+            <a:cxnLst/>
+            <a:rect l="0" t="0" r="r" b="b"/>
+            <a:pathLst>
+              <a:path w="2879" h="4320">
+                <a:moveTo>
+                  <a:pt x="183" y="0"/>
+                </a:moveTo>
+                <a:lnTo>
+                  <a:pt x="183" y="1197"/>
+                </a:lnTo>
+                <a:lnTo>
+                  <a:pt x="8" y="1372"/>
+                </a:lnTo>
+                <a:lnTo>
+                  <a:pt x="8" y="1372"/>
+                </a:lnTo>
+                <a:lnTo>
+                  <a:pt x="6" y="1376"/>
+                </a:lnTo>
+                <a:lnTo>
+                  <a:pt x="3" y="1382"/>
+                </a:lnTo>
+                <a:lnTo>
+                  <a:pt x="0" y="1387"/>
+                </a:lnTo>
+                <a:lnTo>
+                  <a:pt x="0" y="1393"/>
+                </a:lnTo>
+                <a:lnTo>
+                  <a:pt x="0" y="1399"/>
+                </a:lnTo>
+                <a:lnTo>
+                  <a:pt x="3" y="1404"/>
+                </a:lnTo>
+                <a:lnTo>
+                  <a:pt x="6" y="1410"/>
+                </a:lnTo>
+                <a:lnTo>
+                  <a:pt x="8" y="1414"/>
+                </a:lnTo>
+                <a:lnTo>
+                  <a:pt x="183" y="1589"/>
+                </a:lnTo>
+                <a:lnTo>
+                  <a:pt x="183" y="4320"/>
+                </a:lnTo>
+                <a:lnTo>
+                  <a:pt x="2879" y="4320"/>
+                </a:lnTo>
+                <a:lnTo>
+                  <a:pt x="2879" y="0"/>
+                </a:lnTo>
+                <a:lnTo>
+                  <a:pt x="183" y="0"/>
+                </a:lnTo>
+                <a:close/>
+              </a:path>
+            </a:pathLst>
+          </a:custGeom>
+          <a:noFill/>
+          <a:ln w="9525">
+            <a:solidFill>
+              <a:schemeClr val="tx2"/>
+            </a:solidFill>
+            <a:round/>
+            <a:headEnd/>
+            <a:tailEnd/>
+          </a:ln>
+          <a:effectLst/>
+        </p:spPr>
+        <p:txBody>
+          <a:bodyPr wrap="square" numCol="1" anchor="t" anchorCtr="0" compatLnSpc="1">
+            <a:prstTxWarp prst="textNoShape">
+              <a:avLst/>
+            </a:prstTxWarp>
+            <a:normAutofit/>
+          </a:bodyPr>
+          <a:lstStyle>
+            <a:lvl1pPr algn="ctr">
+              <a:buFontTx/>
+              <a:buNone/>
+              <a:defRPr sz="1400"/>
+            </a:lvl1pPr>
+          </a:lstStyle>
+          <a:p>
+            <a:r>
+              <a:rPr lang="en-US" smtClean="0"/>
+              <a:t>Click icon to add picture</a:t>
+            </a:r>
+            <a:endParaRPr lang="en-US" dirty="0"/>
+          </a:p>
+        </p:txBody>
+      </p:sp>
+      <p:sp>
+        <p:nvSpPr>
+          <p:cNvPr id="4" name="Text Placeholder 3"/>
+          <p:cNvSpPr>
+            <a:spLocks noGrp="1"/>
+          </p:cNvSpPr>
+          <p:nvPr>
+            <p:ph type="body" sz="half" idx="2"/>
           </p:nvPr>
         </p:nvSpPr>
         <p:spPr>
           <a:xfrm>
-            <a:off x="5183188" y="987425"/>
-            <a:ext cx="6172200" cy="4873625"/>
+            <a:off x="814728" y="2344684"/>
+            <a:ext cx="4852988" cy="3516365"/>
           </a:xfrm>
         </p:spPr>
         <p:txBody>
-          <a:bodyPr/>
+          <a:bodyPr anchor="t">
+            <a:normAutofit/>
+          </a:bodyPr>
           <a:lstStyle>
             <a:lvl1pPr marL="0" indent="0">
               <a:buNone/>
-              <a:defRPr sz="3200"/>
+              <a:defRPr sz="1200"/>
             </a:lvl1pPr>
             <a:lvl2pPr marL="457200" indent="0">
               <a:buNone/>
-              <a:defRPr sz="2800"/>
+              <a:defRPr sz="1200"/>
             </a:lvl2pPr>
             <a:lvl3pPr marL="914400" indent="0">
               <a:buNone/>
-              <a:defRPr sz="2400"/>
+              <a:defRPr sz="1000"/>
             </a:lvl3pPr>
             <a:lvl4pPr marL="1371600" indent="0">
               <a:buNone/>
-              <a:defRPr sz="2000"/>
+              <a:defRPr sz="900"/>
             </a:lvl4pPr>
             <a:lvl5pPr marL="1828800" indent="0">
               <a:buNone/>
-              <a:defRPr sz="2000"/>
+              <a:defRPr sz="900"/>
             </a:lvl5pPr>
             <a:lvl6pPr marL="2286000" indent="0">
               <a:buNone/>
-              <a:defRPr sz="2000"/>
+              <a:defRPr sz="900"/>
             </a:lvl6pPr>
             <a:lvl7pPr marL="2743200" indent="0">
               <a:buNone/>
-              <a:defRPr sz="2000"/>
+              <a:defRPr sz="900"/>
             </a:lvl7pPr>
             <a:lvl8pPr marL="3200400" indent="0">
               <a:buNone/>
-              <a:defRPr sz="2000"/>
+              <a:defRPr sz="900"/>
             </a:lvl8pPr>
             <a:lvl9pPr marL="3657600" indent="0">
               <a:buNone/>
-              <a:defRPr sz="2000"/>
+              <a:defRPr sz="900"/>
             </a:lvl9pPr>
           </a:lstStyle>
           <a:p>
-            <a:endParaRPr lang="en-IN"/>
-          </a:p>
-        </p:txBody>
-      </p:sp>
-      <p:sp>
-        <p:nvSpPr>
-          <p:cNvPr id="4" name="Text Placeholder 3"/>
-          <p:cNvSpPr>
-            <a:spLocks noGrp="1"/>
-          </p:cNvSpPr>
-          <p:nvPr>
-            <p:ph type="body" sz="half" idx="2"/>
+            <a:pPr lvl="0"/>
+            <a:r>
+              <a:rPr lang="en-US" smtClean="0"/>
+              <a:t>Click to edit Master text styles</a:t>
+            </a:r>
+          </a:p>
+        </p:txBody>
+      </p:sp>
+      <p:sp>
+        <p:nvSpPr>
+          <p:cNvPr id="5" name="Date Placeholder 4"/>
+          <p:cNvSpPr>
+            <a:spLocks noGrp="1"/>
+          </p:cNvSpPr>
+          <p:nvPr>
+            <p:ph type="dt" sz="half" idx="10"/>
           </p:nvPr>
         </p:nvSpPr>
         <p:spPr>
           <a:xfrm>
-            <a:off x="839788" y="2057400"/>
-            <a:ext cx="3932237" cy="3811588"/>
+            <a:off x="3885810" y="6041362"/>
+            <a:ext cx="976879" cy="365125"/>
           </a:xfrm>
         </p:spPr>
-        <p:txBody>
-          <a:bodyPr/>
-          <a:lstStyle>
-            <a:lvl1pPr marL="0" indent="0">
-              <a:buNone/>
-              <a:defRPr sz="1600"/>
-            </a:lvl1pPr>
-            <a:lvl2pPr marL="457200" indent="0">
-              <a:buNone/>
-              <a:defRPr sz="1400"/>
-            </a:lvl2pPr>
-            <a:lvl3pPr marL="914400" indent="0">
-              <a:buNone/>
-              <a:defRPr sz="1200"/>
-            </a:lvl3pPr>
-            <a:lvl4pPr marL="1371600" indent="0">
-              <a:buNone/>
-              <a:defRPr sz="1000"/>
-            </a:lvl4pPr>
-            <a:lvl5pPr marL="1828800" indent="0">
-              <a:buNone/>
-              <a:defRPr sz="1000"/>
-            </a:lvl5pPr>
-            <a:lvl6pPr marL="2286000" indent="0">
-              <a:buNone/>
-              <a:defRPr sz="1000"/>
-            </a:lvl6pPr>
-            <a:lvl7pPr marL="2743200" indent="0">
-              <a:buNone/>
-              <a:defRPr sz="1000"/>
-            </a:lvl7pPr>
-            <a:lvl8pPr marL="3200400" indent="0">
-              <a:buNone/>
-              <a:defRPr sz="1000"/>
-            </a:lvl8pPr>
-            <a:lvl9pPr marL="3657600" indent="0">
-              <a:buNone/>
-              <a:defRPr sz="1000"/>
-            </a:lvl9pPr>
-          </a:lstStyle>
-          <a:p>
-            <a:pPr lvl="0"/>
-            <a:r>
-              <a:rPr lang="en-US" smtClean="0"/>
-              <a:t>Click to edit Master text styles</a:t>
-            </a:r>
-          </a:p>
-        </p:txBody>
-      </p:sp>
-      <p:sp>
-        <p:nvSpPr>
-          <p:cNvPr id="5" name="Date Placeholder 4"/>
-          <p:cNvSpPr>
-            <a:spLocks noGrp="1"/>
-          </p:cNvSpPr>
-          <p:nvPr>
-            <p:ph type="dt" sz="half" idx="10"/>
-          </p:nvPr>
-        </p:nvSpPr>
-        <p:spPr/>
         <p:txBody>
           <a:bodyPr/>
           <a:lstStyle/>
@@ -2374,12 +5730,17 @@
             <p:ph type="ftr" sz="quarter" idx="11"/>
           </p:nvPr>
         </p:nvSpPr>
-        <p:spPr/>
+        <p:spPr>
+          <a:xfrm>
+            <a:off x="590396" y="6041362"/>
+            <a:ext cx="3295413" cy="365125"/>
+          </a:xfrm>
+        </p:spPr>
         <p:txBody>
           <a:bodyPr/>
           <a:lstStyle/>
           <a:p>
-            <a:endParaRPr lang="en-IN"/>
+            <a:endParaRPr lang="en-US" dirty="0"/>
           </a:p>
         </p:txBody>
       </p:sp>
@@ -2393,7 +5754,12 @@
             <p:ph type="sldNum" sz="quarter" idx="12"/>
           </p:nvPr>
         </p:nvSpPr>
-        <p:spPr/>
+        <p:spPr>
+          <a:xfrm>
+            <a:off x="4862689" y="5915888"/>
+            <a:ext cx="1062155" cy="490599"/>
+          </a:xfrm>
+        </p:spPr>
         <p:txBody>
           <a:bodyPr/>
           <a:lstStyle/>
@@ -2409,7 +5775,7 @@
     </p:spTree>
     <p:extLst>
       <p:ext uri="{BB962C8B-B14F-4D97-AF65-F5344CB8AC3E}">
-        <p14:creationId xmlns:p14="http://schemas.microsoft.com/office/powerpoint/2010/main" val="1824872769"/>
+        <p14:creationId xmlns:p14="http://schemas.microsoft.com/office/powerpoint/2010/main" val="1950065089"/>
       </p:ext>
     </p:extLst>
   </p:cSld>
@@ -2424,7 +5790,7 @@
   <p:cSld>
     <p:bg>
       <p:bgRef idx="1001">
-        <a:schemeClr val="bg1"/>
+        <a:schemeClr val="bg2"/>
       </p:bgRef>
     </p:bg>
     <p:spTree>
@@ -2453,195 +5819,203 @@
         </p:nvSpPr>
         <p:spPr>
           <a:xfrm>
-            <a:off x="838200" y="365125"/>
-            <a:ext cx="10515600" cy="1325563"/>
+            <a:off x="810000" y="447188"/>
+            <a:ext cx="10571998" cy="970450"/>
+          </a:xfrm>
+          <a:prstGeom prst="rect">
+            <a:avLst/>
+          </a:prstGeom>
+          <a:effectLst>
+            <a:outerShdw blurRad="50800" dir="14400000">
+              <a:srgbClr val="000000">
+                <a:alpha val="60000"/>
+              </a:srgbClr>
+            </a:outerShdw>
+          </a:effectLst>
+        </p:spPr>
+        <p:txBody>
+          <a:bodyPr vert="horz" lIns="91440" tIns="45720" rIns="91440" bIns="45720" rtlCol="0" anchor="b">
+            <a:noAutofit/>
+          </a:bodyPr>
+          <a:lstStyle/>
+          <a:p>
+            <a:r>
+              <a:rPr lang="en-US" smtClean="0"/>
+              <a:t>Click to edit Master title style</a:t>
+            </a:r>
+            <a:endParaRPr lang="en-US" dirty="0"/>
+          </a:p>
+        </p:txBody>
+      </p:sp>
+      <p:sp>
+        <p:nvSpPr>
+          <p:cNvPr id="3" name="Text Placeholder 2"/>
+          <p:cNvSpPr>
+            <a:spLocks noGrp="1"/>
+          </p:cNvSpPr>
+          <p:nvPr>
+            <p:ph type="body" idx="1"/>
+          </p:nvPr>
+        </p:nvSpPr>
+        <p:spPr>
+          <a:xfrm>
+            <a:off x="810000" y="2184401"/>
+            <a:ext cx="10563285" cy="3674397"/>
+          </a:xfrm>
+          <a:prstGeom prst="rect">
+            <a:avLst/>
+          </a:prstGeom>
+          <a:effectLst>
+            <a:outerShdw blurRad="50800" dir="14400000">
+              <a:srgbClr val="000000">
+                <a:alpha val="40000"/>
+              </a:srgbClr>
+            </a:outerShdw>
+          </a:effectLst>
+        </p:spPr>
+        <p:txBody>
+          <a:bodyPr vert="horz" lIns="91440" tIns="45720" rIns="91440" bIns="45720" rtlCol="0" anchor="ctr">
+            <a:normAutofit/>
+          </a:bodyPr>
+          <a:lstStyle/>
+          <a:p>
+            <a:pPr lvl="0"/>
+            <a:r>
+              <a:rPr lang="en-US" smtClean="0"/>
+              <a:t>Click to edit Master text styles</a:t>
+            </a:r>
+          </a:p>
+          <a:p>
+            <a:pPr lvl="1"/>
+            <a:r>
+              <a:rPr lang="en-US" smtClean="0"/>
+              <a:t>Second level</a:t>
+            </a:r>
+          </a:p>
+          <a:p>
+            <a:pPr lvl="2"/>
+            <a:r>
+              <a:rPr lang="en-US" smtClean="0"/>
+              <a:t>Third level</a:t>
+            </a:r>
+          </a:p>
+          <a:p>
+            <a:pPr lvl="3"/>
+            <a:r>
+              <a:rPr lang="en-US" smtClean="0"/>
+              <a:t>Fourth level</a:t>
+            </a:r>
+          </a:p>
+          <a:p>
+            <a:pPr lvl="4"/>
+            <a:r>
+              <a:rPr lang="en-US" smtClean="0"/>
+              <a:t>Fifth level</a:t>
+            </a:r>
+            <a:endParaRPr lang="en-US" dirty="0"/>
+          </a:p>
+        </p:txBody>
+      </p:sp>
+      <p:sp>
+        <p:nvSpPr>
+          <p:cNvPr id="5" name="Footer Placeholder 4"/>
+          <p:cNvSpPr>
+            <a:spLocks noGrp="1"/>
+          </p:cNvSpPr>
+          <p:nvPr>
+            <p:ph type="ftr" sz="quarter" idx="3"/>
+          </p:nvPr>
+        </p:nvSpPr>
+        <p:spPr>
+          <a:xfrm>
+            <a:off x="451514" y="6041362"/>
+            <a:ext cx="8644320" cy="365125"/>
           </a:xfrm>
           <a:prstGeom prst="rect">
             <a:avLst/>
           </a:prstGeom>
         </p:spPr>
         <p:txBody>
-          <a:bodyPr vert="horz" lIns="91440" tIns="45720" rIns="91440" bIns="45720" rtlCol="0" anchor="ctr">
-            <a:normAutofit/>
-          </a:bodyPr>
-          <a:lstStyle/>
-          <a:p>
-            <a:r>
-              <a:rPr lang="en-US" smtClean="0"/>
-              <a:t>Click to edit Master title style</a:t>
-            </a:r>
+          <a:bodyPr vert="horz" lIns="91440" tIns="45720" rIns="91440" bIns="45720" rtlCol="0" anchor="b"/>
+          <a:lstStyle>
+            <a:lvl1pPr algn="l">
+              <a:defRPr sz="900">
+                <a:solidFill>
+                  <a:schemeClr val="tx1"/>
+                </a:solidFill>
+              </a:defRPr>
+            </a:lvl1pPr>
+          </a:lstStyle>
+          <a:p>
             <a:endParaRPr lang="en-IN"/>
           </a:p>
         </p:txBody>
       </p:sp>
       <p:sp>
         <p:nvSpPr>
-          <p:cNvPr id="3" name="Text Placeholder 2"/>
-          <p:cNvSpPr>
-            <a:spLocks noGrp="1"/>
-          </p:cNvSpPr>
-          <p:nvPr>
-            <p:ph type="body" idx="1"/>
+          <p:cNvPr id="4" name="Date Placeholder 3"/>
+          <p:cNvSpPr>
+            <a:spLocks noGrp="1"/>
+          </p:cNvSpPr>
+          <p:nvPr>
+            <p:ph type="dt" sz="half" idx="2"/>
           </p:nvPr>
         </p:nvSpPr>
         <p:spPr>
           <a:xfrm>
-            <a:off x="838200" y="1825625"/>
-            <a:ext cx="10515600" cy="4351338"/>
+            <a:off x="9334626" y="6041362"/>
+            <a:ext cx="1343706" cy="365125"/>
           </a:xfrm>
           <a:prstGeom prst="rect">
             <a:avLst/>
           </a:prstGeom>
         </p:spPr>
         <p:txBody>
-          <a:bodyPr vert="horz" lIns="91440" tIns="45720" rIns="91440" bIns="45720" rtlCol="0">
-            <a:normAutofit/>
-          </a:bodyPr>
-          <a:lstStyle/>
-          <a:p>
-            <a:pPr lvl="0"/>
-            <a:r>
-              <a:rPr lang="en-US" smtClean="0"/>
-              <a:t>Click to edit Master text styles</a:t>
-            </a:r>
-          </a:p>
-          <a:p>
-            <a:pPr lvl="1"/>
-            <a:r>
-              <a:rPr lang="en-US" smtClean="0"/>
-              <a:t>Second level</a:t>
-            </a:r>
-          </a:p>
-          <a:p>
-            <a:pPr lvl="2"/>
-            <a:r>
-              <a:rPr lang="en-US" smtClean="0"/>
-              <a:t>Third level</a:t>
-            </a:r>
-          </a:p>
-          <a:p>
-            <a:pPr lvl="3"/>
-            <a:r>
-              <a:rPr lang="en-US" smtClean="0"/>
-              <a:t>Fourth level</a:t>
-            </a:r>
-          </a:p>
-          <a:p>
-            <a:pPr lvl="4"/>
-            <a:r>
-              <a:rPr lang="en-US" smtClean="0"/>
-              <a:t>Fifth level</a:t>
-            </a:r>
+          <a:bodyPr vert="horz" lIns="91440" tIns="45720" rIns="91440" bIns="45720" rtlCol="0" anchor="b"/>
+          <a:lstStyle>
+            <a:lvl1pPr algn="r">
+              <a:defRPr sz="900">
+                <a:solidFill>
+                  <a:schemeClr val="tx1"/>
+                </a:solidFill>
+              </a:defRPr>
+            </a:lvl1pPr>
+          </a:lstStyle>
+          <a:p>
+            <a:fld id="{D2A0682D-F1D1-4043-8D0F-3E1EC6A12DA0}" type="datetimeFigureOut">
+              <a:rPr lang="en-IN" smtClean="0"/>
+              <a:t>23-09-2018</a:t>
+            </a:fld>
             <a:endParaRPr lang="en-IN"/>
           </a:p>
         </p:txBody>
       </p:sp>
       <p:sp>
         <p:nvSpPr>
-          <p:cNvPr id="4" name="Date Placeholder 3"/>
-          <p:cNvSpPr>
-            <a:spLocks noGrp="1"/>
-          </p:cNvSpPr>
-          <p:nvPr>
-            <p:ph type="dt" sz="half" idx="2"/>
+          <p:cNvPr id="6" name="Slide Number Placeholder 5"/>
+          <p:cNvSpPr>
+            <a:spLocks noGrp="1"/>
+          </p:cNvSpPr>
+          <p:nvPr>
+            <p:ph type="sldNum" sz="quarter" idx="4"/>
           </p:nvPr>
         </p:nvSpPr>
         <p:spPr>
           <a:xfrm>
-            <a:off x="838200" y="6356350"/>
-            <a:ext cx="2743200" cy="365125"/>
+            <a:off x="10678331" y="5915888"/>
+            <a:ext cx="1062155" cy="490599"/>
           </a:xfrm>
           <a:prstGeom prst="rect">
             <a:avLst/>
           </a:prstGeom>
         </p:spPr>
         <p:txBody>
-          <a:bodyPr vert="horz" lIns="91440" tIns="45720" rIns="91440" bIns="45720" rtlCol="0" anchor="ctr"/>
-          <a:lstStyle>
-            <a:lvl1pPr algn="l">
-              <a:defRPr sz="1200">
-                <a:solidFill>
-                  <a:schemeClr val="tx1">
-                    <a:tint val="75000"/>
-                  </a:schemeClr>
-                </a:solidFill>
-              </a:defRPr>
-            </a:lvl1pPr>
-          </a:lstStyle>
-          <a:p>
-            <a:fld id="{D2A0682D-F1D1-4043-8D0F-3E1EC6A12DA0}" type="datetimeFigureOut">
-              <a:rPr lang="en-IN" smtClean="0"/>
-              <a:t>23-09-2018</a:t>
-            </a:fld>
-            <a:endParaRPr lang="en-IN"/>
-          </a:p>
-        </p:txBody>
-      </p:sp>
-      <p:sp>
-        <p:nvSpPr>
-          <p:cNvPr id="5" name="Footer Placeholder 4"/>
-          <p:cNvSpPr>
-            <a:spLocks noGrp="1"/>
-          </p:cNvSpPr>
-          <p:nvPr>
-            <p:ph type="ftr" sz="quarter" idx="3"/>
-          </p:nvPr>
-        </p:nvSpPr>
-        <p:spPr>
-          <a:xfrm>
-            <a:off x="4038600" y="6356350"/>
-            <a:ext cx="4114800" cy="365125"/>
-          </a:xfrm>
-          <a:prstGeom prst="rect">
-            <a:avLst/>
-          </a:prstGeom>
-        </p:spPr>
-        <p:txBody>
-          <a:bodyPr vert="horz" lIns="91440" tIns="45720" rIns="91440" bIns="45720" rtlCol="0" anchor="ctr"/>
-          <a:lstStyle>
-            <a:lvl1pPr algn="ctr">
-              <a:defRPr sz="1200">
-                <a:solidFill>
-                  <a:schemeClr val="tx1">
-                    <a:tint val="75000"/>
-                  </a:schemeClr>
-                </a:solidFill>
-              </a:defRPr>
-            </a:lvl1pPr>
-          </a:lstStyle>
-          <a:p>
-            <a:endParaRPr lang="en-IN"/>
-          </a:p>
-        </p:txBody>
-      </p:sp>
-      <p:sp>
-        <p:nvSpPr>
-          <p:cNvPr id="6" name="Slide Number Placeholder 5"/>
-          <p:cNvSpPr>
-            <a:spLocks noGrp="1"/>
-          </p:cNvSpPr>
-          <p:nvPr>
-            <p:ph type="sldNum" sz="quarter" idx="4"/>
-          </p:nvPr>
-        </p:nvSpPr>
-        <p:spPr>
-          <a:xfrm>
-            <a:off x="8610600" y="6356350"/>
-            <a:ext cx="2743200" cy="365125"/>
-          </a:xfrm>
-          <a:prstGeom prst="rect">
-            <a:avLst/>
-          </a:prstGeom>
-        </p:spPr>
-        <p:txBody>
-          <a:bodyPr vert="horz" lIns="91440" tIns="45720" rIns="91440" bIns="45720" rtlCol="0" anchor="ctr"/>
+          <a:bodyPr vert="horz" lIns="91440" tIns="45720" rIns="91440" bIns="10800" rtlCol="0" anchor="b"/>
           <a:lstStyle>
             <a:lvl1pPr algn="r">
-              <a:defRPr sz="1200">
+              <a:defRPr sz="2000">
                 <a:solidFill>
-                  <a:schemeClr val="tx1">
-                    <a:tint val="75000"/>
-                  </a:schemeClr>
+                  <a:schemeClr val="accent1"/>
                 </a:solidFill>
               </a:defRPr>
             </a:lvl1pPr>
@@ -2658,55 +6032,114 @@
     </p:spTree>
     <p:extLst>
       <p:ext uri="{BB962C8B-B14F-4D97-AF65-F5344CB8AC3E}">
-        <p14:creationId xmlns:p14="http://schemas.microsoft.com/office/powerpoint/2010/main" val="472460120"/>
+        <p14:creationId xmlns:p14="http://schemas.microsoft.com/office/powerpoint/2010/main" val="379979742"/>
       </p:ext>
     </p:extLst>
   </p:cSld>
-  <p:clrMap bg1="lt1" tx1="dk1" bg2="lt2" tx2="dk2" accent1="accent1" accent2="accent2" accent3="accent3" accent4="accent4" accent5="accent5" accent6="accent6" hlink="hlink" folHlink="folHlink"/>
+  <p:clrMap bg1="dk1" tx1="lt1" bg2="dk2" tx2="lt2" accent1="accent1" accent2="accent2" accent3="accent3" accent4="accent4" accent5="accent5" accent6="accent6" hlink="hlink" folHlink="folHlink"/>
   <p:sldLayoutIdLst>
-    <p:sldLayoutId id="2147483649" r:id="rId1"/>
-    <p:sldLayoutId id="2147483650" r:id="rId2"/>
-    <p:sldLayoutId id="2147483651" r:id="rId3"/>
-    <p:sldLayoutId id="2147483652" r:id="rId4"/>
-    <p:sldLayoutId id="2147483653" r:id="rId5"/>
-    <p:sldLayoutId id="2147483654" r:id="rId6"/>
-    <p:sldLayoutId id="2147483655" r:id="rId7"/>
-    <p:sldLayoutId id="2147483656" r:id="rId8"/>
-    <p:sldLayoutId id="2147483657" r:id="rId9"/>
-    <p:sldLayoutId id="2147483658" r:id="rId10"/>
-    <p:sldLayoutId id="2147483659" r:id="rId11"/>
+    <p:sldLayoutId id="2147483697" r:id="rId1"/>
+    <p:sldLayoutId id="2147483698" r:id="rId2"/>
+    <p:sldLayoutId id="2147483699" r:id="rId3"/>
+    <p:sldLayoutId id="2147483700" r:id="rId4"/>
+    <p:sldLayoutId id="2147483701" r:id="rId5"/>
+    <p:sldLayoutId id="2147483702" r:id="rId6"/>
+    <p:sldLayoutId id="2147483703" r:id="rId7"/>
+    <p:sldLayoutId id="2147483704" r:id="rId8"/>
+    <p:sldLayoutId id="2147483705" r:id="rId9"/>
+    <p:sldLayoutId id="2147483706" r:id="rId10"/>
+    <p:sldLayoutId id="2147483707" r:id="rId11"/>
+    <p:sldLayoutId id="2147483708" r:id="rId12"/>
+    <p:sldLayoutId id="2147483709" r:id="rId13"/>
+    <p:sldLayoutId id="2147483710" r:id="rId14"/>
   </p:sldLayoutIdLst>
   <p:txStyles>
     <p:titleStyle>
-      <a:lvl1pPr algn="l" defTabSz="914400" rtl="0" eaLnBrk="1" latinLnBrk="0" hangingPunct="1">
-        <a:lnSpc>
-          <a:spcPct val="90000"/>
-        </a:lnSpc>
+      <a:lvl1pPr algn="l" defTabSz="457200" rtl="0" eaLnBrk="1" latinLnBrk="0" hangingPunct="1">
         <a:spcBef>
           <a:spcPct val="0"/>
         </a:spcBef>
         <a:buNone/>
-        <a:defRPr sz="4400" kern="1200">
+        <a:defRPr sz="4000" b="1" kern="1200">
           <a:solidFill>
-            <a:schemeClr val="tx1"/>
+            <a:srgbClr val="FEFEFE"/>
           </a:solidFill>
           <a:latin typeface="+mj-lt"/>
           <a:ea typeface="+mj-ea"/>
           <a:cs typeface="+mj-cs"/>
         </a:defRPr>
       </a:lvl1pPr>
+      <a:lvl2pPr eaLnBrk="1" hangingPunct="1">
+        <a:defRPr>
+          <a:solidFill>
+            <a:schemeClr val="tx2"/>
+          </a:solidFill>
+        </a:defRPr>
+      </a:lvl2pPr>
+      <a:lvl3pPr eaLnBrk="1" hangingPunct="1">
+        <a:defRPr>
+          <a:solidFill>
+            <a:schemeClr val="tx2"/>
+          </a:solidFill>
+        </a:defRPr>
+      </a:lvl3pPr>
+      <a:lvl4pPr eaLnBrk="1" hangingPunct="1">
+        <a:defRPr>
+          <a:solidFill>
+            <a:schemeClr val="tx2"/>
+          </a:solidFill>
+        </a:defRPr>
+      </a:lvl4pPr>
+      <a:lvl5pPr eaLnBrk="1" hangingPunct="1">
+        <a:defRPr>
+          <a:solidFill>
+            <a:schemeClr val="tx2"/>
+          </a:solidFill>
+        </a:defRPr>
+      </a:lvl5pPr>
+      <a:lvl6pPr eaLnBrk="1" hangingPunct="1">
+        <a:defRPr>
+          <a:solidFill>
+            <a:schemeClr val="tx2"/>
+          </a:solidFill>
+        </a:defRPr>
+      </a:lvl6pPr>
+      <a:lvl7pPr eaLnBrk="1" hangingPunct="1">
+        <a:defRPr>
+          <a:solidFill>
+            <a:schemeClr val="tx2"/>
+          </a:solidFill>
+        </a:defRPr>
+      </a:lvl7pPr>
+      <a:lvl8pPr eaLnBrk="1" hangingPunct="1">
+        <a:defRPr>
+          <a:solidFill>
+            <a:schemeClr val="tx2"/>
+          </a:solidFill>
+        </a:defRPr>
+      </a:lvl8pPr>
+      <a:lvl9pPr eaLnBrk="1" hangingPunct="1">
+        <a:defRPr>
+          <a:solidFill>
+            <a:schemeClr val="tx2"/>
+          </a:solidFill>
+        </a:defRPr>
+      </a:lvl9pPr>
     </p:titleStyle>
     <p:bodyStyle>
-      <a:lvl1pPr marL="228600" indent="-228600" algn="l" defTabSz="914400" rtl="0" eaLnBrk="1" latinLnBrk="0" hangingPunct="1">
-        <a:lnSpc>
-          <a:spcPct val="90000"/>
-        </a:lnSpc>
+      <a:lvl1pPr marL="342900" indent="-342900" algn="l" defTabSz="457200" rtl="0" eaLnBrk="1" latinLnBrk="0" hangingPunct="1">
         <a:spcBef>
-          <a:spcPts val="1000"/>
+          <a:spcPct val="20000"/>
         </a:spcBef>
-        <a:buFont typeface="Arial" panose="020B0604020202020204" pitchFamily="34" charset="0"/>
-        <a:buChar char="•"/>
-        <a:defRPr sz="2800" kern="1200">
+        <a:spcAft>
+          <a:spcPts val="600"/>
+        </a:spcAft>
+        <a:buClr>
+          <a:schemeClr val="accent1"/>
+        </a:buClr>
+        <a:buFont typeface="Wingdings 2" charset="2"/>
+        <a:buChar char=""/>
+        <a:defRPr sz="1800" kern="1200">
           <a:solidFill>
             <a:schemeClr val="tx1"/>
           </a:solidFill>
@@ -2715,16 +6148,19 @@
           <a:cs typeface="+mn-cs"/>
         </a:defRPr>
       </a:lvl1pPr>
-      <a:lvl2pPr marL="685800" indent="-228600" algn="l" defTabSz="914400" rtl="0" eaLnBrk="1" latinLnBrk="0" hangingPunct="1">
-        <a:lnSpc>
-          <a:spcPct val="90000"/>
-        </a:lnSpc>
+      <a:lvl2pPr marL="742950" indent="-285750" algn="l" defTabSz="457200" rtl="0" eaLnBrk="1" latinLnBrk="0" hangingPunct="1">
         <a:spcBef>
-          <a:spcPts val="500"/>
+          <a:spcPct val="20000"/>
         </a:spcBef>
-        <a:buFont typeface="Arial" panose="020B0604020202020204" pitchFamily="34" charset="0"/>
-        <a:buChar char="•"/>
-        <a:defRPr sz="2400" kern="1200">
+        <a:spcAft>
+          <a:spcPts val="600"/>
+        </a:spcAft>
+        <a:buClr>
+          <a:schemeClr val="accent1"/>
+        </a:buClr>
+        <a:buFont typeface="Wingdings 2" charset="2"/>
+        <a:buChar char=""/>
+        <a:defRPr sz="1600" kern="1200">
           <a:solidFill>
             <a:schemeClr val="tx1"/>
           </a:solidFill>
@@ -2733,16 +6169,19 @@
           <a:cs typeface="+mn-cs"/>
         </a:defRPr>
       </a:lvl2pPr>
-      <a:lvl3pPr marL="1143000" indent="-228600" algn="l" defTabSz="914400" rtl="0" eaLnBrk="1" latinLnBrk="0" hangingPunct="1">
-        <a:lnSpc>
-          <a:spcPct val="90000"/>
-        </a:lnSpc>
+      <a:lvl3pPr marL="1143000" indent="-228600" algn="l" defTabSz="457200" rtl="0" eaLnBrk="1" latinLnBrk="0" hangingPunct="1">
         <a:spcBef>
-          <a:spcPts val="500"/>
+          <a:spcPct val="20000"/>
         </a:spcBef>
-        <a:buFont typeface="Arial" panose="020B0604020202020204" pitchFamily="34" charset="0"/>
-        <a:buChar char="•"/>
-        <a:defRPr sz="2000" kern="1200">
+        <a:spcAft>
+          <a:spcPts val="600"/>
+        </a:spcAft>
+        <a:buClr>
+          <a:schemeClr val="accent1"/>
+        </a:buClr>
+        <a:buFont typeface="Wingdings 2" charset="2"/>
+        <a:buChar char=""/>
+        <a:defRPr sz="1400" kern="1200">
           <a:solidFill>
             <a:schemeClr val="tx1"/>
           </a:solidFill>
@@ -2751,16 +6190,19 @@
           <a:cs typeface="+mn-cs"/>
         </a:defRPr>
       </a:lvl3pPr>
-      <a:lvl4pPr marL="1600200" indent="-228600" algn="l" defTabSz="914400" rtl="0" eaLnBrk="1" latinLnBrk="0" hangingPunct="1">
-        <a:lnSpc>
-          <a:spcPct val="90000"/>
-        </a:lnSpc>
+      <a:lvl4pPr marL="1600200" indent="-228600" algn="l" defTabSz="457200" rtl="0" eaLnBrk="1" latinLnBrk="0" hangingPunct="1">
         <a:spcBef>
-          <a:spcPts val="500"/>
+          <a:spcPct val="20000"/>
         </a:spcBef>
-        <a:buFont typeface="Arial" panose="020B0604020202020204" pitchFamily="34" charset="0"/>
-        <a:buChar char="•"/>
-        <a:defRPr sz="1800" kern="1200">
+        <a:spcAft>
+          <a:spcPts val="600"/>
+        </a:spcAft>
+        <a:buClr>
+          <a:schemeClr val="accent1"/>
+        </a:buClr>
+        <a:buFont typeface="Wingdings 2" charset="2"/>
+        <a:buChar char=""/>
+        <a:defRPr sz="1200" kern="1200">
           <a:solidFill>
             <a:schemeClr val="tx1"/>
           </a:solidFill>
@@ -2769,16 +6211,19 @@
           <a:cs typeface="+mn-cs"/>
         </a:defRPr>
       </a:lvl4pPr>
-      <a:lvl5pPr marL="2057400" indent="-228600" algn="l" defTabSz="914400" rtl="0" eaLnBrk="1" latinLnBrk="0" hangingPunct="1">
-        <a:lnSpc>
-          <a:spcPct val="90000"/>
-        </a:lnSpc>
+      <a:lvl5pPr marL="2057400" indent="-228600" algn="l" defTabSz="457200" rtl="0" eaLnBrk="1" latinLnBrk="0" hangingPunct="1">
         <a:spcBef>
-          <a:spcPts val="500"/>
+          <a:spcPct val="20000"/>
         </a:spcBef>
-        <a:buFont typeface="Arial" panose="020B0604020202020204" pitchFamily="34" charset="0"/>
-        <a:buChar char="•"/>
-        <a:defRPr sz="1800" kern="1200">
+        <a:spcAft>
+          <a:spcPts val="600"/>
+        </a:spcAft>
+        <a:buClr>
+          <a:schemeClr val="accent1"/>
+        </a:buClr>
+        <a:buFont typeface="Wingdings 2" charset="2"/>
+        <a:buChar char=""/>
+        <a:defRPr sz="1200" kern="1200">
           <a:solidFill>
             <a:schemeClr val="tx1"/>
           </a:solidFill>
@@ -2787,16 +6232,19 @@
           <a:cs typeface="+mn-cs"/>
         </a:defRPr>
       </a:lvl5pPr>
-      <a:lvl6pPr marL="2514600" indent="-228600" algn="l" defTabSz="914400" rtl="0" eaLnBrk="1" latinLnBrk="0" hangingPunct="1">
-        <a:lnSpc>
-          <a:spcPct val="90000"/>
-        </a:lnSpc>
+      <a:lvl6pPr marL="2400000" indent="-228600" algn="l" defTabSz="457200" rtl="0" eaLnBrk="1" latinLnBrk="0" hangingPunct="1">
         <a:spcBef>
-          <a:spcPts val="500"/>
+          <a:spcPct val="20000"/>
         </a:spcBef>
-        <a:buFont typeface="Arial" panose="020B0604020202020204" pitchFamily="34" charset="0"/>
-        <a:buChar char="•"/>
-        <a:defRPr sz="1800" kern="1200">
+        <a:spcAft>
+          <a:spcPts val="600"/>
+        </a:spcAft>
+        <a:buClr>
+          <a:schemeClr val="accent1"/>
+        </a:buClr>
+        <a:buFont typeface="Wingdings 2" charset="2"/>
+        <a:buChar char=""/>
+        <a:defRPr sz="1200" kern="1200">
           <a:solidFill>
             <a:schemeClr val="tx1"/>
           </a:solidFill>
@@ -2805,16 +6253,19 @@
           <a:cs typeface="+mn-cs"/>
         </a:defRPr>
       </a:lvl6pPr>
-      <a:lvl7pPr marL="2971800" indent="-228600" algn="l" defTabSz="914400" rtl="0" eaLnBrk="1" latinLnBrk="0" hangingPunct="1">
-        <a:lnSpc>
-          <a:spcPct val="90000"/>
-        </a:lnSpc>
+      <a:lvl7pPr marL="2800000" indent="-228600" algn="l" defTabSz="457200" rtl="0" eaLnBrk="1" latinLnBrk="0" hangingPunct="1">
         <a:spcBef>
-          <a:spcPts val="500"/>
+          <a:spcPct val="20000"/>
         </a:spcBef>
-        <a:buFont typeface="Arial" panose="020B0604020202020204" pitchFamily="34" charset="0"/>
-        <a:buChar char="•"/>
-        <a:defRPr sz="1800" kern="1200">
+        <a:spcAft>
+          <a:spcPts val="600"/>
+        </a:spcAft>
+        <a:buClr>
+          <a:schemeClr val="accent1"/>
+        </a:buClr>
+        <a:buFont typeface="Wingdings 2" charset="2"/>
+        <a:buChar char=""/>
+        <a:defRPr sz="1200" kern="1200">
           <a:solidFill>
             <a:schemeClr val="tx1"/>
           </a:solidFill>
@@ -2823,16 +6274,19 @@
           <a:cs typeface="+mn-cs"/>
         </a:defRPr>
       </a:lvl7pPr>
-      <a:lvl8pPr marL="3429000" indent="-228600" algn="l" defTabSz="914400" rtl="0" eaLnBrk="1" latinLnBrk="0" hangingPunct="1">
-        <a:lnSpc>
-          <a:spcPct val="90000"/>
-        </a:lnSpc>
+      <a:lvl8pPr marL="3200000" indent="-228600" algn="l" defTabSz="457200" rtl="0" eaLnBrk="1" latinLnBrk="0" hangingPunct="1">
         <a:spcBef>
-          <a:spcPts val="500"/>
+          <a:spcPct val="20000"/>
         </a:spcBef>
-        <a:buFont typeface="Arial" panose="020B0604020202020204" pitchFamily="34" charset="0"/>
-        <a:buChar char="•"/>
-        <a:defRPr sz="1800" kern="1200">
+        <a:spcAft>
+          <a:spcPts val="600"/>
+        </a:spcAft>
+        <a:buClr>
+          <a:schemeClr val="accent1"/>
+        </a:buClr>
+        <a:buFont typeface="Wingdings 2" charset="2"/>
+        <a:buChar char=""/>
+        <a:defRPr sz="1200" kern="1200">
           <a:solidFill>
             <a:schemeClr val="tx1"/>
           </a:solidFill>
@@ -2841,16 +6295,19 @@
           <a:cs typeface="+mn-cs"/>
         </a:defRPr>
       </a:lvl8pPr>
-      <a:lvl9pPr marL="3886200" indent="-228600" algn="l" defTabSz="914400" rtl="0" eaLnBrk="1" latinLnBrk="0" hangingPunct="1">
-        <a:lnSpc>
-          <a:spcPct val="90000"/>
-        </a:lnSpc>
+      <a:lvl9pPr marL="3600000" indent="-228600" algn="l" defTabSz="457200" rtl="0" eaLnBrk="1" latinLnBrk="0" hangingPunct="1">
         <a:spcBef>
-          <a:spcPts val="500"/>
+          <a:spcPct val="20000"/>
         </a:spcBef>
-        <a:buFont typeface="Arial" panose="020B0604020202020204" pitchFamily="34" charset="0"/>
-        <a:buChar char="•"/>
-        <a:defRPr sz="1800" kern="1200">
+        <a:spcAft>
+          <a:spcPts val="600"/>
+        </a:spcAft>
+        <a:buClr>
+          <a:schemeClr val="accent1"/>
+        </a:buClr>
+        <a:buFont typeface="Wingdings 2" charset="2"/>
+        <a:buChar char=""/>
+        <a:defRPr sz="1200" kern="1200">
           <a:solidFill>
             <a:schemeClr val="tx1"/>
           </a:solidFill>
@@ -2864,7 +6321,7 @@
       <a:defPPr>
         <a:defRPr lang="en-US"/>
       </a:defPPr>
-      <a:lvl1pPr marL="0" algn="l" defTabSz="914400" rtl="0" eaLnBrk="1" latinLnBrk="0" hangingPunct="1">
+      <a:lvl1pPr marL="0" algn="l" defTabSz="457200" rtl="0" eaLnBrk="1" latinLnBrk="0" hangingPunct="1">
         <a:defRPr sz="1800" kern="1200">
           <a:solidFill>
             <a:schemeClr val="tx1"/>
@@ -2874,7 +6331,7 @@
           <a:cs typeface="+mn-cs"/>
         </a:defRPr>
       </a:lvl1pPr>
-      <a:lvl2pPr marL="457200" algn="l" defTabSz="914400" rtl="0" eaLnBrk="1" latinLnBrk="0" hangingPunct="1">
+      <a:lvl2pPr marL="457200" algn="l" defTabSz="457200" rtl="0" eaLnBrk="1" latinLnBrk="0" hangingPunct="1">
         <a:defRPr sz="1800" kern="1200">
           <a:solidFill>
             <a:schemeClr val="tx1"/>
@@ -2884,7 +6341,7 @@
           <a:cs typeface="+mn-cs"/>
         </a:defRPr>
       </a:lvl2pPr>
-      <a:lvl3pPr marL="914400" algn="l" defTabSz="914400" rtl="0" eaLnBrk="1" latinLnBrk="0" hangingPunct="1">
+      <a:lvl3pPr marL="914400" algn="l" defTabSz="457200" rtl="0" eaLnBrk="1" latinLnBrk="0" hangingPunct="1">
         <a:defRPr sz="1800" kern="1200">
           <a:solidFill>
             <a:schemeClr val="tx1"/>
@@ -2894,7 +6351,7 @@
           <a:cs typeface="+mn-cs"/>
         </a:defRPr>
       </a:lvl3pPr>
-      <a:lvl4pPr marL="1371600" algn="l" defTabSz="914400" rtl="0" eaLnBrk="1" latinLnBrk="0" hangingPunct="1">
+      <a:lvl4pPr marL="1371600" algn="l" defTabSz="457200" rtl="0" eaLnBrk="1" latinLnBrk="0" hangingPunct="1">
         <a:defRPr sz="1800" kern="1200">
           <a:solidFill>
             <a:schemeClr val="tx1"/>
@@ -2904,7 +6361,7 @@
           <a:cs typeface="+mn-cs"/>
         </a:defRPr>
       </a:lvl4pPr>
-      <a:lvl5pPr marL="1828800" algn="l" defTabSz="914400" rtl="0" eaLnBrk="1" latinLnBrk="0" hangingPunct="1">
+      <a:lvl5pPr marL="1828800" algn="l" defTabSz="457200" rtl="0" eaLnBrk="1" latinLnBrk="0" hangingPunct="1">
         <a:defRPr sz="1800" kern="1200">
           <a:solidFill>
             <a:schemeClr val="tx1"/>
@@ -2914,7 +6371,7 @@
           <a:cs typeface="+mn-cs"/>
         </a:defRPr>
       </a:lvl5pPr>
-      <a:lvl6pPr marL="2286000" algn="l" defTabSz="914400" rtl="0" eaLnBrk="1" latinLnBrk="0" hangingPunct="1">
+      <a:lvl6pPr marL="2286000" algn="l" defTabSz="457200" rtl="0" eaLnBrk="1" latinLnBrk="0" hangingPunct="1">
         <a:defRPr sz="1800" kern="1200">
           <a:solidFill>
             <a:schemeClr val="tx1"/>
@@ -2924,7 +6381,7 @@
           <a:cs typeface="+mn-cs"/>
         </a:defRPr>
       </a:lvl6pPr>
-      <a:lvl7pPr marL="2743200" algn="l" defTabSz="914400" rtl="0" eaLnBrk="1" latinLnBrk="0" hangingPunct="1">
+      <a:lvl7pPr marL="2743200" algn="l" defTabSz="457200" rtl="0" eaLnBrk="1" latinLnBrk="0" hangingPunct="1">
         <a:defRPr sz="1800" kern="1200">
           <a:solidFill>
             <a:schemeClr val="tx1"/>
@@ -2934,7 +6391,7 @@
           <a:cs typeface="+mn-cs"/>
         </a:defRPr>
       </a:lvl7pPr>
-      <a:lvl8pPr marL="3200400" algn="l" defTabSz="914400" rtl="0" eaLnBrk="1" latinLnBrk="0" hangingPunct="1">
+      <a:lvl8pPr marL="3200400" algn="l" defTabSz="457200" rtl="0" eaLnBrk="1" latinLnBrk="0" hangingPunct="1">
         <a:defRPr sz="1800" kern="1200">
           <a:solidFill>
             <a:schemeClr val="tx1"/>
@@ -2944,7 +6401,7 @@
           <a:cs typeface="+mn-cs"/>
         </a:defRPr>
       </a:lvl8pPr>
-      <a:lvl9pPr marL="3657600" algn="l" defTabSz="914400" rtl="0" eaLnBrk="1" latinLnBrk="0" hangingPunct="1">
+      <a:lvl9pPr marL="3657600" algn="l" defTabSz="457200" rtl="0" eaLnBrk="1" latinLnBrk="0" hangingPunct="1">
         <a:defRPr sz="1800" kern="1200">
           <a:solidFill>
             <a:schemeClr val="tx1"/>
@@ -3079,7 +6536,7 @@
       </p:sp>
       <p:sp>
         <p:nvSpPr>
-          <p:cNvPr id="3" name="Content Placeholder 2"/>
+          <p:cNvPr id="4" name="Content Placeholder 2"/>
           <p:cNvSpPr>
             <a:spLocks noGrp="1"/>
           </p:cNvSpPr>
@@ -3087,15 +6544,84 @@
             <p:ph idx="1"/>
           </p:nvPr>
         </p:nvSpPr>
-        <p:spPr/>
+        <p:spPr>
+          <a:xfrm>
+            <a:off x="856129" y="2268071"/>
+            <a:ext cx="10515600" cy="2008374"/>
+          </a:xfrm>
+        </p:spPr>
         <p:txBody>
           <a:bodyPr/>
           <a:lstStyle/>
           <a:p>
-            <a:endParaRPr lang="en-IN"/>
-          </a:p>
-        </p:txBody>
-      </p:sp>
+            <a:r>
+              <a:rPr lang="en-IN" dirty="0" smtClean="0"/>
+              <a:t>Total time taken (in </a:t>
+            </a:r>
+            <a:r>
+              <a:rPr lang="en-IN" dirty="0"/>
+              <a:t>s</a:t>
+            </a:r>
+            <a:r>
+              <a:rPr lang="en-IN" dirty="0" smtClean="0"/>
+              <a:t>econd</a:t>
+            </a:r>
+            <a:r>
+              <a:rPr lang="en-IN" dirty="0"/>
+              <a:t>): </a:t>
+            </a:r>
+            <a:r>
+              <a:rPr lang="en-IN" u="sng" dirty="0" smtClean="0"/>
+              <a:t>142.9248502254486s</a:t>
+            </a:r>
+            <a:endParaRPr lang="en-IN" u="sng" dirty="0" smtClean="0"/>
+          </a:p>
+          <a:p>
+            <a:endParaRPr lang="en-IN" dirty="0"/>
+          </a:p>
+          <a:p>
+            <a:endParaRPr lang="en-IN" dirty="0" smtClean="0"/>
+          </a:p>
+          <a:p>
+            <a:endParaRPr lang="en-IN" dirty="0" smtClean="0"/>
+          </a:p>
+          <a:p>
+            <a:r>
+              <a:rPr lang="en-IN" dirty="0" smtClean="0"/>
+              <a:t>Total Space/Memory required (in MiB): </a:t>
+            </a:r>
+            <a:r>
+              <a:rPr lang="en-IN" u="sng" dirty="0" smtClean="0"/>
+              <a:t>17.556MiB</a:t>
+            </a:r>
+            <a:endParaRPr lang="en-IN" u="sng" dirty="0"/>
+          </a:p>
+        </p:txBody>
+      </p:sp>
+      <p:pic>
+        <p:nvPicPr>
+          <p:cNvPr id="5" name="Picture 4"/>
+          <p:cNvPicPr>
+            <a:picLocks noChangeAspect="1"/>
+          </p:cNvPicPr>
+          <p:nvPr/>
+        </p:nvPicPr>
+        <p:blipFill>
+          <a:blip r:embed="rId2"/>
+          <a:stretch>
+            <a:fillRect/>
+          </a:stretch>
+        </p:blipFill>
+        <p:spPr>
+          <a:xfrm>
+            <a:off x="1317812" y="2792225"/>
+            <a:ext cx="8229600" cy="771525"/>
+          </a:xfrm>
+          <a:prstGeom prst="rect">
+            <a:avLst/>
+          </a:prstGeom>
+        </p:spPr>
+      </p:pic>
     </p:spTree>
     <p:extLst>
       <p:ext uri="{BB962C8B-B14F-4D97-AF65-F5344CB8AC3E}">
@@ -3170,25 +6696,31 @@
           </a:p>
         </p:txBody>
       </p:sp>
-      <p:sp>
-        <p:nvSpPr>
-          <p:cNvPr id="3" name="Content Placeholder 2"/>
-          <p:cNvSpPr>
-            <a:spLocks noGrp="1"/>
-          </p:cNvSpPr>
+      <p:graphicFrame>
+        <p:nvGraphicFramePr>
+          <p:cNvPr id="8" name="Content Placeholder 7"/>
+          <p:cNvGraphicFramePr>
+            <a:graphicFrameLocks noGrp="1"/>
+          </p:cNvGraphicFramePr>
           <p:nvPr>
             <p:ph idx="1"/>
-          </p:nvPr>
-        </p:nvSpPr>
-        <p:spPr/>
-        <p:txBody>
-          <a:bodyPr/>
-          <a:lstStyle/>
-          <a:p>
-            <a:endParaRPr lang="en-IN" dirty="0"/>
-          </a:p>
-        </p:txBody>
-      </p:sp>
+            <p:extLst>
+              <p:ext uri="{D42A27DB-BD31-4B8C-83A1-F6EECF244321}">
+                <p14:modId xmlns:p14="http://schemas.microsoft.com/office/powerpoint/2010/main" val="2818026620"/>
+              </p:ext>
+            </p:extLst>
+          </p:nvPr>
+        </p:nvGraphicFramePr>
+        <p:xfrm>
+          <a:off x="819150" y="2222500"/>
+          <a:ext cx="10553700" cy="3636963"/>
+        </p:xfrm>
+        <a:graphic>
+          <a:graphicData uri="http://schemas.openxmlformats.org/drawingml/2006/chart">
+            <c:chart xmlns:c="http://schemas.openxmlformats.org/drawingml/2006/chart" xmlns:r="http://schemas.openxmlformats.org/officeDocument/2006/relationships" r:id="rId2"/>
+          </a:graphicData>
+        </a:graphic>
+      </p:graphicFrame>
     </p:spTree>
     <p:extLst>
       <p:ext uri="{BB962C8B-B14F-4D97-AF65-F5344CB8AC3E}">
@@ -3324,12 +6856,36 @@
             <p:ph idx="1"/>
           </p:nvPr>
         </p:nvSpPr>
-        <p:spPr/>
+        <p:spPr>
+          <a:xfrm>
+            <a:off x="838200" y="2904565"/>
+            <a:ext cx="10515600" cy="2501434"/>
+          </a:xfrm>
+        </p:spPr>
         <p:txBody>
           <a:bodyPr/>
           <a:lstStyle/>
           <a:p>
-            <a:endParaRPr lang="en-IN" dirty="0"/>
+            <a:pPr marL="0" indent="0">
+              <a:buNone/>
+            </a:pPr>
+            <a:r>
+              <a:rPr lang="en-IN" dirty="0">
+                <a:solidFill>
+                  <a:schemeClr val="accent1">
+                    <a:lumMod val="50000"/>
+                  </a:schemeClr>
+                </a:solidFill>
+              </a:rPr>
+              <a:t>https://github.com/nishitmehta1/COT5405_DAA_GroupProgramming1</a:t>
+            </a:r>
+            <a:endParaRPr lang="en-IN" dirty="0">
+              <a:solidFill>
+                <a:schemeClr val="accent1">
+                  <a:lumMod val="50000"/>
+                </a:schemeClr>
+              </a:solidFill>
+            </a:endParaRPr>
           </a:p>
         </p:txBody>
       </p:sp>
@@ -3480,10 +7036,74 @@
           <a:bodyPr/>
           <a:lstStyle/>
           <a:p>
-            <a:endParaRPr lang="en-IN"/>
-          </a:p>
-        </p:txBody>
-      </p:sp>
+            <a:r>
+              <a:rPr lang="en-IN" dirty="0" smtClean="0"/>
+              <a:t>Total time taken (in second</a:t>
+            </a:r>
+            <a:r>
+              <a:rPr lang="en-IN" dirty="0"/>
+              <a:t>): </a:t>
+            </a:r>
+            <a:r>
+              <a:rPr lang="en-IN" u="sng" dirty="0" smtClean="0"/>
+              <a:t>1.1973114013671875s</a:t>
+            </a:r>
+          </a:p>
+          <a:p>
+            <a:endParaRPr lang="en-IN" dirty="0"/>
+          </a:p>
+          <a:p>
+            <a:endParaRPr lang="en-IN" dirty="0" smtClean="0"/>
+          </a:p>
+          <a:p>
+            <a:pPr marL="0" indent="0">
+              <a:buNone/>
+            </a:pPr>
+            <a:endParaRPr lang="en-IN" dirty="0" smtClean="0"/>
+          </a:p>
+          <a:p>
+            <a:pPr marL="0" indent="0">
+              <a:buNone/>
+            </a:pPr>
+            <a:endParaRPr lang="en-IN" dirty="0" smtClean="0"/>
+          </a:p>
+          <a:p>
+            <a:r>
+              <a:rPr lang="en-IN" dirty="0" smtClean="0"/>
+              <a:t>Total Space/Memory required (in MiB): </a:t>
+            </a:r>
+            <a:r>
+              <a:rPr lang="en-IN" u="sng" dirty="0" smtClean="0"/>
+              <a:t>17.152MiB</a:t>
+            </a:r>
+            <a:endParaRPr lang="en-IN" u="sng" dirty="0"/>
+          </a:p>
+        </p:txBody>
+      </p:sp>
+      <p:pic>
+        <p:nvPicPr>
+          <p:cNvPr id="4" name="Picture 3"/>
+          <p:cNvPicPr>
+            <a:picLocks noChangeAspect="1"/>
+          </p:cNvPicPr>
+          <p:nvPr/>
+        </p:nvPicPr>
+        <p:blipFill>
+          <a:blip r:embed="rId2"/>
+          <a:stretch>
+            <a:fillRect/>
+          </a:stretch>
+        </p:blipFill>
+        <p:spPr>
+          <a:xfrm>
+            <a:off x="1255058" y="3317501"/>
+            <a:ext cx="8229600" cy="1352550"/>
+          </a:xfrm>
+          <a:prstGeom prst="rect">
+            <a:avLst/>
+          </a:prstGeom>
+        </p:spPr>
+      </p:pic>
     </p:spTree>
     <p:extLst>
       <p:ext uri="{BB962C8B-B14F-4D97-AF65-F5344CB8AC3E}">
@@ -3539,23 +7159,252 @@
       </p:sp>
       <p:sp>
         <p:nvSpPr>
-          <p:cNvPr id="3" name="Content Placeholder 2"/>
-          <p:cNvSpPr>
-            <a:spLocks noGrp="1"/>
-          </p:cNvSpPr>
-          <p:nvPr>
-            <p:ph idx="1"/>
-          </p:nvPr>
-        </p:nvSpPr>
-        <p:spPr/>
-        <p:txBody>
-          <a:bodyPr/>
-          <a:lstStyle/>
-          <a:p>
-            <a:endParaRPr lang="en-IN"/>
-          </a:p>
-        </p:txBody>
-      </p:sp>
+          <p:cNvPr id="4" name="Content Placeholder 2"/>
+          <p:cNvSpPr txBox="1">
+            <a:spLocks/>
+          </p:cNvSpPr>
+          <p:nvPr/>
+        </p:nvSpPr>
+        <p:spPr>
+          <a:xfrm>
+            <a:off x="820270" y="2193178"/>
+            <a:ext cx="10515600" cy="4351338"/>
+          </a:xfrm>
+          <a:prstGeom prst="rect">
+            <a:avLst/>
+          </a:prstGeom>
+        </p:spPr>
+        <p:txBody>
+          <a:bodyPr vert="horz" lIns="91440" tIns="45720" rIns="91440" bIns="45720" rtlCol="0">
+            <a:normAutofit/>
+          </a:bodyPr>
+          <a:lstStyle>
+            <a:lvl1pPr marL="228600" indent="-228600" algn="l" defTabSz="914400" rtl="0" eaLnBrk="1" latinLnBrk="0" hangingPunct="1">
+              <a:lnSpc>
+                <a:spcPct val="90000"/>
+              </a:lnSpc>
+              <a:spcBef>
+                <a:spcPts val="1000"/>
+              </a:spcBef>
+              <a:buFont typeface="Arial" panose="020B0604020202020204" pitchFamily="34" charset="0"/>
+              <a:buChar char="•"/>
+              <a:defRPr sz="2800" kern="1200">
+                <a:solidFill>
+                  <a:schemeClr val="tx1"/>
+                </a:solidFill>
+                <a:latin typeface="+mn-lt"/>
+                <a:ea typeface="+mn-ea"/>
+                <a:cs typeface="+mn-cs"/>
+              </a:defRPr>
+            </a:lvl1pPr>
+            <a:lvl2pPr marL="685800" indent="-228600" algn="l" defTabSz="914400" rtl="0" eaLnBrk="1" latinLnBrk="0" hangingPunct="1">
+              <a:lnSpc>
+                <a:spcPct val="90000"/>
+              </a:lnSpc>
+              <a:spcBef>
+                <a:spcPts val="500"/>
+              </a:spcBef>
+              <a:buFont typeface="Arial" panose="020B0604020202020204" pitchFamily="34" charset="0"/>
+              <a:buChar char="•"/>
+              <a:defRPr sz="2400" kern="1200">
+                <a:solidFill>
+                  <a:schemeClr val="tx1"/>
+                </a:solidFill>
+                <a:latin typeface="+mn-lt"/>
+                <a:ea typeface="+mn-ea"/>
+                <a:cs typeface="+mn-cs"/>
+              </a:defRPr>
+            </a:lvl2pPr>
+            <a:lvl3pPr marL="1143000" indent="-228600" algn="l" defTabSz="914400" rtl="0" eaLnBrk="1" latinLnBrk="0" hangingPunct="1">
+              <a:lnSpc>
+                <a:spcPct val="90000"/>
+              </a:lnSpc>
+              <a:spcBef>
+                <a:spcPts val="500"/>
+              </a:spcBef>
+              <a:buFont typeface="Arial" panose="020B0604020202020204" pitchFamily="34" charset="0"/>
+              <a:buChar char="•"/>
+              <a:defRPr sz="2000" kern="1200">
+                <a:solidFill>
+                  <a:schemeClr val="tx1"/>
+                </a:solidFill>
+                <a:latin typeface="+mn-lt"/>
+                <a:ea typeface="+mn-ea"/>
+                <a:cs typeface="+mn-cs"/>
+              </a:defRPr>
+            </a:lvl3pPr>
+            <a:lvl4pPr marL="1600200" indent="-228600" algn="l" defTabSz="914400" rtl="0" eaLnBrk="1" latinLnBrk="0" hangingPunct="1">
+              <a:lnSpc>
+                <a:spcPct val="90000"/>
+              </a:lnSpc>
+              <a:spcBef>
+                <a:spcPts val="500"/>
+              </a:spcBef>
+              <a:buFont typeface="Arial" panose="020B0604020202020204" pitchFamily="34" charset="0"/>
+              <a:buChar char="•"/>
+              <a:defRPr sz="1800" kern="1200">
+                <a:solidFill>
+                  <a:schemeClr val="tx1"/>
+                </a:solidFill>
+                <a:latin typeface="+mn-lt"/>
+                <a:ea typeface="+mn-ea"/>
+                <a:cs typeface="+mn-cs"/>
+              </a:defRPr>
+            </a:lvl4pPr>
+            <a:lvl5pPr marL="2057400" indent="-228600" algn="l" defTabSz="914400" rtl="0" eaLnBrk="1" latinLnBrk="0" hangingPunct="1">
+              <a:lnSpc>
+                <a:spcPct val="90000"/>
+              </a:lnSpc>
+              <a:spcBef>
+                <a:spcPts val="500"/>
+              </a:spcBef>
+              <a:buFont typeface="Arial" panose="020B0604020202020204" pitchFamily="34" charset="0"/>
+              <a:buChar char="•"/>
+              <a:defRPr sz="1800" kern="1200">
+                <a:solidFill>
+                  <a:schemeClr val="tx1"/>
+                </a:solidFill>
+                <a:latin typeface="+mn-lt"/>
+                <a:ea typeface="+mn-ea"/>
+                <a:cs typeface="+mn-cs"/>
+              </a:defRPr>
+            </a:lvl5pPr>
+            <a:lvl6pPr marL="2514600" indent="-228600" algn="l" defTabSz="914400" rtl="0" eaLnBrk="1" latinLnBrk="0" hangingPunct="1">
+              <a:lnSpc>
+                <a:spcPct val="90000"/>
+              </a:lnSpc>
+              <a:spcBef>
+                <a:spcPts val="500"/>
+              </a:spcBef>
+              <a:buFont typeface="Arial" panose="020B0604020202020204" pitchFamily="34" charset="0"/>
+              <a:buChar char="•"/>
+              <a:defRPr sz="1800" kern="1200">
+                <a:solidFill>
+                  <a:schemeClr val="tx1"/>
+                </a:solidFill>
+                <a:latin typeface="+mn-lt"/>
+                <a:ea typeface="+mn-ea"/>
+                <a:cs typeface="+mn-cs"/>
+              </a:defRPr>
+            </a:lvl6pPr>
+            <a:lvl7pPr marL="2971800" indent="-228600" algn="l" defTabSz="914400" rtl="0" eaLnBrk="1" latinLnBrk="0" hangingPunct="1">
+              <a:lnSpc>
+                <a:spcPct val="90000"/>
+              </a:lnSpc>
+              <a:spcBef>
+                <a:spcPts val="500"/>
+              </a:spcBef>
+              <a:buFont typeface="Arial" panose="020B0604020202020204" pitchFamily="34" charset="0"/>
+              <a:buChar char="•"/>
+              <a:defRPr sz="1800" kern="1200">
+                <a:solidFill>
+                  <a:schemeClr val="tx1"/>
+                </a:solidFill>
+                <a:latin typeface="+mn-lt"/>
+                <a:ea typeface="+mn-ea"/>
+                <a:cs typeface="+mn-cs"/>
+              </a:defRPr>
+            </a:lvl7pPr>
+            <a:lvl8pPr marL="3429000" indent="-228600" algn="l" defTabSz="914400" rtl="0" eaLnBrk="1" latinLnBrk="0" hangingPunct="1">
+              <a:lnSpc>
+                <a:spcPct val="90000"/>
+              </a:lnSpc>
+              <a:spcBef>
+                <a:spcPts val="500"/>
+              </a:spcBef>
+              <a:buFont typeface="Arial" panose="020B0604020202020204" pitchFamily="34" charset="0"/>
+              <a:buChar char="•"/>
+              <a:defRPr sz="1800" kern="1200">
+                <a:solidFill>
+                  <a:schemeClr val="tx1"/>
+                </a:solidFill>
+                <a:latin typeface="+mn-lt"/>
+                <a:ea typeface="+mn-ea"/>
+                <a:cs typeface="+mn-cs"/>
+              </a:defRPr>
+            </a:lvl8pPr>
+            <a:lvl9pPr marL="3886200" indent="-228600" algn="l" defTabSz="914400" rtl="0" eaLnBrk="1" latinLnBrk="0" hangingPunct="1">
+              <a:lnSpc>
+                <a:spcPct val="90000"/>
+              </a:lnSpc>
+              <a:spcBef>
+                <a:spcPts val="500"/>
+              </a:spcBef>
+              <a:buFont typeface="Arial" panose="020B0604020202020204" pitchFamily="34" charset="0"/>
+              <a:buChar char="•"/>
+              <a:defRPr sz="1800" kern="1200">
+                <a:solidFill>
+                  <a:schemeClr val="tx1"/>
+                </a:solidFill>
+                <a:latin typeface="+mn-lt"/>
+                <a:ea typeface="+mn-ea"/>
+                <a:cs typeface="+mn-cs"/>
+              </a:defRPr>
+            </a:lvl9pPr>
+          </a:lstStyle>
+          <a:p>
+            <a:r>
+              <a:rPr lang="en-IN" dirty="0" smtClean="0"/>
+              <a:t>Total time taken (in second</a:t>
+            </a:r>
+            <a:r>
+              <a:rPr lang="en-IN" dirty="0"/>
+              <a:t>): </a:t>
+            </a:r>
+            <a:r>
+              <a:rPr lang="en-IN" u="sng" dirty="0" smtClean="0"/>
+              <a:t>2.2971396446228027s</a:t>
+            </a:r>
+          </a:p>
+          <a:p>
+            <a:endParaRPr lang="en-IN" dirty="0" smtClean="0"/>
+          </a:p>
+          <a:p>
+            <a:endParaRPr lang="en-IN" dirty="0" smtClean="0"/>
+          </a:p>
+          <a:p>
+            <a:pPr marL="0" indent="0">
+              <a:buNone/>
+            </a:pPr>
+            <a:endParaRPr lang="en-IN" dirty="0" smtClean="0"/>
+          </a:p>
+          <a:p>
+            <a:r>
+              <a:rPr lang="en-IN" dirty="0" smtClean="0"/>
+              <a:t>Total Space/Memory required (in MiB): </a:t>
+            </a:r>
+            <a:r>
+              <a:rPr lang="en-IN" u="sng" dirty="0" smtClean="0"/>
+              <a:t>16.969MiB</a:t>
+            </a:r>
+            <a:endParaRPr lang="en-IN" u="sng" dirty="0"/>
+          </a:p>
+        </p:txBody>
+      </p:sp>
+      <p:pic>
+        <p:nvPicPr>
+          <p:cNvPr id="5" name="Picture 4"/>
+          <p:cNvPicPr>
+            <a:picLocks noChangeAspect="1"/>
+          </p:cNvPicPr>
+          <p:nvPr/>
+        </p:nvPicPr>
+        <p:blipFill>
+          <a:blip r:embed="rId2"/>
+          <a:stretch>
+            <a:fillRect/>
+          </a:stretch>
+        </p:blipFill>
+        <p:spPr>
+          <a:xfrm>
+            <a:off x="1169614" y="2704819"/>
+            <a:ext cx="8239125" cy="1304925"/>
+          </a:xfrm>
+          <a:prstGeom prst="rect">
+            <a:avLst/>
+          </a:prstGeom>
+        </p:spPr>
+      </p:pic>
     </p:spTree>
     <p:extLst>
       <p:ext uri="{BB962C8B-B14F-4D97-AF65-F5344CB8AC3E}">
@@ -3611,7 +7460,7 @@
       </p:sp>
       <p:sp>
         <p:nvSpPr>
-          <p:cNvPr id="3" name="Content Placeholder 2"/>
+          <p:cNvPr id="4" name="Content Placeholder 2"/>
           <p:cNvSpPr>
             <a:spLocks noGrp="1"/>
           </p:cNvSpPr>
@@ -3619,15 +7468,83 @@
             <p:ph idx="1"/>
           </p:nvPr>
         </p:nvSpPr>
-        <p:spPr/>
-        <p:txBody>
-          <a:bodyPr/>
+        <p:spPr>
+          <a:xfrm>
+            <a:off x="845607" y="2294965"/>
+            <a:ext cx="10554574" cy="2348753"/>
+          </a:xfrm>
+        </p:spPr>
+        <p:txBody>
+          <a:bodyPr>
+            <a:normAutofit/>
+          </a:bodyPr>
           <a:lstStyle/>
           <a:p>
-            <a:endParaRPr lang="en-IN"/>
-          </a:p>
-        </p:txBody>
-      </p:sp>
+            <a:r>
+              <a:rPr lang="en-IN" dirty="0" smtClean="0"/>
+              <a:t>Total time taken (in second</a:t>
+            </a:r>
+            <a:r>
+              <a:rPr lang="en-IN" dirty="0"/>
+              <a:t>): </a:t>
+            </a:r>
+            <a:r>
+              <a:rPr lang="en-IN" u="sng" dirty="0" smtClean="0"/>
+              <a:t>4.4879090785980225s</a:t>
+            </a:r>
+          </a:p>
+          <a:p>
+            <a:endParaRPr lang="en-IN" u="sng" dirty="0"/>
+          </a:p>
+          <a:p>
+            <a:pPr marL="0" indent="0">
+              <a:buNone/>
+            </a:pPr>
+            <a:endParaRPr lang="en-IN" u="sng" dirty="0" smtClean="0"/>
+          </a:p>
+          <a:p>
+            <a:pPr marL="0" indent="0">
+              <a:buNone/>
+            </a:pPr>
+            <a:endParaRPr lang="en-IN" dirty="0" smtClean="0"/>
+          </a:p>
+          <a:p>
+            <a:r>
+              <a:rPr lang="en-IN" dirty="0" smtClean="0"/>
+              <a:t>Total Space/Memory required (in MiB): </a:t>
+            </a:r>
+            <a:r>
+              <a:rPr lang="en-IN" u="sng" dirty="0" smtClean="0"/>
+              <a:t>16.96MiB</a:t>
+            </a:r>
+            <a:endParaRPr lang="en-IN" u="sng" dirty="0"/>
+          </a:p>
+        </p:txBody>
+      </p:sp>
+      <p:pic>
+        <p:nvPicPr>
+          <p:cNvPr id="5" name="Picture 4"/>
+          <p:cNvPicPr>
+            <a:picLocks noChangeAspect="1"/>
+          </p:cNvPicPr>
+          <p:nvPr/>
+        </p:nvPicPr>
+        <p:blipFill>
+          <a:blip r:embed="rId2"/>
+          <a:stretch>
+            <a:fillRect/>
+          </a:stretch>
+        </p:blipFill>
+        <p:spPr>
+          <a:xfrm>
+            <a:off x="1292038" y="2913809"/>
+            <a:ext cx="8191500" cy="904875"/>
+          </a:xfrm>
+          <a:prstGeom prst="rect">
+            <a:avLst/>
+          </a:prstGeom>
+        </p:spPr>
+      </p:pic>
     </p:spTree>
     <p:extLst>
       <p:ext uri="{BB962C8B-B14F-4D97-AF65-F5344CB8AC3E}">
@@ -3683,7 +7600,7 @@
       </p:sp>
       <p:sp>
         <p:nvSpPr>
-          <p:cNvPr id="3" name="Content Placeholder 2"/>
+          <p:cNvPr id="4" name="Content Placeholder 2"/>
           <p:cNvSpPr>
             <a:spLocks noGrp="1"/>
           </p:cNvSpPr>
@@ -3691,15 +7608,76 @@
             <p:ph idx="1"/>
           </p:nvPr>
         </p:nvSpPr>
-        <p:spPr/>
+        <p:spPr>
+          <a:xfrm>
+            <a:off x="856130" y="2250140"/>
+            <a:ext cx="10515600" cy="2133881"/>
+          </a:xfrm>
+        </p:spPr>
         <p:txBody>
           <a:bodyPr/>
           <a:lstStyle/>
           <a:p>
-            <a:endParaRPr lang="en-IN"/>
-          </a:p>
-        </p:txBody>
-      </p:sp>
+            <a:r>
+              <a:rPr lang="en-IN" dirty="0" smtClean="0"/>
+              <a:t>Total time taken (in second</a:t>
+            </a:r>
+            <a:r>
+              <a:rPr lang="en-IN" dirty="0"/>
+              <a:t>): </a:t>
+            </a:r>
+            <a:r>
+              <a:rPr lang="en-IN" u="sng" dirty="0" smtClean="0"/>
+              <a:t>8.821815252304077s</a:t>
+            </a:r>
+            <a:endParaRPr lang="en-IN" u="sng" dirty="0" smtClean="0"/>
+          </a:p>
+          <a:p>
+            <a:endParaRPr lang="en-IN" dirty="0"/>
+          </a:p>
+          <a:p>
+            <a:endParaRPr lang="en-IN" dirty="0" smtClean="0"/>
+          </a:p>
+          <a:p>
+            <a:endParaRPr lang="en-IN" dirty="0" smtClean="0"/>
+          </a:p>
+          <a:p>
+            <a:r>
+              <a:rPr lang="en-IN" dirty="0" smtClean="0"/>
+              <a:t>Total Space/Memory required (in MiB): </a:t>
+            </a:r>
+            <a:r>
+              <a:rPr lang="en-IN" u="sng" dirty="0" smtClean="0"/>
+              <a:t>17.000MiB</a:t>
+            </a:r>
+            <a:endParaRPr lang="en-IN" u="sng" dirty="0"/>
+          </a:p>
+        </p:txBody>
+      </p:sp>
+      <p:pic>
+        <p:nvPicPr>
+          <p:cNvPr id="5" name="Picture 4"/>
+          <p:cNvPicPr>
+            <a:picLocks noChangeAspect="1"/>
+          </p:cNvPicPr>
+          <p:nvPr/>
+        </p:nvPicPr>
+        <p:blipFill>
+          <a:blip r:embed="rId2"/>
+          <a:stretch>
+            <a:fillRect/>
+          </a:stretch>
+        </p:blipFill>
+        <p:spPr>
+          <a:xfrm>
+            <a:off x="1308847" y="2825002"/>
+            <a:ext cx="8229600" cy="723900"/>
+          </a:xfrm>
+          <a:prstGeom prst="rect">
+            <a:avLst/>
+          </a:prstGeom>
+        </p:spPr>
+      </p:pic>
     </p:spTree>
     <p:extLst>
       <p:ext uri="{BB962C8B-B14F-4D97-AF65-F5344CB8AC3E}">
@@ -3755,7 +7733,7 @@
       </p:sp>
       <p:sp>
         <p:nvSpPr>
-          <p:cNvPr id="3" name="Content Placeholder 2"/>
+          <p:cNvPr id="4" name="Content Placeholder 2"/>
           <p:cNvSpPr>
             <a:spLocks noGrp="1"/>
           </p:cNvSpPr>
@@ -3763,15 +7741,71 @@
             <p:ph idx="1"/>
           </p:nvPr>
         </p:nvSpPr>
-        <p:spPr/>
+        <p:spPr>
+          <a:xfrm>
+            <a:off x="838200" y="2214282"/>
+            <a:ext cx="10515600" cy="2456610"/>
+          </a:xfrm>
+        </p:spPr>
         <p:txBody>
           <a:bodyPr/>
           <a:lstStyle/>
           <a:p>
-            <a:endParaRPr lang="en-IN"/>
-          </a:p>
-        </p:txBody>
-      </p:sp>
+            <a:r>
+              <a:rPr lang="en-IN" dirty="0" smtClean="0"/>
+              <a:t>Total time taken (in second</a:t>
+            </a:r>
+            <a:r>
+              <a:rPr lang="en-IN" dirty="0"/>
+              <a:t>): </a:t>
+            </a:r>
+            <a:r>
+              <a:rPr lang="en-IN" u="sng" dirty="0" smtClean="0"/>
+              <a:t>17.084349632263184s</a:t>
+            </a:r>
+          </a:p>
+          <a:p>
+            <a:endParaRPr lang="en-IN" u="sng" dirty="0" smtClean="0"/>
+          </a:p>
+          <a:p>
+            <a:endParaRPr lang="en-IN" dirty="0"/>
+          </a:p>
+          <a:p>
+            <a:endParaRPr lang="en-IN" dirty="0" smtClean="0"/>
+          </a:p>
+          <a:p>
+            <a:r>
+              <a:rPr lang="en-IN" dirty="0" smtClean="0"/>
+              <a:t>Total Space/Memory required (in MiB): 17.125MiB</a:t>
+            </a:r>
+            <a:endParaRPr lang="en-IN" dirty="0"/>
+          </a:p>
+        </p:txBody>
+      </p:sp>
+      <p:pic>
+        <p:nvPicPr>
+          <p:cNvPr id="5" name="Picture 4"/>
+          <p:cNvPicPr>
+            <a:picLocks noChangeAspect="1"/>
+          </p:cNvPicPr>
+          <p:nvPr/>
+        </p:nvPicPr>
+        <p:blipFill>
+          <a:blip r:embed="rId2"/>
+          <a:stretch>
+            <a:fillRect/>
+          </a:stretch>
+        </p:blipFill>
+        <p:spPr>
+          <a:xfrm>
+            <a:off x="1272988" y="3025028"/>
+            <a:ext cx="8229600" cy="628650"/>
+          </a:xfrm>
+          <a:prstGeom prst="rect">
+            <a:avLst/>
+          </a:prstGeom>
+        </p:spPr>
+      </p:pic>
     </p:spTree>
     <p:extLst>
       <p:ext uri="{BB962C8B-B14F-4D97-AF65-F5344CB8AC3E}">
@@ -3827,7 +7861,7 @@
       </p:sp>
       <p:sp>
         <p:nvSpPr>
-          <p:cNvPr id="3" name="Content Placeholder 2"/>
+          <p:cNvPr id="4" name="Content Placeholder 2"/>
           <p:cNvSpPr>
             <a:spLocks noGrp="1"/>
           </p:cNvSpPr>
@@ -3835,15 +7869,76 @@
             <p:ph idx="1"/>
           </p:nvPr>
         </p:nvSpPr>
-        <p:spPr/>
+        <p:spPr>
+          <a:xfrm>
+            <a:off x="838200" y="2303928"/>
+            <a:ext cx="10515600" cy="2196633"/>
+          </a:xfrm>
+        </p:spPr>
         <p:txBody>
           <a:bodyPr/>
           <a:lstStyle/>
           <a:p>
-            <a:endParaRPr lang="en-IN"/>
-          </a:p>
-        </p:txBody>
-      </p:sp>
+            <a:r>
+              <a:rPr lang="en-IN" dirty="0" smtClean="0"/>
+              <a:t>Total time taken (in second</a:t>
+            </a:r>
+            <a:r>
+              <a:rPr lang="en-IN" dirty="0"/>
+              <a:t>): </a:t>
+            </a:r>
+            <a:r>
+              <a:rPr lang="en-IN" u="sng" dirty="0" smtClean="0"/>
+              <a:t>37.08121728897095s</a:t>
+            </a:r>
+            <a:endParaRPr lang="en-IN" u="sng" dirty="0" smtClean="0"/>
+          </a:p>
+          <a:p>
+            <a:endParaRPr lang="en-IN" dirty="0" smtClean="0"/>
+          </a:p>
+          <a:p>
+            <a:endParaRPr lang="en-IN" dirty="0"/>
+          </a:p>
+          <a:p>
+            <a:endParaRPr lang="en-IN" dirty="0" smtClean="0"/>
+          </a:p>
+          <a:p>
+            <a:r>
+              <a:rPr lang="en-IN" dirty="0" smtClean="0"/>
+              <a:t>Total Space/Memory required (in MiB): </a:t>
+            </a:r>
+            <a:r>
+              <a:rPr lang="en-IN" u="sng" dirty="0" smtClean="0"/>
+              <a:t>17.125MiB</a:t>
+            </a:r>
+            <a:endParaRPr lang="en-IN" u="sng" dirty="0"/>
+          </a:p>
+        </p:txBody>
+      </p:sp>
+      <p:pic>
+        <p:nvPicPr>
+          <p:cNvPr id="5" name="Picture 4"/>
+          <p:cNvPicPr>
+            <a:picLocks noChangeAspect="1"/>
+          </p:cNvPicPr>
+          <p:nvPr/>
+        </p:nvPicPr>
+        <p:blipFill>
+          <a:blip r:embed="rId2"/>
+          <a:stretch>
+            <a:fillRect/>
+          </a:stretch>
+        </p:blipFill>
+        <p:spPr>
+          <a:xfrm>
+            <a:off x="1196508" y="2952190"/>
+            <a:ext cx="8239125" cy="666750"/>
+          </a:xfrm>
+          <a:prstGeom prst="rect">
+            <a:avLst/>
+          </a:prstGeom>
+        </p:spPr>
+      </p:pic>
     </p:spTree>
     <p:extLst>
       <p:ext uri="{BB962C8B-B14F-4D97-AF65-F5344CB8AC3E}">
@@ -3899,7 +7994,7 @@
       </p:sp>
       <p:sp>
         <p:nvSpPr>
-          <p:cNvPr id="3" name="Content Placeholder 2"/>
+          <p:cNvPr id="4" name="Content Placeholder 2"/>
           <p:cNvSpPr>
             <a:spLocks noGrp="1"/>
           </p:cNvSpPr>
@@ -3907,15 +8002,78 @@
             <p:ph idx="1"/>
           </p:nvPr>
         </p:nvSpPr>
-        <p:spPr/>
-        <p:txBody>
-          <a:bodyPr/>
+        <p:spPr>
+          <a:xfrm>
+            <a:off x="838200" y="2259104"/>
+            <a:ext cx="10515600" cy="1945623"/>
+          </a:xfrm>
+        </p:spPr>
+        <p:txBody>
+          <a:bodyPr>
+            <a:normAutofit lnSpcReduction="10000"/>
+          </a:bodyPr>
           <a:lstStyle/>
           <a:p>
-            <a:endParaRPr lang="en-IN"/>
-          </a:p>
-        </p:txBody>
-      </p:sp>
+            <a:r>
+              <a:rPr lang="en-IN" dirty="0" smtClean="0"/>
+              <a:t>Total time taken (in second</a:t>
+            </a:r>
+            <a:r>
+              <a:rPr lang="en-IN" dirty="0"/>
+              <a:t>): </a:t>
+            </a:r>
+            <a:r>
+              <a:rPr lang="en-IN" u="sng" dirty="0" smtClean="0"/>
+              <a:t>74.39377641677856s</a:t>
+            </a:r>
+            <a:endParaRPr lang="en-IN" u="sng" dirty="0" smtClean="0"/>
+          </a:p>
+          <a:p>
+            <a:endParaRPr lang="en-IN" dirty="0"/>
+          </a:p>
+          <a:p>
+            <a:endParaRPr lang="en-IN" dirty="0" smtClean="0"/>
+          </a:p>
+          <a:p>
+            <a:endParaRPr lang="en-IN" dirty="0" smtClean="0"/>
+          </a:p>
+          <a:p>
+            <a:r>
+              <a:rPr lang="en-IN" dirty="0" smtClean="0"/>
+              <a:t>Total Space/Memory required (in MiB): </a:t>
+            </a:r>
+            <a:r>
+              <a:rPr lang="en-IN" u="sng" dirty="0" smtClean="0"/>
+              <a:t>17.223MiB</a:t>
+            </a:r>
+            <a:endParaRPr lang="en-IN" u="sng" dirty="0"/>
+          </a:p>
+        </p:txBody>
+      </p:sp>
+      <p:pic>
+        <p:nvPicPr>
+          <p:cNvPr id="5" name="Picture 4"/>
+          <p:cNvPicPr>
+            <a:picLocks noChangeAspect="1"/>
+          </p:cNvPicPr>
+          <p:nvPr/>
+        </p:nvPicPr>
+        <p:blipFill>
+          <a:blip r:embed="rId2"/>
+          <a:stretch>
+            <a:fillRect/>
+          </a:stretch>
+        </p:blipFill>
+        <p:spPr>
+          <a:xfrm>
+            <a:off x="1210235" y="2764210"/>
+            <a:ext cx="8229600" cy="809625"/>
+          </a:xfrm>
+          <a:prstGeom prst="rect">
+            <a:avLst/>
+          </a:prstGeom>
+        </p:spPr>
+      </p:pic>
     </p:spTree>
     <p:extLst>
       <p:ext uri="{BB962C8B-B14F-4D97-AF65-F5344CB8AC3E}">
@@ -3930,9 +8088,9 @@
 </file>
 
 <file path=ppt/theme/theme1.xml><?xml version="1.0" encoding="utf-8"?>
-<a:theme xmlns:a="http://schemas.openxmlformats.org/drawingml/2006/main" name="Office Theme">
+<a:theme xmlns:a="http://schemas.openxmlformats.org/drawingml/2006/main" name="Quotable">
   <a:themeElements>
-    <a:clrScheme name="Office">
+    <a:clrScheme name="Quotable">
       <a:dk1>
         <a:sysClr val="windowText" lastClr="000000"/>
       </a:dk1>
@@ -3940,83 +8098,48 @@
         <a:sysClr val="window" lastClr="FFFFFF"/>
       </a:lt1>
       <a:dk2>
-        <a:srgbClr val="44546A"/>
+        <a:srgbClr val="212121"/>
       </a:dk2>
       <a:lt2>
-        <a:srgbClr val="E7E6E6"/>
+        <a:srgbClr val="636363"/>
       </a:lt2>
       <a:accent1>
-        <a:srgbClr val="5B9BD5"/>
+        <a:srgbClr val="00C6BB"/>
       </a:accent1>
       <a:accent2>
-        <a:srgbClr val="ED7D31"/>
+        <a:srgbClr val="6FEBA0"/>
       </a:accent2>
       <a:accent3>
-        <a:srgbClr val="A5A5A5"/>
+        <a:srgbClr val="B6DF5E"/>
       </a:accent3>
       <a:accent4>
-        <a:srgbClr val="FFC000"/>
+        <a:srgbClr val="EFB251"/>
       </a:accent4>
       <a:accent5>
-        <a:srgbClr val="4472C4"/>
+        <a:srgbClr val="EF755F"/>
       </a:accent5>
       <a:accent6>
-        <a:srgbClr val="70AD47"/>
+        <a:srgbClr val="ED515C"/>
       </a:accent6>
       <a:hlink>
-        <a:srgbClr val="0563C1"/>
+        <a:srgbClr val="8F8F8F"/>
       </a:hlink>
       <a:folHlink>
-        <a:srgbClr val="954F72"/>
+        <a:srgbClr val="A5A5A5"/>
       </a:folHlink>
     </a:clrScheme>
-    <a:fontScheme name="Office">
+    <a:fontScheme name="Quotable">
       <a:majorFont>
-        <a:latin typeface="Calibri Light" panose="020F0302020204030204"/>
+        <a:latin typeface="Century Gothic" panose="020B0502020202020204"/>
         <a:ea typeface=""/>
         <a:cs typeface=""/>
-        <a:font script="Jpan" typeface="ＭＳ Ｐゴシック"/>
+        <a:font script="Jpan" typeface="ＭＳ ゴシック"/>
         <a:font script="Hang" typeface="맑은 고딕"/>
         <a:font script="Hans" typeface="宋体"/>
         <a:font script="Hant" typeface="新細明體"/>
-        <a:font script="Arab" typeface="Times New Roman"/>
-        <a:font script="Hebr" typeface="Times New Roman"/>
-        <a:font script="Thai" typeface="Angsana New"/>
-        <a:font script="Ethi" typeface="Nyala"/>
-        <a:font script="Beng" typeface="Vrinda"/>
-        <a:font script="Gujr" typeface="Shruti"/>
-        <a:font script="Khmr" typeface="MoolBoran"/>
-        <a:font script="Knda" typeface="Tunga"/>
-        <a:font script="Guru" typeface="Raavi"/>
-        <a:font script="Cans" typeface="Euphemia"/>
-        <a:font script="Cher" typeface="Plantagenet Cherokee"/>
-        <a:font script="Yiii" typeface="Microsoft Yi Baiti"/>
-        <a:font script="Tibt" typeface="Microsoft Himalaya"/>
-        <a:font script="Thaa" typeface="MV Boli"/>
-        <a:font script="Deva" typeface="Mangal"/>
-        <a:font script="Telu" typeface="Gautami"/>
-        <a:font script="Taml" typeface="Latha"/>
-        <a:font script="Syrc" typeface="Estrangelo Edessa"/>
-        <a:font script="Orya" typeface="Kalinga"/>
-        <a:font script="Mlym" typeface="Kartika"/>
-        <a:font script="Laoo" typeface="DokChampa"/>
-        <a:font script="Sinh" typeface="Iskoola Pota"/>
-        <a:font script="Mong" typeface="Mongolian Baiti"/>
-        <a:font script="Viet" typeface="Times New Roman"/>
-        <a:font script="Uigh" typeface="Microsoft Uighur"/>
-        <a:font script="Geor" typeface="Sylfaen"/>
-      </a:majorFont>
-      <a:minorFont>
-        <a:latin typeface="Calibri" panose="020F0502020204030204"/>
-        <a:ea typeface=""/>
-        <a:cs typeface=""/>
-        <a:font script="Jpan" typeface="ＭＳ Ｐゴシック"/>
-        <a:font script="Hang" typeface="맑은 고딕"/>
-        <a:font script="Hans" typeface="宋体"/>
-        <a:font script="Hant" typeface="新細明體"/>
-        <a:font script="Arab" typeface="Arial"/>
-        <a:font script="Hebr" typeface="Arial"/>
-        <a:font script="Thai" typeface="Cordia New"/>
+        <a:font script="Arab" typeface="Tahoma"/>
+        <a:font script="Hebr" typeface="Gisha"/>
+        <a:font script="Thai" typeface="DilleniaUPC"/>
         <a:font script="Ethi" typeface="Nyala"/>
         <a:font script="Beng" typeface="Vrinda"/>
         <a:font script="Gujr" typeface="Shruti"/>
@@ -4037,12 +8160,47 @@
         <a:font script="Laoo" typeface="DokChampa"/>
         <a:font script="Sinh" typeface="Iskoola Pota"/>
         <a:font script="Mong" typeface="Mongolian Baiti"/>
-        <a:font script="Viet" typeface="Arial"/>
+        <a:font script="Viet" typeface="Tahoma"/>
+        <a:font script="Uigh" typeface="Microsoft Uighur"/>
+        <a:font script="Geor" typeface="Sylfaen"/>
+      </a:majorFont>
+      <a:minorFont>
+        <a:latin typeface="Century Gothic" panose="020B0502020202020204"/>
+        <a:ea typeface=""/>
+        <a:cs typeface=""/>
+        <a:font script="Jpan" typeface="ＭＳ ゴシック"/>
+        <a:font script="Hang" typeface="맑은 고딕"/>
+        <a:font script="Hans" typeface="宋体"/>
+        <a:font script="Hant" typeface="新細明體"/>
+        <a:font script="Arab" typeface="Tahoma"/>
+        <a:font script="Hebr" typeface="Gisha"/>
+        <a:font script="Thai" typeface="DilleniaUPC"/>
+        <a:font script="Ethi" typeface="Nyala"/>
+        <a:font script="Beng" typeface="Vrinda"/>
+        <a:font script="Gujr" typeface="Shruti"/>
+        <a:font script="Khmr" typeface="DaunPenh"/>
+        <a:font script="Knda" typeface="Tunga"/>
+        <a:font script="Guru" typeface="Raavi"/>
+        <a:font script="Cans" typeface="Euphemia"/>
+        <a:font script="Cher" typeface="Plantagenet Cherokee"/>
+        <a:font script="Yiii" typeface="Microsoft Yi Baiti"/>
+        <a:font script="Tibt" typeface="Microsoft Himalaya"/>
+        <a:font script="Thaa" typeface="MV Boli"/>
+        <a:font script="Deva" typeface="Mangal"/>
+        <a:font script="Telu" typeface="Gautami"/>
+        <a:font script="Taml" typeface="Latha"/>
+        <a:font script="Syrc" typeface="Estrangelo Edessa"/>
+        <a:font script="Orya" typeface="Kalinga"/>
+        <a:font script="Mlym" typeface="Kartika"/>
+        <a:font script="Laoo" typeface="DokChampa"/>
+        <a:font script="Sinh" typeface="Iskoola Pota"/>
+        <a:font script="Mong" typeface="Mongolian Baiti"/>
+        <a:font script="Viet" typeface="Verdana"/>
         <a:font script="Uigh" typeface="Microsoft Uighur"/>
         <a:font script="Geor" typeface="Sylfaen"/>
       </a:minorFont>
     </a:fontScheme>
-    <a:fmtScheme name="Office">
+    <a:fmtScheme name="Quotable">
       <a:fillStyleLst>
         <a:solidFill>
           <a:schemeClr val="phClr"/>
@@ -4051,76 +8209,52 @@
           <a:gsLst>
             <a:gs pos="0">
               <a:schemeClr val="phClr">
-                <a:lumMod val="110000"/>
-                <a:satMod val="105000"/>
-                <a:tint val="67000"/>
-              </a:schemeClr>
-            </a:gs>
-            <a:gs pos="50000">
-              <a:schemeClr val="phClr">
+                <a:tint val="80000"/>
                 <a:lumMod val="105000"/>
-                <a:satMod val="103000"/>
-                <a:tint val="73000"/>
               </a:schemeClr>
             </a:gs>
             <a:gs pos="100000">
               <a:schemeClr val="phClr">
-                <a:lumMod val="105000"/>
-                <a:satMod val="109000"/>
-                <a:tint val="81000"/>
+                <a:tint val="90000"/>
               </a:schemeClr>
             </a:gs>
           </a:gsLst>
           <a:lin ang="5400000" scaled="0"/>
         </a:gradFill>
-        <a:gradFill rotWithShape="1">
-          <a:gsLst>
-            <a:gs pos="0">
+        <a:blipFill rotWithShape="1">
+          <a:blip xmlns:r="http://schemas.openxmlformats.org/officeDocument/2006/relationships" r:embed="rId1">
+            <a:duotone>
               <a:schemeClr val="phClr">
-                <a:satMod val="103000"/>
+                <a:tint val="98000"/>
                 <a:lumMod val="102000"/>
-                <a:tint val="94000"/>
               </a:schemeClr>
-            </a:gs>
-            <a:gs pos="50000">
               <a:schemeClr val="phClr">
-                <a:satMod val="110000"/>
-                <a:lumMod val="100000"/>
-                <a:shade val="100000"/>
+                <a:shade val="98000"/>
+                <a:lumMod val="98000"/>
               </a:schemeClr>
-            </a:gs>
-            <a:gs pos="100000">
-              <a:schemeClr val="phClr">
-                <a:lumMod val="99000"/>
-                <a:satMod val="120000"/>
-                <a:shade val="78000"/>
-              </a:schemeClr>
-            </a:gs>
-          </a:gsLst>
-          <a:lin ang="5400000" scaled="0"/>
-        </a:gradFill>
+            </a:duotone>
+          </a:blip>
+          <a:tile tx="0" ty="0" sx="100000" sy="100000" flip="none" algn="tl"/>
+        </a:blipFill>
       </a:fillStyleLst>
       <a:lnStyleLst>
-        <a:ln w="6350" cap="flat" cmpd="sng" algn="ctr">
+        <a:ln w="9525" cap="rnd" cmpd="sng" algn="ctr">
           <a:solidFill>
             <a:schemeClr val="phClr"/>
           </a:solidFill>
           <a:prstDash val="solid"/>
-          <a:miter lim="800000"/>
         </a:ln>
-        <a:ln w="12700" cap="flat" cmpd="sng" algn="ctr">
+        <a:ln w="15875" cap="rnd" cmpd="sng" algn="ctr">
           <a:solidFill>
             <a:schemeClr val="phClr"/>
           </a:solidFill>
           <a:prstDash val="solid"/>
-          <a:miter lim="800000"/>
         </a:ln>
-        <a:ln w="19050" cap="flat" cmpd="sng" algn="ctr">
+        <a:ln w="25400" cap="rnd" cmpd="sng" algn="ctr">
           <a:solidFill>
             <a:schemeClr val="phClr"/>
           </a:solidFill>
           <a:prstDash val="solid"/>
-          <a:miter lim="800000"/>
         </a:ln>
       </a:lnStyleLst>
       <a:effectStyleLst>
@@ -4132,11 +8266,11 @@
         </a:effectStyle>
         <a:effectStyle>
           <a:effectLst>
-            <a:outerShdw blurRad="57150" dist="19050" dir="5400000" algn="ctr" rotWithShape="0">
+            <a:innerShdw blurRad="63500" dist="25400" dir="13500000">
               <a:srgbClr val="000000">
-                <a:alpha val="63000"/>
+                <a:alpha val="75000"/>
               </a:srgbClr>
-            </a:outerShdw>
+            </a:innerShdw>
           </a:effectLst>
         </a:effectStyle>
       </a:effectStyleLst>
@@ -4144,35 +8278,35 @@
         <a:solidFill>
           <a:schemeClr val="phClr"/>
         </a:solidFill>
-        <a:solidFill>
-          <a:schemeClr val="phClr">
-            <a:tint val="95000"/>
-            <a:satMod val="170000"/>
-          </a:schemeClr>
-        </a:solidFill>
         <a:gradFill rotWithShape="1">
           <a:gsLst>
             <a:gs pos="0">
               <a:schemeClr val="phClr">
-                <a:tint val="93000"/>
-                <a:satMod val="150000"/>
-                <a:shade val="98000"/>
-                <a:lumMod val="102000"/>
-              </a:schemeClr>
-            </a:gs>
-            <a:gs pos="50000">
-              <a:schemeClr val="phClr">
-                <a:tint val="98000"/>
-                <a:satMod val="130000"/>
-                <a:shade val="90000"/>
-                <a:lumMod val="103000"/>
+                <a:tint val="100000"/>
               </a:schemeClr>
             </a:gs>
             <a:gs pos="100000">
               <a:schemeClr val="phClr">
-                <a:shade val="63000"/>
+                <a:tint val="84000"/>
+                <a:shade val="84000"/>
+                <a:lumMod val="90000"/>
+              </a:schemeClr>
+            </a:gs>
+          </a:gsLst>
+          <a:lin ang="5400000" scaled="0"/>
+        </a:gradFill>
+        <a:gradFill rotWithShape="1">
+          <a:gsLst>
+            <a:gs pos="0">
+              <a:schemeClr val="phClr">
+                <a:tint val="84000"/>
+                <a:shade val="90000"/>
                 <a:satMod val="120000"/>
+                <a:lumMod val="90000"/>
               </a:schemeClr>
+            </a:gs>
+            <a:gs pos="100000">
+              <a:schemeClr val="phClr"/>
             </a:gs>
           </a:gsLst>
           <a:lin ang="5400000" scaled="0"/>
@@ -4184,7 +8318,7 @@
   <a:extraClrSchemeLst/>
   <a:extLst>
     <a:ext uri="{05A4C25C-085E-4340-85A3-A5531E510DB2}">
-      <thm15:themeFamily xmlns:thm15="http://schemas.microsoft.com/office/thememl/2012/main" name="Office Theme" id="{62F939B6-93AF-4DB8-9C6B-D6C7DFDC589F}" vid="{4A3C46E8-61CC-4603-A589-7422A47A8E4A}"/>
+      <thm15:themeFamily xmlns:thm15="http://schemas.microsoft.com/office/thememl/2012/main" name="Quotable" id="{39EC5628-30ED-4578-ACD8-9820EDB8E15A}" vid="{6F3559E9-1A4C-49D8-94D4-F41003531C49}"/>
     </a:ext>
   </a:extLst>
 </a:theme>
